--- a/運維知識-1.pptx
+++ b/運維知識-1.pptx
@@ -3,13 +3,19 @@
 <p:presentation xmlns:a="http://schemas.openxmlformats.org/drawingml/2006/main" xmlns:p="http://schemas.openxmlformats.org/presentationml/2006/main" xmlns:r="http://schemas.openxmlformats.org/officeDocument/2006/relationships">
   <p:sldMasterIdLst>
     <p:sldMasterId id="2147483648" r:id="rId2"/>
+    <p:sldMasterId id="2147483661" r:id="rId3"/>
+    <p:sldMasterId id="2147483674" r:id="rId4"/>
+    <p:sldMasterId id="2147483687" r:id="rId5"/>
   </p:sldMasterIdLst>
   <p:sldIdLst>
-    <p:sldId id="256" r:id="rId3"/>
-    <p:sldId id="257" r:id="rId4"/>
-    <p:sldId id="258" r:id="rId5"/>
-    <p:sldId id="259" r:id="rId6"/>
-    <p:sldId id="260" r:id="rId7"/>
+    <p:sldId id="256" r:id="rId6"/>
+    <p:sldId id="257" r:id="rId7"/>
+    <p:sldId id="258" r:id="rId8"/>
+    <p:sldId id="259" r:id="rId9"/>
+    <p:sldId id="260" r:id="rId10"/>
+    <p:sldId id="261" r:id="rId11"/>
+    <p:sldId id="262" r:id="rId12"/>
+    <p:sldId id="263" r:id="rId13"/>
   </p:sldIdLst>
   <p:sldSz cx="10080625" cy="7559675"/>
   <p:notesSz cx="7559675" cy="10691812"/>
@@ -57,7 +63,7 @@
       </p:grpSpPr>
       <p:sp>
         <p:nvSpPr>
-          <p:cNvPr id="26" name="PlaceHolder 1"/>
+          <p:cNvPr id="23" name="PlaceHolder 1"/>
           <p:cNvSpPr>
             <a:spLocks noGrp="1"/>
           </p:cNvSpPr>
@@ -68,7 +74,7 @@
         <p:spPr>
           <a:xfrm>
             <a:off x="504000" y="301320"/>
-            <a:ext cx="9071640" cy="1262520"/>
+            <a:ext cx="9071640" cy="1262160"/>
           </a:xfrm>
           <a:prstGeom prst="rect">
             <a:avLst/>
@@ -84,44 +90,44 @@
       </p:sp>
       <p:sp>
         <p:nvSpPr>
-          <p:cNvPr id="27" name="PlaceHolder 2"/>
-          <p:cNvSpPr>
-            <a:spLocks noGrp="1"/>
-          </p:cNvSpPr>
-          <p:nvPr>
-            <p:ph type="body"/>
-          </p:nvPr>
-        </p:nvSpPr>
-        <p:spPr>
-          <a:xfrm>
-            <a:off x="504000" y="1769040"/>
-            <a:ext cx="9071640" cy="2091240"/>
-          </a:xfrm>
-          <a:prstGeom prst="rect">
-            <a:avLst/>
-          </a:prstGeom>
-        </p:spPr>
-        <p:txBody>
-          <a:bodyPr lIns="0" rIns="0" tIns="0" bIns="0"/>
-          <a:p>
-            <a:endParaRPr/>
-          </a:p>
-        </p:txBody>
-      </p:sp>
-      <p:sp>
-        <p:nvSpPr>
-          <p:cNvPr id="28" name="PlaceHolder 3"/>
-          <p:cNvSpPr>
-            <a:spLocks noGrp="1"/>
-          </p:cNvSpPr>
-          <p:nvPr>
-            <p:ph type="body"/>
-          </p:nvPr>
-        </p:nvSpPr>
-        <p:spPr>
-          <a:xfrm>
-            <a:off x="504000" y="4059360"/>
-            <a:ext cx="9071640" cy="2091240"/>
+          <p:cNvPr id="24" name="PlaceHolder 2"/>
+          <p:cNvSpPr>
+            <a:spLocks noGrp="1"/>
+          </p:cNvSpPr>
+          <p:nvPr>
+            <p:ph type="body"/>
+          </p:nvPr>
+        </p:nvSpPr>
+        <p:spPr>
+          <a:xfrm>
+            <a:off x="504000" y="1768680"/>
+            <a:ext cx="9071640" cy="2090880"/>
+          </a:xfrm>
+          <a:prstGeom prst="rect">
+            <a:avLst/>
+          </a:prstGeom>
+        </p:spPr>
+        <p:txBody>
+          <a:bodyPr lIns="0" rIns="0" tIns="0" bIns="0"/>
+          <a:p>
+            <a:endParaRPr/>
+          </a:p>
+        </p:txBody>
+      </p:sp>
+      <p:sp>
+        <p:nvSpPr>
+          <p:cNvPr id="25" name="PlaceHolder 3"/>
+          <p:cNvSpPr>
+            <a:spLocks noGrp="1"/>
+          </p:cNvSpPr>
+          <p:nvPr>
+            <p:ph type="body"/>
+          </p:nvPr>
+        </p:nvSpPr>
+        <p:spPr>
+          <a:xfrm>
+            <a:off x="504000" y="4058640"/>
+            <a:ext cx="9071640" cy="2090880"/>
           </a:xfrm>
           <a:prstGeom prst="rect">
             <a:avLst/>
@@ -158,7 +164,7 @@
       </p:grpSpPr>
       <p:sp>
         <p:nvSpPr>
-          <p:cNvPr id="29" name="PlaceHolder 1"/>
+          <p:cNvPr id="26" name="PlaceHolder 1"/>
           <p:cNvSpPr>
             <a:spLocks noGrp="1"/>
           </p:cNvSpPr>
@@ -169,7 +175,7 @@
         <p:spPr>
           <a:xfrm>
             <a:off x="504000" y="301320"/>
-            <a:ext cx="9071640" cy="1262520"/>
+            <a:ext cx="9071640" cy="1262160"/>
           </a:xfrm>
           <a:prstGeom prst="rect">
             <a:avLst/>
@@ -185,96 +191,96 @@
       </p:sp>
       <p:sp>
         <p:nvSpPr>
-          <p:cNvPr id="30" name="PlaceHolder 2"/>
-          <p:cNvSpPr>
-            <a:spLocks noGrp="1"/>
-          </p:cNvSpPr>
-          <p:nvPr>
-            <p:ph type="body"/>
-          </p:nvPr>
-        </p:nvSpPr>
-        <p:spPr>
-          <a:xfrm>
-            <a:off x="504000" y="1769040"/>
-            <a:ext cx="4426920" cy="2091240"/>
-          </a:xfrm>
-          <a:prstGeom prst="rect">
-            <a:avLst/>
-          </a:prstGeom>
-        </p:spPr>
-        <p:txBody>
-          <a:bodyPr lIns="0" rIns="0" tIns="0" bIns="0"/>
-          <a:p>
-            <a:endParaRPr/>
-          </a:p>
-        </p:txBody>
-      </p:sp>
-      <p:sp>
-        <p:nvSpPr>
-          <p:cNvPr id="31" name="PlaceHolder 3"/>
-          <p:cNvSpPr>
-            <a:spLocks noGrp="1"/>
-          </p:cNvSpPr>
-          <p:nvPr>
-            <p:ph type="body"/>
-          </p:nvPr>
-        </p:nvSpPr>
-        <p:spPr>
-          <a:xfrm>
-            <a:off x="5152680" y="1769040"/>
-            <a:ext cx="4426920" cy="2091240"/>
-          </a:xfrm>
-          <a:prstGeom prst="rect">
-            <a:avLst/>
-          </a:prstGeom>
-        </p:spPr>
-        <p:txBody>
-          <a:bodyPr lIns="0" rIns="0" tIns="0" bIns="0"/>
-          <a:p>
-            <a:endParaRPr/>
-          </a:p>
-        </p:txBody>
-      </p:sp>
-      <p:sp>
-        <p:nvSpPr>
-          <p:cNvPr id="32" name="PlaceHolder 4"/>
-          <p:cNvSpPr>
-            <a:spLocks noGrp="1"/>
-          </p:cNvSpPr>
-          <p:nvPr>
-            <p:ph type="body"/>
-          </p:nvPr>
-        </p:nvSpPr>
-        <p:spPr>
-          <a:xfrm>
-            <a:off x="5152680" y="4059360"/>
-            <a:ext cx="4426920" cy="2091240"/>
-          </a:xfrm>
-          <a:prstGeom prst="rect">
-            <a:avLst/>
-          </a:prstGeom>
-        </p:spPr>
-        <p:txBody>
-          <a:bodyPr lIns="0" rIns="0" tIns="0" bIns="0"/>
-          <a:p>
-            <a:endParaRPr/>
-          </a:p>
-        </p:txBody>
-      </p:sp>
-      <p:sp>
-        <p:nvSpPr>
-          <p:cNvPr id="33" name="PlaceHolder 5"/>
-          <p:cNvSpPr>
-            <a:spLocks noGrp="1"/>
-          </p:cNvSpPr>
-          <p:nvPr>
-            <p:ph type="body"/>
-          </p:nvPr>
-        </p:nvSpPr>
-        <p:spPr>
-          <a:xfrm>
-            <a:off x="504000" y="4059360"/>
-            <a:ext cx="4426920" cy="2091240"/>
+          <p:cNvPr id="27" name="PlaceHolder 2"/>
+          <p:cNvSpPr>
+            <a:spLocks noGrp="1"/>
+          </p:cNvSpPr>
+          <p:nvPr>
+            <p:ph type="body"/>
+          </p:nvPr>
+        </p:nvSpPr>
+        <p:spPr>
+          <a:xfrm>
+            <a:off x="504000" y="1768680"/>
+            <a:ext cx="4426920" cy="2090880"/>
+          </a:xfrm>
+          <a:prstGeom prst="rect">
+            <a:avLst/>
+          </a:prstGeom>
+        </p:spPr>
+        <p:txBody>
+          <a:bodyPr lIns="0" rIns="0" tIns="0" bIns="0"/>
+          <a:p>
+            <a:endParaRPr/>
+          </a:p>
+        </p:txBody>
+      </p:sp>
+      <p:sp>
+        <p:nvSpPr>
+          <p:cNvPr id="28" name="PlaceHolder 3"/>
+          <p:cNvSpPr>
+            <a:spLocks noGrp="1"/>
+          </p:cNvSpPr>
+          <p:nvPr>
+            <p:ph type="body"/>
+          </p:nvPr>
+        </p:nvSpPr>
+        <p:spPr>
+          <a:xfrm>
+            <a:off x="5152680" y="1768680"/>
+            <a:ext cx="4426920" cy="2090880"/>
+          </a:xfrm>
+          <a:prstGeom prst="rect">
+            <a:avLst/>
+          </a:prstGeom>
+        </p:spPr>
+        <p:txBody>
+          <a:bodyPr lIns="0" rIns="0" tIns="0" bIns="0"/>
+          <a:p>
+            <a:endParaRPr/>
+          </a:p>
+        </p:txBody>
+      </p:sp>
+      <p:sp>
+        <p:nvSpPr>
+          <p:cNvPr id="29" name="PlaceHolder 4"/>
+          <p:cNvSpPr>
+            <a:spLocks noGrp="1"/>
+          </p:cNvSpPr>
+          <p:nvPr>
+            <p:ph type="body"/>
+          </p:nvPr>
+        </p:nvSpPr>
+        <p:spPr>
+          <a:xfrm>
+            <a:off x="5152680" y="4058640"/>
+            <a:ext cx="4426920" cy="2090880"/>
+          </a:xfrm>
+          <a:prstGeom prst="rect">
+            <a:avLst/>
+          </a:prstGeom>
+        </p:spPr>
+        <p:txBody>
+          <a:bodyPr lIns="0" rIns="0" tIns="0" bIns="0"/>
+          <a:p>
+            <a:endParaRPr/>
+          </a:p>
+        </p:txBody>
+      </p:sp>
+      <p:sp>
+        <p:nvSpPr>
+          <p:cNvPr id="30" name="PlaceHolder 5"/>
+          <p:cNvSpPr>
+            <a:spLocks noGrp="1"/>
+          </p:cNvSpPr>
+          <p:nvPr>
+            <p:ph type="body"/>
+          </p:nvPr>
+        </p:nvSpPr>
+        <p:spPr>
+          <a:xfrm>
+            <a:off x="504000" y="4058640"/>
+            <a:ext cx="4426920" cy="2090880"/>
           </a:xfrm>
           <a:prstGeom prst="rect">
             <a:avLst/>
@@ -311,7 +317,7 @@
       </p:grpSpPr>
       <p:sp>
         <p:nvSpPr>
-          <p:cNvPr id="34" name="PlaceHolder 1"/>
+          <p:cNvPr id="31" name="PlaceHolder 1"/>
           <p:cNvSpPr>
             <a:spLocks noGrp="1"/>
           </p:cNvSpPr>
@@ -322,7 +328,7 @@
         <p:spPr>
           <a:xfrm>
             <a:off x="504000" y="301320"/>
-            <a:ext cx="9071640" cy="1262520"/>
+            <a:ext cx="9071640" cy="1262160"/>
           </a:xfrm>
           <a:prstGeom prst="rect">
             <a:avLst/>
@@ -338,44 +344,44 @@
       </p:sp>
       <p:sp>
         <p:nvSpPr>
-          <p:cNvPr id="35" name="PlaceHolder 2"/>
-          <p:cNvSpPr>
-            <a:spLocks noGrp="1"/>
-          </p:cNvSpPr>
-          <p:nvPr>
-            <p:ph type="body"/>
-          </p:nvPr>
-        </p:nvSpPr>
-        <p:spPr>
-          <a:xfrm>
-            <a:off x="504000" y="1769040"/>
-            <a:ext cx="9071640" cy="4384440"/>
-          </a:xfrm>
-          <a:prstGeom prst="rect">
-            <a:avLst/>
-          </a:prstGeom>
-        </p:spPr>
-        <p:txBody>
-          <a:bodyPr lIns="0" rIns="0" tIns="0" bIns="0"/>
-          <a:p>
-            <a:endParaRPr/>
-          </a:p>
-        </p:txBody>
-      </p:sp>
-      <p:sp>
-        <p:nvSpPr>
-          <p:cNvPr id="36" name="PlaceHolder 3"/>
-          <p:cNvSpPr>
-            <a:spLocks noGrp="1"/>
-          </p:cNvSpPr>
-          <p:nvPr>
-            <p:ph type="body"/>
-          </p:nvPr>
-        </p:nvSpPr>
-        <p:spPr>
-          <a:xfrm>
-            <a:off x="504000" y="1769040"/>
-            <a:ext cx="9071640" cy="4384440"/>
+          <p:cNvPr id="32" name="PlaceHolder 2"/>
+          <p:cNvSpPr>
+            <a:spLocks noGrp="1"/>
+          </p:cNvSpPr>
+          <p:nvPr>
+            <p:ph type="body"/>
+          </p:nvPr>
+        </p:nvSpPr>
+        <p:spPr>
+          <a:xfrm>
+            <a:off x="504000" y="1768680"/>
+            <a:ext cx="9071640" cy="4383720"/>
+          </a:xfrm>
+          <a:prstGeom prst="rect">
+            <a:avLst/>
+          </a:prstGeom>
+        </p:spPr>
+        <p:txBody>
+          <a:bodyPr lIns="0" rIns="0" tIns="0" bIns="0"/>
+          <a:p>
+            <a:endParaRPr/>
+          </a:p>
+        </p:txBody>
+      </p:sp>
+      <p:sp>
+        <p:nvSpPr>
+          <p:cNvPr id="33" name="PlaceHolder 3"/>
+          <p:cNvSpPr>
+            <a:spLocks noGrp="1"/>
+          </p:cNvSpPr>
+          <p:nvPr>
+            <p:ph type="body"/>
+          </p:nvPr>
+        </p:nvSpPr>
+        <p:spPr>
+          <a:xfrm>
+            <a:off x="504000" y="1768680"/>
+            <a:ext cx="9071640" cy="4383720"/>
           </a:xfrm>
           <a:prstGeom prst="rect">
             <a:avLst/>
@@ -390,7 +396,7 @@
       </p:sp>
       <p:pic>
         <p:nvPicPr>
-          <p:cNvPr id="37" name="" descr=""/>
+          <p:cNvPr id="34" name="" descr=""/>
           <p:cNvPicPr/>
           <p:nvPr/>
         </p:nvPicPr>
@@ -402,8 +408,8 @@
         </p:blipFill>
         <p:spPr>
           <a:xfrm>
-            <a:off x="2292120" y="1768680"/>
-            <a:ext cx="5495040" cy="4384440"/>
+            <a:off x="2292480" y="1768320"/>
+            <a:ext cx="5494320" cy="4383720"/>
           </a:xfrm>
           <a:prstGeom prst="rect">
             <a:avLst/>
@@ -415,7 +421,7 @@
       </p:pic>
       <p:pic>
         <p:nvPicPr>
-          <p:cNvPr id="38" name="" descr=""/>
+          <p:cNvPr id="35" name="" descr=""/>
           <p:cNvPicPr/>
           <p:nvPr/>
         </p:nvPicPr>
@@ -427,8 +433,8 @@
         </p:blipFill>
         <p:spPr>
           <a:xfrm>
-            <a:off x="2292120" y="1768680"/>
-            <a:ext cx="5495040" cy="4384440"/>
+            <a:off x="2292480" y="1768320"/>
+            <a:ext cx="5494320" cy="4383720"/>
           </a:xfrm>
           <a:prstGeom prst="rect">
             <a:avLst/>
@@ -438,6 +444,505 @@
           </a:ln>
         </p:spPr>
       </p:pic>
+    </p:spTree>
+  </p:cSld>
+</p:sldLayout>
+</file>
+
+<file path=ppt/slideLayouts/slideLayout13.xml><?xml version="1.0" encoding="utf-8"?>
+<p:sldLayout xmlns:a="http://schemas.openxmlformats.org/drawingml/2006/main" xmlns:p="http://schemas.openxmlformats.org/presentationml/2006/main" xmlns:r="http://schemas.openxmlformats.org/officeDocument/2006/relationships" type="blank" preserve="1">
+  <p:cSld name="Blank Slide">
+    <p:spTree>
+      <p:nvGrpSpPr>
+        <p:cNvPr id="1" name=""/>
+        <p:cNvGrpSpPr/>
+        <p:nvPr/>
+      </p:nvGrpSpPr>
+      <p:grpSpPr>
+        <a:xfrm>
+          <a:off x="0" y="0"/>
+          <a:ext cx="0" cy="0"/>
+          <a:chOff x="0" y="0"/>
+          <a:chExt cx="0" cy="0"/>
+        </a:xfrm>
+      </p:grpSpPr>
+    </p:spTree>
+  </p:cSld>
+</p:sldLayout>
+</file>
+
+<file path=ppt/slideLayouts/slideLayout14.xml><?xml version="1.0" encoding="utf-8"?>
+<p:sldLayout xmlns:a="http://schemas.openxmlformats.org/drawingml/2006/main" xmlns:p="http://schemas.openxmlformats.org/presentationml/2006/main" xmlns:r="http://schemas.openxmlformats.org/officeDocument/2006/relationships" type="tx" preserve="1">
+  <p:cSld name="Title Slide">
+    <p:spTree>
+      <p:nvGrpSpPr>
+        <p:cNvPr id="1" name=""/>
+        <p:cNvGrpSpPr/>
+        <p:nvPr/>
+      </p:nvGrpSpPr>
+      <p:grpSpPr>
+        <a:xfrm>
+          <a:off x="0" y="0"/>
+          <a:ext cx="0" cy="0"/>
+          <a:chOff x="0" y="0"/>
+          <a:chExt cx="0" cy="0"/>
+        </a:xfrm>
+      </p:grpSpPr>
+      <p:sp>
+        <p:nvSpPr>
+          <p:cNvPr id="38" name="PlaceHolder 1"/>
+          <p:cNvSpPr>
+            <a:spLocks noGrp="1"/>
+          </p:cNvSpPr>
+          <p:nvPr>
+            <p:ph type="title"/>
+          </p:nvPr>
+        </p:nvSpPr>
+        <p:spPr>
+          <a:xfrm>
+            <a:off x="504000" y="301320"/>
+            <a:ext cx="9071640" cy="1262160"/>
+          </a:xfrm>
+          <a:prstGeom prst="rect">
+            <a:avLst/>
+          </a:prstGeom>
+        </p:spPr>
+        <p:txBody>
+          <a:bodyPr lIns="0" rIns="0" tIns="0" bIns="0" anchor="ctr"/>
+          <a:p>
+            <a:pPr algn="ctr"/>
+            <a:endParaRPr/>
+          </a:p>
+        </p:txBody>
+      </p:sp>
+      <p:sp>
+        <p:nvSpPr>
+          <p:cNvPr id="39" name="PlaceHolder 2"/>
+          <p:cNvSpPr>
+            <a:spLocks noGrp="1"/>
+          </p:cNvSpPr>
+          <p:nvPr>
+            <p:ph type="subTitle"/>
+          </p:nvPr>
+        </p:nvSpPr>
+        <p:spPr>
+          <a:xfrm>
+            <a:off x="504000" y="1768680"/>
+            <a:ext cx="9071640" cy="4384080"/>
+          </a:xfrm>
+          <a:prstGeom prst="rect">
+            <a:avLst/>
+          </a:prstGeom>
+        </p:spPr>
+        <p:txBody>
+          <a:bodyPr lIns="0" rIns="0" tIns="0" bIns="0" anchor="ctr"/>
+          <a:p>
+            <a:pPr algn="ctr"/>
+            <a:endParaRPr/>
+          </a:p>
+        </p:txBody>
+      </p:sp>
+    </p:spTree>
+  </p:cSld>
+</p:sldLayout>
+</file>
+
+<file path=ppt/slideLayouts/slideLayout15.xml><?xml version="1.0" encoding="utf-8"?>
+<p:sldLayout xmlns:a="http://schemas.openxmlformats.org/drawingml/2006/main" xmlns:p="http://schemas.openxmlformats.org/presentationml/2006/main" xmlns:r="http://schemas.openxmlformats.org/officeDocument/2006/relationships" type="obj" preserve="1">
+  <p:cSld name="Title, Content">
+    <p:spTree>
+      <p:nvGrpSpPr>
+        <p:cNvPr id="1" name=""/>
+        <p:cNvGrpSpPr/>
+        <p:nvPr/>
+      </p:nvGrpSpPr>
+      <p:grpSpPr>
+        <a:xfrm>
+          <a:off x="0" y="0"/>
+          <a:ext cx="0" cy="0"/>
+          <a:chOff x="0" y="0"/>
+          <a:chExt cx="0" cy="0"/>
+        </a:xfrm>
+      </p:grpSpPr>
+      <p:sp>
+        <p:nvSpPr>
+          <p:cNvPr id="40" name="PlaceHolder 1"/>
+          <p:cNvSpPr>
+            <a:spLocks noGrp="1"/>
+          </p:cNvSpPr>
+          <p:nvPr>
+            <p:ph type="title"/>
+          </p:nvPr>
+        </p:nvSpPr>
+        <p:spPr>
+          <a:xfrm>
+            <a:off x="504000" y="301320"/>
+            <a:ext cx="9071640" cy="1262160"/>
+          </a:xfrm>
+          <a:prstGeom prst="rect">
+            <a:avLst/>
+          </a:prstGeom>
+        </p:spPr>
+        <p:txBody>
+          <a:bodyPr lIns="0" rIns="0" tIns="0" bIns="0" anchor="ctr"/>
+          <a:p>
+            <a:pPr algn="ctr"/>
+            <a:endParaRPr/>
+          </a:p>
+        </p:txBody>
+      </p:sp>
+      <p:sp>
+        <p:nvSpPr>
+          <p:cNvPr id="41" name="PlaceHolder 2"/>
+          <p:cNvSpPr>
+            <a:spLocks noGrp="1"/>
+          </p:cNvSpPr>
+          <p:nvPr>
+            <p:ph type="body"/>
+          </p:nvPr>
+        </p:nvSpPr>
+        <p:spPr>
+          <a:xfrm>
+            <a:off x="504000" y="1768680"/>
+            <a:ext cx="9071640" cy="4383720"/>
+          </a:xfrm>
+          <a:prstGeom prst="rect">
+            <a:avLst/>
+          </a:prstGeom>
+        </p:spPr>
+        <p:txBody>
+          <a:bodyPr lIns="0" rIns="0" tIns="0" bIns="0"/>
+          <a:p>
+            <a:endParaRPr/>
+          </a:p>
+        </p:txBody>
+      </p:sp>
+    </p:spTree>
+  </p:cSld>
+</p:sldLayout>
+</file>
+
+<file path=ppt/slideLayouts/slideLayout16.xml><?xml version="1.0" encoding="utf-8"?>
+<p:sldLayout xmlns:a="http://schemas.openxmlformats.org/drawingml/2006/main" xmlns:p="http://schemas.openxmlformats.org/presentationml/2006/main" xmlns:r="http://schemas.openxmlformats.org/officeDocument/2006/relationships" type="twoObj" preserve="1">
+  <p:cSld name="Title, 2 Content">
+    <p:spTree>
+      <p:nvGrpSpPr>
+        <p:cNvPr id="1" name=""/>
+        <p:cNvGrpSpPr/>
+        <p:nvPr/>
+      </p:nvGrpSpPr>
+      <p:grpSpPr>
+        <a:xfrm>
+          <a:off x="0" y="0"/>
+          <a:ext cx="0" cy="0"/>
+          <a:chOff x="0" y="0"/>
+          <a:chExt cx="0" cy="0"/>
+        </a:xfrm>
+      </p:grpSpPr>
+      <p:sp>
+        <p:nvSpPr>
+          <p:cNvPr id="42" name="PlaceHolder 1"/>
+          <p:cNvSpPr>
+            <a:spLocks noGrp="1"/>
+          </p:cNvSpPr>
+          <p:nvPr>
+            <p:ph type="title"/>
+          </p:nvPr>
+        </p:nvSpPr>
+        <p:spPr>
+          <a:xfrm>
+            <a:off x="504000" y="301320"/>
+            <a:ext cx="9071640" cy="1262160"/>
+          </a:xfrm>
+          <a:prstGeom prst="rect">
+            <a:avLst/>
+          </a:prstGeom>
+        </p:spPr>
+        <p:txBody>
+          <a:bodyPr lIns="0" rIns="0" tIns="0" bIns="0" anchor="ctr"/>
+          <a:p>
+            <a:pPr algn="ctr"/>
+            <a:endParaRPr/>
+          </a:p>
+        </p:txBody>
+      </p:sp>
+      <p:sp>
+        <p:nvSpPr>
+          <p:cNvPr id="43" name="PlaceHolder 2"/>
+          <p:cNvSpPr>
+            <a:spLocks noGrp="1"/>
+          </p:cNvSpPr>
+          <p:nvPr>
+            <p:ph type="body"/>
+          </p:nvPr>
+        </p:nvSpPr>
+        <p:spPr>
+          <a:xfrm>
+            <a:off x="504000" y="1768680"/>
+            <a:ext cx="4426920" cy="4383720"/>
+          </a:xfrm>
+          <a:prstGeom prst="rect">
+            <a:avLst/>
+          </a:prstGeom>
+        </p:spPr>
+        <p:txBody>
+          <a:bodyPr lIns="0" rIns="0" tIns="0" bIns="0"/>
+          <a:p>
+            <a:endParaRPr/>
+          </a:p>
+        </p:txBody>
+      </p:sp>
+      <p:sp>
+        <p:nvSpPr>
+          <p:cNvPr id="44" name="PlaceHolder 3"/>
+          <p:cNvSpPr>
+            <a:spLocks noGrp="1"/>
+          </p:cNvSpPr>
+          <p:nvPr>
+            <p:ph type="body"/>
+          </p:nvPr>
+        </p:nvSpPr>
+        <p:spPr>
+          <a:xfrm>
+            <a:off x="5152680" y="1768680"/>
+            <a:ext cx="4426920" cy="4383720"/>
+          </a:xfrm>
+          <a:prstGeom prst="rect">
+            <a:avLst/>
+          </a:prstGeom>
+        </p:spPr>
+        <p:txBody>
+          <a:bodyPr lIns="0" rIns="0" tIns="0" bIns="0"/>
+          <a:p>
+            <a:endParaRPr/>
+          </a:p>
+        </p:txBody>
+      </p:sp>
+    </p:spTree>
+  </p:cSld>
+</p:sldLayout>
+</file>
+
+<file path=ppt/slideLayouts/slideLayout17.xml><?xml version="1.0" encoding="utf-8"?>
+<p:sldLayout xmlns:a="http://schemas.openxmlformats.org/drawingml/2006/main" xmlns:p="http://schemas.openxmlformats.org/presentationml/2006/main" xmlns:r="http://schemas.openxmlformats.org/officeDocument/2006/relationships" type="titleOnly" preserve="1">
+  <p:cSld name="Title Only">
+    <p:spTree>
+      <p:nvGrpSpPr>
+        <p:cNvPr id="1" name=""/>
+        <p:cNvGrpSpPr/>
+        <p:nvPr/>
+      </p:nvGrpSpPr>
+      <p:grpSpPr>
+        <a:xfrm>
+          <a:off x="0" y="0"/>
+          <a:ext cx="0" cy="0"/>
+          <a:chOff x="0" y="0"/>
+          <a:chExt cx="0" cy="0"/>
+        </a:xfrm>
+      </p:grpSpPr>
+      <p:sp>
+        <p:nvSpPr>
+          <p:cNvPr id="45" name="PlaceHolder 1"/>
+          <p:cNvSpPr>
+            <a:spLocks noGrp="1"/>
+          </p:cNvSpPr>
+          <p:nvPr>
+            <p:ph type="title"/>
+          </p:nvPr>
+        </p:nvSpPr>
+        <p:spPr>
+          <a:xfrm>
+            <a:off x="504000" y="301320"/>
+            <a:ext cx="9071640" cy="1262160"/>
+          </a:xfrm>
+          <a:prstGeom prst="rect">
+            <a:avLst/>
+          </a:prstGeom>
+        </p:spPr>
+        <p:txBody>
+          <a:bodyPr lIns="0" rIns="0" tIns="0" bIns="0" anchor="ctr"/>
+          <a:p>
+            <a:pPr algn="ctr"/>
+            <a:endParaRPr/>
+          </a:p>
+        </p:txBody>
+      </p:sp>
+    </p:spTree>
+  </p:cSld>
+</p:sldLayout>
+</file>
+
+<file path=ppt/slideLayouts/slideLayout18.xml><?xml version="1.0" encoding="utf-8"?>
+<p:sldLayout xmlns:a="http://schemas.openxmlformats.org/drawingml/2006/main" xmlns:p="http://schemas.openxmlformats.org/presentationml/2006/main" xmlns:r="http://schemas.openxmlformats.org/officeDocument/2006/relationships" type="objOnly" preserve="1">
+  <p:cSld name="Centered Text">
+    <p:spTree>
+      <p:nvGrpSpPr>
+        <p:cNvPr id="1" name=""/>
+        <p:cNvGrpSpPr/>
+        <p:nvPr/>
+      </p:nvGrpSpPr>
+      <p:grpSpPr>
+        <a:xfrm>
+          <a:off x="0" y="0"/>
+          <a:ext cx="0" cy="0"/>
+          <a:chOff x="0" y="0"/>
+          <a:chExt cx="0" cy="0"/>
+        </a:xfrm>
+      </p:grpSpPr>
+      <p:sp>
+        <p:nvSpPr>
+          <p:cNvPr id="46" name="PlaceHolder 1"/>
+          <p:cNvSpPr>
+            <a:spLocks noGrp="1"/>
+          </p:cNvSpPr>
+          <p:nvPr>
+            <p:ph type="subTitle"/>
+          </p:nvPr>
+        </p:nvSpPr>
+        <p:spPr>
+          <a:xfrm>
+            <a:off x="504000" y="301320"/>
+            <a:ext cx="9071640" cy="5850720"/>
+          </a:xfrm>
+          <a:prstGeom prst="rect">
+            <a:avLst/>
+          </a:prstGeom>
+        </p:spPr>
+        <p:txBody>
+          <a:bodyPr lIns="0" rIns="0" tIns="0" bIns="0" anchor="ctr"/>
+          <a:p>
+            <a:pPr algn="ctr"/>
+            <a:endParaRPr/>
+          </a:p>
+        </p:txBody>
+      </p:sp>
+    </p:spTree>
+  </p:cSld>
+</p:sldLayout>
+</file>
+
+<file path=ppt/slideLayouts/slideLayout19.xml><?xml version="1.0" encoding="utf-8"?>
+<p:sldLayout xmlns:a="http://schemas.openxmlformats.org/drawingml/2006/main" xmlns:p="http://schemas.openxmlformats.org/presentationml/2006/main" xmlns:r="http://schemas.openxmlformats.org/officeDocument/2006/relationships" type="twoObjAndObj" preserve="1">
+  <p:cSld name="Title, 2 Content and Content">
+    <p:spTree>
+      <p:nvGrpSpPr>
+        <p:cNvPr id="1" name=""/>
+        <p:cNvGrpSpPr/>
+        <p:nvPr/>
+      </p:nvGrpSpPr>
+      <p:grpSpPr>
+        <a:xfrm>
+          <a:off x="0" y="0"/>
+          <a:ext cx="0" cy="0"/>
+          <a:chOff x="0" y="0"/>
+          <a:chExt cx="0" cy="0"/>
+        </a:xfrm>
+      </p:grpSpPr>
+      <p:sp>
+        <p:nvSpPr>
+          <p:cNvPr id="47" name="PlaceHolder 1"/>
+          <p:cNvSpPr>
+            <a:spLocks noGrp="1"/>
+          </p:cNvSpPr>
+          <p:nvPr>
+            <p:ph type="title"/>
+          </p:nvPr>
+        </p:nvSpPr>
+        <p:spPr>
+          <a:xfrm>
+            <a:off x="504000" y="301320"/>
+            <a:ext cx="9071640" cy="1262160"/>
+          </a:xfrm>
+          <a:prstGeom prst="rect">
+            <a:avLst/>
+          </a:prstGeom>
+        </p:spPr>
+        <p:txBody>
+          <a:bodyPr lIns="0" rIns="0" tIns="0" bIns="0" anchor="ctr"/>
+          <a:p>
+            <a:pPr algn="ctr"/>
+            <a:endParaRPr/>
+          </a:p>
+        </p:txBody>
+      </p:sp>
+      <p:sp>
+        <p:nvSpPr>
+          <p:cNvPr id="48" name="PlaceHolder 2"/>
+          <p:cNvSpPr>
+            <a:spLocks noGrp="1"/>
+          </p:cNvSpPr>
+          <p:nvPr>
+            <p:ph type="body"/>
+          </p:nvPr>
+        </p:nvSpPr>
+        <p:spPr>
+          <a:xfrm>
+            <a:off x="504000" y="1768680"/>
+            <a:ext cx="4426920" cy="2090880"/>
+          </a:xfrm>
+          <a:prstGeom prst="rect">
+            <a:avLst/>
+          </a:prstGeom>
+        </p:spPr>
+        <p:txBody>
+          <a:bodyPr lIns="0" rIns="0" tIns="0" bIns="0"/>
+          <a:p>
+            <a:endParaRPr/>
+          </a:p>
+        </p:txBody>
+      </p:sp>
+      <p:sp>
+        <p:nvSpPr>
+          <p:cNvPr id="49" name="PlaceHolder 3"/>
+          <p:cNvSpPr>
+            <a:spLocks noGrp="1"/>
+          </p:cNvSpPr>
+          <p:nvPr>
+            <p:ph type="body"/>
+          </p:nvPr>
+        </p:nvSpPr>
+        <p:spPr>
+          <a:xfrm>
+            <a:off x="504000" y="4058640"/>
+            <a:ext cx="4426920" cy="2090880"/>
+          </a:xfrm>
+          <a:prstGeom prst="rect">
+            <a:avLst/>
+          </a:prstGeom>
+        </p:spPr>
+        <p:txBody>
+          <a:bodyPr lIns="0" rIns="0" tIns="0" bIns="0"/>
+          <a:p>
+            <a:endParaRPr/>
+          </a:p>
+        </p:txBody>
+      </p:sp>
+      <p:sp>
+        <p:nvSpPr>
+          <p:cNvPr id="50" name="PlaceHolder 4"/>
+          <p:cNvSpPr>
+            <a:spLocks noGrp="1"/>
+          </p:cNvSpPr>
+          <p:nvPr>
+            <p:ph type="body"/>
+          </p:nvPr>
+        </p:nvSpPr>
+        <p:spPr>
+          <a:xfrm>
+            <a:off x="5152680" y="1768680"/>
+            <a:ext cx="4426920" cy="4383720"/>
+          </a:xfrm>
+          <a:prstGeom prst="rect">
+            <a:avLst/>
+          </a:prstGeom>
+        </p:spPr>
+        <p:txBody>
+          <a:bodyPr lIns="0" rIns="0" tIns="0" bIns="0"/>
+          <a:p>
+            <a:endParaRPr/>
+          </a:p>
+        </p:txBody>
+      </p:sp>
     </p:spTree>
   </p:cSld>
 </p:sldLayout>
@@ -462,7 +967,7 @@
       </p:grpSpPr>
       <p:sp>
         <p:nvSpPr>
-          <p:cNvPr id="5" name="PlaceHolder 1"/>
+          <p:cNvPr id="2" name="PlaceHolder 1"/>
           <p:cNvSpPr>
             <a:spLocks noGrp="1"/>
           </p:cNvSpPr>
@@ -473,7 +978,7 @@
         <p:spPr>
           <a:xfrm>
             <a:off x="504000" y="301320"/>
-            <a:ext cx="9071640" cy="1262520"/>
+            <a:ext cx="9071640" cy="1262160"/>
           </a:xfrm>
           <a:prstGeom prst="rect">
             <a:avLst/>
@@ -489,7 +994,7 @@
       </p:sp>
       <p:sp>
         <p:nvSpPr>
-          <p:cNvPr id="6" name="PlaceHolder 2"/>
+          <p:cNvPr id="3" name="PlaceHolder 2"/>
           <p:cNvSpPr>
             <a:spLocks noGrp="1"/>
           </p:cNvSpPr>
@@ -499,8 +1004,990 @@
         </p:nvSpPr>
         <p:spPr>
           <a:xfrm>
-            <a:off x="504000" y="1769040"/>
-            <a:ext cx="9071640" cy="4384800"/>
+            <a:off x="504000" y="1768680"/>
+            <a:ext cx="9071640" cy="4384080"/>
+          </a:xfrm>
+          <a:prstGeom prst="rect">
+            <a:avLst/>
+          </a:prstGeom>
+        </p:spPr>
+        <p:txBody>
+          <a:bodyPr lIns="0" rIns="0" tIns="0" bIns="0" anchor="ctr"/>
+          <a:p>
+            <a:pPr algn="ctr"/>
+            <a:endParaRPr/>
+          </a:p>
+        </p:txBody>
+      </p:sp>
+    </p:spTree>
+  </p:cSld>
+</p:sldLayout>
+</file>
+
+<file path=ppt/slideLayouts/slideLayout20.xml><?xml version="1.0" encoding="utf-8"?>
+<p:sldLayout xmlns:a="http://schemas.openxmlformats.org/drawingml/2006/main" xmlns:p="http://schemas.openxmlformats.org/presentationml/2006/main" xmlns:r="http://schemas.openxmlformats.org/officeDocument/2006/relationships" type="objAndTwoObj" preserve="1">
+  <p:cSld name="Title Content and 2 Content">
+    <p:spTree>
+      <p:nvGrpSpPr>
+        <p:cNvPr id="1" name=""/>
+        <p:cNvGrpSpPr/>
+        <p:nvPr/>
+      </p:nvGrpSpPr>
+      <p:grpSpPr>
+        <a:xfrm>
+          <a:off x="0" y="0"/>
+          <a:ext cx="0" cy="0"/>
+          <a:chOff x="0" y="0"/>
+          <a:chExt cx="0" cy="0"/>
+        </a:xfrm>
+      </p:grpSpPr>
+      <p:sp>
+        <p:nvSpPr>
+          <p:cNvPr id="51" name="PlaceHolder 1"/>
+          <p:cNvSpPr>
+            <a:spLocks noGrp="1"/>
+          </p:cNvSpPr>
+          <p:nvPr>
+            <p:ph type="title"/>
+          </p:nvPr>
+        </p:nvSpPr>
+        <p:spPr>
+          <a:xfrm>
+            <a:off x="504000" y="301320"/>
+            <a:ext cx="9071640" cy="1262160"/>
+          </a:xfrm>
+          <a:prstGeom prst="rect">
+            <a:avLst/>
+          </a:prstGeom>
+        </p:spPr>
+        <p:txBody>
+          <a:bodyPr lIns="0" rIns="0" tIns="0" bIns="0" anchor="ctr"/>
+          <a:p>
+            <a:pPr algn="ctr"/>
+            <a:endParaRPr/>
+          </a:p>
+        </p:txBody>
+      </p:sp>
+      <p:sp>
+        <p:nvSpPr>
+          <p:cNvPr id="52" name="PlaceHolder 2"/>
+          <p:cNvSpPr>
+            <a:spLocks noGrp="1"/>
+          </p:cNvSpPr>
+          <p:nvPr>
+            <p:ph type="body"/>
+          </p:nvPr>
+        </p:nvSpPr>
+        <p:spPr>
+          <a:xfrm>
+            <a:off x="504000" y="1768680"/>
+            <a:ext cx="4426920" cy="4383720"/>
+          </a:xfrm>
+          <a:prstGeom prst="rect">
+            <a:avLst/>
+          </a:prstGeom>
+        </p:spPr>
+        <p:txBody>
+          <a:bodyPr lIns="0" rIns="0" tIns="0" bIns="0"/>
+          <a:p>
+            <a:endParaRPr/>
+          </a:p>
+        </p:txBody>
+      </p:sp>
+      <p:sp>
+        <p:nvSpPr>
+          <p:cNvPr id="53" name="PlaceHolder 3"/>
+          <p:cNvSpPr>
+            <a:spLocks noGrp="1"/>
+          </p:cNvSpPr>
+          <p:nvPr>
+            <p:ph type="body"/>
+          </p:nvPr>
+        </p:nvSpPr>
+        <p:spPr>
+          <a:xfrm>
+            <a:off x="5152680" y="1768680"/>
+            <a:ext cx="4426920" cy="2090880"/>
+          </a:xfrm>
+          <a:prstGeom prst="rect">
+            <a:avLst/>
+          </a:prstGeom>
+        </p:spPr>
+        <p:txBody>
+          <a:bodyPr lIns="0" rIns="0" tIns="0" bIns="0"/>
+          <a:p>
+            <a:endParaRPr/>
+          </a:p>
+        </p:txBody>
+      </p:sp>
+      <p:sp>
+        <p:nvSpPr>
+          <p:cNvPr id="54" name="PlaceHolder 4"/>
+          <p:cNvSpPr>
+            <a:spLocks noGrp="1"/>
+          </p:cNvSpPr>
+          <p:nvPr>
+            <p:ph type="body"/>
+          </p:nvPr>
+        </p:nvSpPr>
+        <p:spPr>
+          <a:xfrm>
+            <a:off x="5152680" y="4058640"/>
+            <a:ext cx="4426920" cy="2090880"/>
+          </a:xfrm>
+          <a:prstGeom prst="rect">
+            <a:avLst/>
+          </a:prstGeom>
+        </p:spPr>
+        <p:txBody>
+          <a:bodyPr lIns="0" rIns="0" tIns="0" bIns="0"/>
+          <a:p>
+            <a:endParaRPr/>
+          </a:p>
+        </p:txBody>
+      </p:sp>
+    </p:spTree>
+  </p:cSld>
+</p:sldLayout>
+</file>
+
+<file path=ppt/slideLayouts/slideLayout21.xml><?xml version="1.0" encoding="utf-8"?>
+<p:sldLayout xmlns:a="http://schemas.openxmlformats.org/drawingml/2006/main" xmlns:p="http://schemas.openxmlformats.org/presentationml/2006/main" xmlns:r="http://schemas.openxmlformats.org/officeDocument/2006/relationships" type="twoObjOverTx" preserve="1">
+  <p:cSld name="Title, 2 Content over Content">
+    <p:spTree>
+      <p:nvGrpSpPr>
+        <p:cNvPr id="1" name=""/>
+        <p:cNvGrpSpPr/>
+        <p:nvPr/>
+      </p:nvGrpSpPr>
+      <p:grpSpPr>
+        <a:xfrm>
+          <a:off x="0" y="0"/>
+          <a:ext cx="0" cy="0"/>
+          <a:chOff x="0" y="0"/>
+          <a:chExt cx="0" cy="0"/>
+        </a:xfrm>
+      </p:grpSpPr>
+      <p:sp>
+        <p:nvSpPr>
+          <p:cNvPr id="55" name="PlaceHolder 1"/>
+          <p:cNvSpPr>
+            <a:spLocks noGrp="1"/>
+          </p:cNvSpPr>
+          <p:nvPr>
+            <p:ph type="title"/>
+          </p:nvPr>
+        </p:nvSpPr>
+        <p:spPr>
+          <a:xfrm>
+            <a:off x="504000" y="301320"/>
+            <a:ext cx="9071640" cy="1262160"/>
+          </a:xfrm>
+          <a:prstGeom prst="rect">
+            <a:avLst/>
+          </a:prstGeom>
+        </p:spPr>
+        <p:txBody>
+          <a:bodyPr lIns="0" rIns="0" tIns="0" bIns="0" anchor="ctr"/>
+          <a:p>
+            <a:pPr algn="ctr"/>
+            <a:endParaRPr/>
+          </a:p>
+        </p:txBody>
+      </p:sp>
+      <p:sp>
+        <p:nvSpPr>
+          <p:cNvPr id="56" name="PlaceHolder 2"/>
+          <p:cNvSpPr>
+            <a:spLocks noGrp="1"/>
+          </p:cNvSpPr>
+          <p:nvPr>
+            <p:ph type="body"/>
+          </p:nvPr>
+        </p:nvSpPr>
+        <p:spPr>
+          <a:xfrm>
+            <a:off x="504000" y="1768680"/>
+            <a:ext cx="4426920" cy="2090880"/>
+          </a:xfrm>
+          <a:prstGeom prst="rect">
+            <a:avLst/>
+          </a:prstGeom>
+        </p:spPr>
+        <p:txBody>
+          <a:bodyPr lIns="0" rIns="0" tIns="0" bIns="0"/>
+          <a:p>
+            <a:endParaRPr/>
+          </a:p>
+        </p:txBody>
+      </p:sp>
+      <p:sp>
+        <p:nvSpPr>
+          <p:cNvPr id="57" name="PlaceHolder 3"/>
+          <p:cNvSpPr>
+            <a:spLocks noGrp="1"/>
+          </p:cNvSpPr>
+          <p:nvPr>
+            <p:ph type="body"/>
+          </p:nvPr>
+        </p:nvSpPr>
+        <p:spPr>
+          <a:xfrm>
+            <a:off x="5152680" y="1768680"/>
+            <a:ext cx="4426920" cy="2090880"/>
+          </a:xfrm>
+          <a:prstGeom prst="rect">
+            <a:avLst/>
+          </a:prstGeom>
+        </p:spPr>
+        <p:txBody>
+          <a:bodyPr lIns="0" rIns="0" tIns="0" bIns="0"/>
+          <a:p>
+            <a:endParaRPr/>
+          </a:p>
+        </p:txBody>
+      </p:sp>
+      <p:sp>
+        <p:nvSpPr>
+          <p:cNvPr id="58" name="PlaceHolder 4"/>
+          <p:cNvSpPr>
+            <a:spLocks noGrp="1"/>
+          </p:cNvSpPr>
+          <p:nvPr>
+            <p:ph type="body"/>
+          </p:nvPr>
+        </p:nvSpPr>
+        <p:spPr>
+          <a:xfrm>
+            <a:off x="504000" y="4058640"/>
+            <a:ext cx="9071640" cy="2090880"/>
+          </a:xfrm>
+          <a:prstGeom prst="rect">
+            <a:avLst/>
+          </a:prstGeom>
+        </p:spPr>
+        <p:txBody>
+          <a:bodyPr lIns="0" rIns="0" tIns="0" bIns="0"/>
+          <a:p>
+            <a:endParaRPr/>
+          </a:p>
+        </p:txBody>
+      </p:sp>
+    </p:spTree>
+  </p:cSld>
+</p:sldLayout>
+</file>
+
+<file path=ppt/slideLayouts/slideLayout22.xml><?xml version="1.0" encoding="utf-8"?>
+<p:sldLayout xmlns:a="http://schemas.openxmlformats.org/drawingml/2006/main" xmlns:p="http://schemas.openxmlformats.org/presentationml/2006/main" xmlns:r="http://schemas.openxmlformats.org/officeDocument/2006/relationships" type="objOverTx" preserve="1">
+  <p:cSld name="Title, Content over Content">
+    <p:spTree>
+      <p:nvGrpSpPr>
+        <p:cNvPr id="1" name=""/>
+        <p:cNvGrpSpPr/>
+        <p:nvPr/>
+      </p:nvGrpSpPr>
+      <p:grpSpPr>
+        <a:xfrm>
+          <a:off x="0" y="0"/>
+          <a:ext cx="0" cy="0"/>
+          <a:chOff x="0" y="0"/>
+          <a:chExt cx="0" cy="0"/>
+        </a:xfrm>
+      </p:grpSpPr>
+      <p:sp>
+        <p:nvSpPr>
+          <p:cNvPr id="59" name="PlaceHolder 1"/>
+          <p:cNvSpPr>
+            <a:spLocks noGrp="1"/>
+          </p:cNvSpPr>
+          <p:nvPr>
+            <p:ph type="title"/>
+          </p:nvPr>
+        </p:nvSpPr>
+        <p:spPr>
+          <a:xfrm>
+            <a:off x="504000" y="301320"/>
+            <a:ext cx="9071640" cy="1262160"/>
+          </a:xfrm>
+          <a:prstGeom prst="rect">
+            <a:avLst/>
+          </a:prstGeom>
+        </p:spPr>
+        <p:txBody>
+          <a:bodyPr lIns="0" rIns="0" tIns="0" bIns="0" anchor="ctr"/>
+          <a:p>
+            <a:pPr algn="ctr"/>
+            <a:endParaRPr/>
+          </a:p>
+        </p:txBody>
+      </p:sp>
+      <p:sp>
+        <p:nvSpPr>
+          <p:cNvPr id="60" name="PlaceHolder 2"/>
+          <p:cNvSpPr>
+            <a:spLocks noGrp="1"/>
+          </p:cNvSpPr>
+          <p:nvPr>
+            <p:ph type="body"/>
+          </p:nvPr>
+        </p:nvSpPr>
+        <p:spPr>
+          <a:xfrm>
+            <a:off x="504000" y="1768680"/>
+            <a:ext cx="9071640" cy="2090880"/>
+          </a:xfrm>
+          <a:prstGeom prst="rect">
+            <a:avLst/>
+          </a:prstGeom>
+        </p:spPr>
+        <p:txBody>
+          <a:bodyPr lIns="0" rIns="0" tIns="0" bIns="0"/>
+          <a:p>
+            <a:endParaRPr/>
+          </a:p>
+        </p:txBody>
+      </p:sp>
+      <p:sp>
+        <p:nvSpPr>
+          <p:cNvPr id="61" name="PlaceHolder 3"/>
+          <p:cNvSpPr>
+            <a:spLocks noGrp="1"/>
+          </p:cNvSpPr>
+          <p:nvPr>
+            <p:ph type="body"/>
+          </p:nvPr>
+        </p:nvSpPr>
+        <p:spPr>
+          <a:xfrm>
+            <a:off x="504000" y="4058640"/>
+            <a:ext cx="9071640" cy="2090880"/>
+          </a:xfrm>
+          <a:prstGeom prst="rect">
+            <a:avLst/>
+          </a:prstGeom>
+        </p:spPr>
+        <p:txBody>
+          <a:bodyPr lIns="0" rIns="0" tIns="0" bIns="0"/>
+          <a:p>
+            <a:endParaRPr/>
+          </a:p>
+        </p:txBody>
+      </p:sp>
+    </p:spTree>
+  </p:cSld>
+</p:sldLayout>
+</file>
+
+<file path=ppt/slideLayouts/slideLayout23.xml><?xml version="1.0" encoding="utf-8"?>
+<p:sldLayout xmlns:a="http://schemas.openxmlformats.org/drawingml/2006/main" xmlns:p="http://schemas.openxmlformats.org/presentationml/2006/main" xmlns:r="http://schemas.openxmlformats.org/officeDocument/2006/relationships" type="fourObj" preserve="1">
+  <p:cSld name="Title, 4 Content">
+    <p:spTree>
+      <p:nvGrpSpPr>
+        <p:cNvPr id="1" name=""/>
+        <p:cNvGrpSpPr/>
+        <p:nvPr/>
+      </p:nvGrpSpPr>
+      <p:grpSpPr>
+        <a:xfrm>
+          <a:off x="0" y="0"/>
+          <a:ext cx="0" cy="0"/>
+          <a:chOff x="0" y="0"/>
+          <a:chExt cx="0" cy="0"/>
+        </a:xfrm>
+      </p:grpSpPr>
+      <p:sp>
+        <p:nvSpPr>
+          <p:cNvPr id="62" name="PlaceHolder 1"/>
+          <p:cNvSpPr>
+            <a:spLocks noGrp="1"/>
+          </p:cNvSpPr>
+          <p:nvPr>
+            <p:ph type="title"/>
+          </p:nvPr>
+        </p:nvSpPr>
+        <p:spPr>
+          <a:xfrm>
+            <a:off x="504000" y="301320"/>
+            <a:ext cx="9071640" cy="1262160"/>
+          </a:xfrm>
+          <a:prstGeom prst="rect">
+            <a:avLst/>
+          </a:prstGeom>
+        </p:spPr>
+        <p:txBody>
+          <a:bodyPr lIns="0" rIns="0" tIns="0" bIns="0" anchor="ctr"/>
+          <a:p>
+            <a:pPr algn="ctr"/>
+            <a:endParaRPr/>
+          </a:p>
+        </p:txBody>
+      </p:sp>
+      <p:sp>
+        <p:nvSpPr>
+          <p:cNvPr id="63" name="PlaceHolder 2"/>
+          <p:cNvSpPr>
+            <a:spLocks noGrp="1"/>
+          </p:cNvSpPr>
+          <p:nvPr>
+            <p:ph type="body"/>
+          </p:nvPr>
+        </p:nvSpPr>
+        <p:spPr>
+          <a:xfrm>
+            <a:off x="504000" y="1768680"/>
+            <a:ext cx="4426920" cy="2090880"/>
+          </a:xfrm>
+          <a:prstGeom prst="rect">
+            <a:avLst/>
+          </a:prstGeom>
+        </p:spPr>
+        <p:txBody>
+          <a:bodyPr lIns="0" rIns="0" tIns="0" bIns="0"/>
+          <a:p>
+            <a:endParaRPr/>
+          </a:p>
+        </p:txBody>
+      </p:sp>
+      <p:sp>
+        <p:nvSpPr>
+          <p:cNvPr id="64" name="PlaceHolder 3"/>
+          <p:cNvSpPr>
+            <a:spLocks noGrp="1"/>
+          </p:cNvSpPr>
+          <p:nvPr>
+            <p:ph type="body"/>
+          </p:nvPr>
+        </p:nvSpPr>
+        <p:spPr>
+          <a:xfrm>
+            <a:off x="5152680" y="1768680"/>
+            <a:ext cx="4426920" cy="2090880"/>
+          </a:xfrm>
+          <a:prstGeom prst="rect">
+            <a:avLst/>
+          </a:prstGeom>
+        </p:spPr>
+        <p:txBody>
+          <a:bodyPr lIns="0" rIns="0" tIns="0" bIns="0"/>
+          <a:p>
+            <a:endParaRPr/>
+          </a:p>
+        </p:txBody>
+      </p:sp>
+      <p:sp>
+        <p:nvSpPr>
+          <p:cNvPr id="65" name="PlaceHolder 4"/>
+          <p:cNvSpPr>
+            <a:spLocks noGrp="1"/>
+          </p:cNvSpPr>
+          <p:nvPr>
+            <p:ph type="body"/>
+          </p:nvPr>
+        </p:nvSpPr>
+        <p:spPr>
+          <a:xfrm>
+            <a:off x="5152680" y="4058640"/>
+            <a:ext cx="4426920" cy="2090880"/>
+          </a:xfrm>
+          <a:prstGeom prst="rect">
+            <a:avLst/>
+          </a:prstGeom>
+        </p:spPr>
+        <p:txBody>
+          <a:bodyPr lIns="0" rIns="0" tIns="0" bIns="0"/>
+          <a:p>
+            <a:endParaRPr/>
+          </a:p>
+        </p:txBody>
+      </p:sp>
+      <p:sp>
+        <p:nvSpPr>
+          <p:cNvPr id="66" name="PlaceHolder 5"/>
+          <p:cNvSpPr>
+            <a:spLocks noGrp="1"/>
+          </p:cNvSpPr>
+          <p:nvPr>
+            <p:ph type="body"/>
+          </p:nvPr>
+        </p:nvSpPr>
+        <p:spPr>
+          <a:xfrm>
+            <a:off x="504000" y="4058640"/>
+            <a:ext cx="4426920" cy="2090880"/>
+          </a:xfrm>
+          <a:prstGeom prst="rect">
+            <a:avLst/>
+          </a:prstGeom>
+        </p:spPr>
+        <p:txBody>
+          <a:bodyPr lIns="0" rIns="0" tIns="0" bIns="0"/>
+          <a:p>
+            <a:endParaRPr/>
+          </a:p>
+        </p:txBody>
+      </p:sp>
+    </p:spTree>
+  </p:cSld>
+</p:sldLayout>
+</file>
+
+<file path=ppt/slideLayouts/slideLayout24.xml><?xml version="1.0" encoding="utf-8"?>
+<p:sldLayout xmlns:a="http://schemas.openxmlformats.org/drawingml/2006/main" xmlns:p="http://schemas.openxmlformats.org/presentationml/2006/main" xmlns:r="http://schemas.openxmlformats.org/officeDocument/2006/relationships" type="blank" preserve="1">
+  <p:cSld name="Title, 6 Content">
+    <p:spTree>
+      <p:nvGrpSpPr>
+        <p:cNvPr id="1" name=""/>
+        <p:cNvGrpSpPr/>
+        <p:nvPr/>
+      </p:nvGrpSpPr>
+      <p:grpSpPr>
+        <a:xfrm>
+          <a:off x="0" y="0"/>
+          <a:ext cx="0" cy="0"/>
+          <a:chOff x="0" y="0"/>
+          <a:chExt cx="0" cy="0"/>
+        </a:xfrm>
+      </p:grpSpPr>
+      <p:sp>
+        <p:nvSpPr>
+          <p:cNvPr id="67" name="PlaceHolder 1"/>
+          <p:cNvSpPr>
+            <a:spLocks noGrp="1"/>
+          </p:cNvSpPr>
+          <p:nvPr>
+            <p:ph type="title"/>
+          </p:nvPr>
+        </p:nvSpPr>
+        <p:spPr>
+          <a:xfrm>
+            <a:off x="504000" y="301320"/>
+            <a:ext cx="9071640" cy="1262160"/>
+          </a:xfrm>
+          <a:prstGeom prst="rect">
+            <a:avLst/>
+          </a:prstGeom>
+        </p:spPr>
+        <p:txBody>
+          <a:bodyPr lIns="0" rIns="0" tIns="0" bIns="0" anchor="ctr"/>
+          <a:p>
+            <a:pPr algn="ctr"/>
+            <a:endParaRPr/>
+          </a:p>
+        </p:txBody>
+      </p:sp>
+      <p:sp>
+        <p:nvSpPr>
+          <p:cNvPr id="68" name="PlaceHolder 2"/>
+          <p:cNvSpPr>
+            <a:spLocks noGrp="1"/>
+          </p:cNvSpPr>
+          <p:nvPr>
+            <p:ph type="body"/>
+          </p:nvPr>
+        </p:nvSpPr>
+        <p:spPr>
+          <a:xfrm>
+            <a:off x="504000" y="1768680"/>
+            <a:ext cx="9071640" cy="4383720"/>
+          </a:xfrm>
+          <a:prstGeom prst="rect">
+            <a:avLst/>
+          </a:prstGeom>
+        </p:spPr>
+        <p:txBody>
+          <a:bodyPr lIns="0" rIns="0" tIns="0" bIns="0"/>
+          <a:p>
+            <a:endParaRPr/>
+          </a:p>
+        </p:txBody>
+      </p:sp>
+      <p:sp>
+        <p:nvSpPr>
+          <p:cNvPr id="69" name="PlaceHolder 3"/>
+          <p:cNvSpPr>
+            <a:spLocks noGrp="1"/>
+          </p:cNvSpPr>
+          <p:nvPr>
+            <p:ph type="body"/>
+          </p:nvPr>
+        </p:nvSpPr>
+        <p:spPr>
+          <a:xfrm>
+            <a:off x="504000" y="1768680"/>
+            <a:ext cx="9071640" cy="4383720"/>
+          </a:xfrm>
+          <a:prstGeom prst="rect">
+            <a:avLst/>
+          </a:prstGeom>
+        </p:spPr>
+        <p:txBody>
+          <a:bodyPr lIns="0" rIns="0" tIns="0" bIns="0"/>
+          <a:p>
+            <a:endParaRPr/>
+          </a:p>
+        </p:txBody>
+      </p:sp>
+      <p:pic>
+        <p:nvPicPr>
+          <p:cNvPr id="70" name="" descr=""/>
+          <p:cNvPicPr/>
+          <p:nvPr/>
+        </p:nvPicPr>
+        <p:blipFill>
+          <a:blip r:embed="rId2"/>
+          <a:stretch>
+            <a:fillRect/>
+          </a:stretch>
+        </p:blipFill>
+        <p:spPr>
+          <a:xfrm>
+            <a:off x="2292480" y="1768320"/>
+            <a:ext cx="5494320" cy="4383720"/>
+          </a:xfrm>
+          <a:prstGeom prst="rect">
+            <a:avLst/>
+          </a:prstGeom>
+          <a:ln>
+            <a:noFill/>
+          </a:ln>
+        </p:spPr>
+      </p:pic>
+      <p:pic>
+        <p:nvPicPr>
+          <p:cNvPr id="71" name="" descr=""/>
+          <p:cNvPicPr/>
+          <p:nvPr/>
+        </p:nvPicPr>
+        <p:blipFill>
+          <a:blip r:embed="rId3"/>
+          <a:stretch>
+            <a:fillRect/>
+          </a:stretch>
+        </p:blipFill>
+        <p:spPr>
+          <a:xfrm>
+            <a:off x="2292480" y="1768320"/>
+            <a:ext cx="5494320" cy="4383720"/>
+          </a:xfrm>
+          <a:prstGeom prst="rect">
+            <a:avLst/>
+          </a:prstGeom>
+          <a:ln>
+            <a:noFill/>
+          </a:ln>
+        </p:spPr>
+      </p:pic>
+    </p:spTree>
+  </p:cSld>
+</p:sldLayout>
+</file>
+
+<file path=ppt/slideLayouts/slideLayout25.xml><?xml version="1.0" encoding="utf-8"?>
+<p:sldLayout xmlns:a="http://schemas.openxmlformats.org/drawingml/2006/main" xmlns:p="http://schemas.openxmlformats.org/presentationml/2006/main" xmlns:r="http://schemas.openxmlformats.org/officeDocument/2006/relationships" type="blank" preserve="1">
+  <p:cSld name="Blank Slide">
+    <p:spTree>
+      <p:nvGrpSpPr>
+        <p:cNvPr id="1" name=""/>
+        <p:cNvGrpSpPr/>
+        <p:nvPr/>
+      </p:nvGrpSpPr>
+      <p:grpSpPr>
+        <a:xfrm>
+          <a:off x="0" y="0"/>
+          <a:ext cx="0" cy="0"/>
+          <a:chOff x="0" y="0"/>
+          <a:chExt cx="0" cy="0"/>
+        </a:xfrm>
+      </p:grpSpPr>
+    </p:spTree>
+  </p:cSld>
+</p:sldLayout>
+</file>
+
+<file path=ppt/slideLayouts/slideLayout26.xml><?xml version="1.0" encoding="utf-8"?>
+<p:sldLayout xmlns:a="http://schemas.openxmlformats.org/drawingml/2006/main" xmlns:p="http://schemas.openxmlformats.org/presentationml/2006/main" xmlns:r="http://schemas.openxmlformats.org/officeDocument/2006/relationships" type="tx" preserve="1">
+  <p:cSld name="Title Slide">
+    <p:spTree>
+      <p:nvGrpSpPr>
+        <p:cNvPr id="1" name=""/>
+        <p:cNvGrpSpPr/>
+        <p:nvPr/>
+      </p:nvGrpSpPr>
+      <p:grpSpPr>
+        <a:xfrm>
+          <a:off x="0" y="0"/>
+          <a:ext cx="0" cy="0"/>
+          <a:chOff x="0" y="0"/>
+          <a:chExt cx="0" cy="0"/>
+        </a:xfrm>
+      </p:grpSpPr>
+      <p:sp>
+        <p:nvSpPr>
+          <p:cNvPr id="74" name="PlaceHolder 1"/>
+          <p:cNvSpPr>
+            <a:spLocks noGrp="1"/>
+          </p:cNvSpPr>
+          <p:nvPr>
+            <p:ph type="title"/>
+          </p:nvPr>
+        </p:nvSpPr>
+        <p:spPr>
+          <a:xfrm>
+            <a:off x="504000" y="301320"/>
+            <a:ext cx="9071640" cy="1262160"/>
+          </a:xfrm>
+          <a:prstGeom prst="rect">
+            <a:avLst/>
+          </a:prstGeom>
+        </p:spPr>
+        <p:txBody>
+          <a:bodyPr lIns="0" rIns="0" tIns="0" bIns="0" anchor="ctr"/>
+          <a:p>
+            <a:pPr algn="ctr"/>
+            <a:endParaRPr/>
+          </a:p>
+        </p:txBody>
+      </p:sp>
+      <p:sp>
+        <p:nvSpPr>
+          <p:cNvPr id="75" name="PlaceHolder 2"/>
+          <p:cNvSpPr>
+            <a:spLocks noGrp="1"/>
+          </p:cNvSpPr>
+          <p:nvPr>
+            <p:ph type="subTitle"/>
+          </p:nvPr>
+        </p:nvSpPr>
+        <p:spPr>
+          <a:xfrm>
+            <a:off x="504000" y="1768680"/>
+            <a:ext cx="9071640" cy="4384080"/>
+          </a:xfrm>
+          <a:prstGeom prst="rect">
+            <a:avLst/>
+          </a:prstGeom>
+        </p:spPr>
+        <p:txBody>
+          <a:bodyPr lIns="0" rIns="0" tIns="0" bIns="0" anchor="ctr"/>
+          <a:p>
+            <a:pPr algn="ctr"/>
+            <a:endParaRPr/>
+          </a:p>
+        </p:txBody>
+      </p:sp>
+    </p:spTree>
+  </p:cSld>
+</p:sldLayout>
+</file>
+
+<file path=ppt/slideLayouts/slideLayout27.xml><?xml version="1.0" encoding="utf-8"?>
+<p:sldLayout xmlns:a="http://schemas.openxmlformats.org/drawingml/2006/main" xmlns:p="http://schemas.openxmlformats.org/presentationml/2006/main" xmlns:r="http://schemas.openxmlformats.org/officeDocument/2006/relationships" type="obj" preserve="1">
+  <p:cSld name="Title, Content">
+    <p:spTree>
+      <p:nvGrpSpPr>
+        <p:cNvPr id="1" name=""/>
+        <p:cNvGrpSpPr/>
+        <p:nvPr/>
+      </p:nvGrpSpPr>
+      <p:grpSpPr>
+        <a:xfrm>
+          <a:off x="0" y="0"/>
+          <a:ext cx="0" cy="0"/>
+          <a:chOff x="0" y="0"/>
+          <a:chExt cx="0" cy="0"/>
+        </a:xfrm>
+      </p:grpSpPr>
+      <p:sp>
+        <p:nvSpPr>
+          <p:cNvPr id="76" name="PlaceHolder 1"/>
+          <p:cNvSpPr>
+            <a:spLocks noGrp="1"/>
+          </p:cNvSpPr>
+          <p:nvPr>
+            <p:ph type="title"/>
+          </p:nvPr>
+        </p:nvSpPr>
+        <p:spPr>
+          <a:xfrm>
+            <a:off x="504000" y="301320"/>
+            <a:ext cx="9071640" cy="1262160"/>
+          </a:xfrm>
+          <a:prstGeom prst="rect">
+            <a:avLst/>
+          </a:prstGeom>
+        </p:spPr>
+        <p:txBody>
+          <a:bodyPr lIns="0" rIns="0" tIns="0" bIns="0" anchor="ctr"/>
+          <a:p>
+            <a:pPr algn="ctr"/>
+            <a:endParaRPr/>
+          </a:p>
+        </p:txBody>
+      </p:sp>
+      <p:sp>
+        <p:nvSpPr>
+          <p:cNvPr id="77" name="PlaceHolder 2"/>
+          <p:cNvSpPr>
+            <a:spLocks noGrp="1"/>
+          </p:cNvSpPr>
+          <p:nvPr>
+            <p:ph type="body"/>
+          </p:nvPr>
+        </p:nvSpPr>
+        <p:spPr>
+          <a:xfrm>
+            <a:off x="504000" y="1768680"/>
+            <a:ext cx="9071640" cy="4383720"/>
+          </a:xfrm>
+          <a:prstGeom prst="rect">
+            <a:avLst/>
+          </a:prstGeom>
+        </p:spPr>
+        <p:txBody>
+          <a:bodyPr lIns="0" rIns="0" tIns="0" bIns="0"/>
+          <a:p>
+            <a:endParaRPr/>
+          </a:p>
+        </p:txBody>
+      </p:sp>
+    </p:spTree>
+  </p:cSld>
+</p:sldLayout>
+</file>
+
+<file path=ppt/slideLayouts/slideLayout28.xml><?xml version="1.0" encoding="utf-8"?>
+<p:sldLayout xmlns:a="http://schemas.openxmlformats.org/drawingml/2006/main" xmlns:p="http://schemas.openxmlformats.org/presentationml/2006/main" xmlns:r="http://schemas.openxmlformats.org/officeDocument/2006/relationships" type="twoObj" preserve="1">
+  <p:cSld name="Title, 2 Content">
+    <p:spTree>
+      <p:nvGrpSpPr>
+        <p:cNvPr id="1" name=""/>
+        <p:cNvGrpSpPr/>
+        <p:nvPr/>
+      </p:nvGrpSpPr>
+      <p:grpSpPr>
+        <a:xfrm>
+          <a:off x="0" y="0"/>
+          <a:ext cx="0" cy="0"/>
+          <a:chOff x="0" y="0"/>
+          <a:chExt cx="0" cy="0"/>
+        </a:xfrm>
+      </p:grpSpPr>
+      <p:sp>
+        <p:nvSpPr>
+          <p:cNvPr id="78" name="PlaceHolder 1"/>
+          <p:cNvSpPr>
+            <a:spLocks noGrp="1"/>
+          </p:cNvSpPr>
+          <p:nvPr>
+            <p:ph type="title"/>
+          </p:nvPr>
+        </p:nvSpPr>
+        <p:spPr>
+          <a:xfrm>
+            <a:off x="504000" y="301320"/>
+            <a:ext cx="9071640" cy="1262160"/>
+          </a:xfrm>
+          <a:prstGeom prst="rect">
+            <a:avLst/>
+          </a:prstGeom>
+        </p:spPr>
+        <p:txBody>
+          <a:bodyPr lIns="0" rIns="0" tIns="0" bIns="0" anchor="ctr"/>
+          <a:p>
+            <a:pPr algn="ctr"/>
+            <a:endParaRPr/>
+          </a:p>
+        </p:txBody>
+      </p:sp>
+      <p:sp>
+        <p:nvSpPr>
+          <p:cNvPr id="79" name="PlaceHolder 2"/>
+          <p:cNvSpPr>
+            <a:spLocks noGrp="1"/>
+          </p:cNvSpPr>
+          <p:nvPr>
+            <p:ph type="body"/>
+          </p:nvPr>
+        </p:nvSpPr>
+        <p:spPr>
+          <a:xfrm>
+            <a:off x="504000" y="1768680"/>
+            <a:ext cx="4426920" cy="4383720"/>
+          </a:xfrm>
+          <a:prstGeom prst="rect">
+            <a:avLst/>
+          </a:prstGeom>
+        </p:spPr>
+        <p:txBody>
+          <a:bodyPr lIns="0" rIns="0" tIns="0" bIns="0"/>
+          <a:p>
+            <a:endParaRPr/>
+          </a:p>
+        </p:txBody>
+      </p:sp>
+      <p:sp>
+        <p:nvSpPr>
+          <p:cNvPr id="80" name="PlaceHolder 3"/>
+          <p:cNvSpPr>
+            <a:spLocks noGrp="1"/>
+          </p:cNvSpPr>
+          <p:nvPr>
+            <p:ph type="body"/>
+          </p:nvPr>
+        </p:nvSpPr>
+        <p:spPr>
+          <a:xfrm>
+            <a:off x="5152680" y="1768680"/>
+            <a:ext cx="4426920" cy="4383720"/>
+          </a:xfrm>
+          <a:prstGeom prst="rect">
+            <a:avLst/>
+          </a:prstGeom>
+        </p:spPr>
+        <p:txBody>
+          <a:bodyPr lIns="0" rIns="0" tIns="0" bIns="0"/>
+          <a:p>
+            <a:endParaRPr/>
+          </a:p>
+        </p:txBody>
+      </p:sp>
+    </p:spTree>
+  </p:cSld>
+</p:sldLayout>
+</file>
+
+<file path=ppt/slideLayouts/slideLayout29.xml><?xml version="1.0" encoding="utf-8"?>
+<p:sldLayout xmlns:a="http://schemas.openxmlformats.org/drawingml/2006/main" xmlns:p="http://schemas.openxmlformats.org/presentationml/2006/main" xmlns:r="http://schemas.openxmlformats.org/officeDocument/2006/relationships" type="titleOnly" preserve="1">
+  <p:cSld name="Title Only">
+    <p:spTree>
+      <p:nvGrpSpPr>
+        <p:cNvPr id="1" name=""/>
+        <p:cNvGrpSpPr/>
+        <p:nvPr/>
+      </p:nvGrpSpPr>
+      <p:grpSpPr>
+        <a:xfrm>
+          <a:off x="0" y="0"/>
+          <a:ext cx="0" cy="0"/>
+          <a:chOff x="0" y="0"/>
+          <a:chExt cx="0" cy="0"/>
+        </a:xfrm>
+      </p:grpSpPr>
+      <p:sp>
+        <p:nvSpPr>
+          <p:cNvPr id="81" name="PlaceHolder 1"/>
+          <p:cNvSpPr>
+            <a:spLocks noGrp="1"/>
+          </p:cNvSpPr>
+          <p:nvPr>
+            <p:ph type="title"/>
+          </p:nvPr>
+        </p:nvSpPr>
+        <p:spPr>
+          <a:xfrm>
+            <a:off x="504000" y="301320"/>
+            <a:ext cx="9071640" cy="1262160"/>
           </a:xfrm>
           <a:prstGeom prst="rect">
             <a:avLst/>
@@ -538,7 +2025,7 @@
       </p:grpSpPr>
       <p:sp>
         <p:nvSpPr>
-          <p:cNvPr id="7" name="PlaceHolder 1"/>
+          <p:cNvPr id="4" name="PlaceHolder 1"/>
           <p:cNvSpPr>
             <a:spLocks noGrp="1"/>
           </p:cNvSpPr>
@@ -549,7 +2036,7 @@
         <p:spPr>
           <a:xfrm>
             <a:off x="504000" y="301320"/>
-            <a:ext cx="9071640" cy="1262520"/>
+            <a:ext cx="9071640" cy="1262160"/>
           </a:xfrm>
           <a:prstGeom prst="rect">
             <a:avLst/>
@@ -565,18 +2052,1026 @@
       </p:sp>
       <p:sp>
         <p:nvSpPr>
-          <p:cNvPr id="8" name="PlaceHolder 2"/>
-          <p:cNvSpPr>
-            <a:spLocks noGrp="1"/>
-          </p:cNvSpPr>
-          <p:nvPr>
-            <p:ph type="body"/>
-          </p:nvPr>
-        </p:nvSpPr>
-        <p:spPr>
-          <a:xfrm>
-            <a:off x="504000" y="1769040"/>
-            <a:ext cx="9071640" cy="4384440"/>
+          <p:cNvPr id="5" name="PlaceHolder 2"/>
+          <p:cNvSpPr>
+            <a:spLocks noGrp="1"/>
+          </p:cNvSpPr>
+          <p:nvPr>
+            <p:ph type="body"/>
+          </p:nvPr>
+        </p:nvSpPr>
+        <p:spPr>
+          <a:xfrm>
+            <a:off x="504000" y="1768680"/>
+            <a:ext cx="9071640" cy="4383720"/>
+          </a:xfrm>
+          <a:prstGeom prst="rect">
+            <a:avLst/>
+          </a:prstGeom>
+        </p:spPr>
+        <p:txBody>
+          <a:bodyPr lIns="0" rIns="0" tIns="0" bIns="0"/>
+          <a:p>
+            <a:endParaRPr/>
+          </a:p>
+        </p:txBody>
+      </p:sp>
+    </p:spTree>
+  </p:cSld>
+</p:sldLayout>
+</file>
+
+<file path=ppt/slideLayouts/slideLayout30.xml><?xml version="1.0" encoding="utf-8"?>
+<p:sldLayout xmlns:a="http://schemas.openxmlformats.org/drawingml/2006/main" xmlns:p="http://schemas.openxmlformats.org/presentationml/2006/main" xmlns:r="http://schemas.openxmlformats.org/officeDocument/2006/relationships" type="objOnly" preserve="1">
+  <p:cSld name="Centered Text">
+    <p:spTree>
+      <p:nvGrpSpPr>
+        <p:cNvPr id="1" name=""/>
+        <p:cNvGrpSpPr/>
+        <p:nvPr/>
+      </p:nvGrpSpPr>
+      <p:grpSpPr>
+        <a:xfrm>
+          <a:off x="0" y="0"/>
+          <a:ext cx="0" cy="0"/>
+          <a:chOff x="0" y="0"/>
+          <a:chExt cx="0" cy="0"/>
+        </a:xfrm>
+      </p:grpSpPr>
+      <p:sp>
+        <p:nvSpPr>
+          <p:cNvPr id="82" name="PlaceHolder 1"/>
+          <p:cNvSpPr>
+            <a:spLocks noGrp="1"/>
+          </p:cNvSpPr>
+          <p:nvPr>
+            <p:ph type="subTitle"/>
+          </p:nvPr>
+        </p:nvSpPr>
+        <p:spPr>
+          <a:xfrm>
+            <a:off x="504000" y="301320"/>
+            <a:ext cx="9071640" cy="5850720"/>
+          </a:xfrm>
+          <a:prstGeom prst="rect">
+            <a:avLst/>
+          </a:prstGeom>
+        </p:spPr>
+        <p:txBody>
+          <a:bodyPr lIns="0" rIns="0" tIns="0" bIns="0" anchor="ctr"/>
+          <a:p>
+            <a:pPr algn="ctr"/>
+            <a:endParaRPr/>
+          </a:p>
+        </p:txBody>
+      </p:sp>
+    </p:spTree>
+  </p:cSld>
+</p:sldLayout>
+</file>
+
+<file path=ppt/slideLayouts/slideLayout31.xml><?xml version="1.0" encoding="utf-8"?>
+<p:sldLayout xmlns:a="http://schemas.openxmlformats.org/drawingml/2006/main" xmlns:p="http://schemas.openxmlformats.org/presentationml/2006/main" xmlns:r="http://schemas.openxmlformats.org/officeDocument/2006/relationships" type="twoObjAndObj" preserve="1">
+  <p:cSld name="Title, 2 Content and Content">
+    <p:spTree>
+      <p:nvGrpSpPr>
+        <p:cNvPr id="1" name=""/>
+        <p:cNvGrpSpPr/>
+        <p:nvPr/>
+      </p:nvGrpSpPr>
+      <p:grpSpPr>
+        <a:xfrm>
+          <a:off x="0" y="0"/>
+          <a:ext cx="0" cy="0"/>
+          <a:chOff x="0" y="0"/>
+          <a:chExt cx="0" cy="0"/>
+        </a:xfrm>
+      </p:grpSpPr>
+      <p:sp>
+        <p:nvSpPr>
+          <p:cNvPr id="83" name="PlaceHolder 1"/>
+          <p:cNvSpPr>
+            <a:spLocks noGrp="1"/>
+          </p:cNvSpPr>
+          <p:nvPr>
+            <p:ph type="title"/>
+          </p:nvPr>
+        </p:nvSpPr>
+        <p:spPr>
+          <a:xfrm>
+            <a:off x="504000" y="301320"/>
+            <a:ext cx="9071640" cy="1262160"/>
+          </a:xfrm>
+          <a:prstGeom prst="rect">
+            <a:avLst/>
+          </a:prstGeom>
+        </p:spPr>
+        <p:txBody>
+          <a:bodyPr lIns="0" rIns="0" tIns="0" bIns="0" anchor="ctr"/>
+          <a:p>
+            <a:pPr algn="ctr"/>
+            <a:endParaRPr/>
+          </a:p>
+        </p:txBody>
+      </p:sp>
+      <p:sp>
+        <p:nvSpPr>
+          <p:cNvPr id="84" name="PlaceHolder 2"/>
+          <p:cNvSpPr>
+            <a:spLocks noGrp="1"/>
+          </p:cNvSpPr>
+          <p:nvPr>
+            <p:ph type="body"/>
+          </p:nvPr>
+        </p:nvSpPr>
+        <p:spPr>
+          <a:xfrm>
+            <a:off x="504000" y="1768680"/>
+            <a:ext cx="4426920" cy="2090880"/>
+          </a:xfrm>
+          <a:prstGeom prst="rect">
+            <a:avLst/>
+          </a:prstGeom>
+        </p:spPr>
+        <p:txBody>
+          <a:bodyPr lIns="0" rIns="0" tIns="0" bIns="0"/>
+          <a:p>
+            <a:endParaRPr/>
+          </a:p>
+        </p:txBody>
+      </p:sp>
+      <p:sp>
+        <p:nvSpPr>
+          <p:cNvPr id="85" name="PlaceHolder 3"/>
+          <p:cNvSpPr>
+            <a:spLocks noGrp="1"/>
+          </p:cNvSpPr>
+          <p:nvPr>
+            <p:ph type="body"/>
+          </p:nvPr>
+        </p:nvSpPr>
+        <p:spPr>
+          <a:xfrm>
+            <a:off x="504000" y="4058640"/>
+            <a:ext cx="4426920" cy="2090880"/>
+          </a:xfrm>
+          <a:prstGeom prst="rect">
+            <a:avLst/>
+          </a:prstGeom>
+        </p:spPr>
+        <p:txBody>
+          <a:bodyPr lIns="0" rIns="0" tIns="0" bIns="0"/>
+          <a:p>
+            <a:endParaRPr/>
+          </a:p>
+        </p:txBody>
+      </p:sp>
+      <p:sp>
+        <p:nvSpPr>
+          <p:cNvPr id="86" name="PlaceHolder 4"/>
+          <p:cNvSpPr>
+            <a:spLocks noGrp="1"/>
+          </p:cNvSpPr>
+          <p:nvPr>
+            <p:ph type="body"/>
+          </p:nvPr>
+        </p:nvSpPr>
+        <p:spPr>
+          <a:xfrm>
+            <a:off x="5152680" y="1768680"/>
+            <a:ext cx="4426920" cy="4383720"/>
+          </a:xfrm>
+          <a:prstGeom prst="rect">
+            <a:avLst/>
+          </a:prstGeom>
+        </p:spPr>
+        <p:txBody>
+          <a:bodyPr lIns="0" rIns="0" tIns="0" bIns="0"/>
+          <a:p>
+            <a:endParaRPr/>
+          </a:p>
+        </p:txBody>
+      </p:sp>
+    </p:spTree>
+  </p:cSld>
+</p:sldLayout>
+</file>
+
+<file path=ppt/slideLayouts/slideLayout32.xml><?xml version="1.0" encoding="utf-8"?>
+<p:sldLayout xmlns:a="http://schemas.openxmlformats.org/drawingml/2006/main" xmlns:p="http://schemas.openxmlformats.org/presentationml/2006/main" xmlns:r="http://schemas.openxmlformats.org/officeDocument/2006/relationships" type="objAndTwoObj" preserve="1">
+  <p:cSld name="Title Content and 2 Content">
+    <p:spTree>
+      <p:nvGrpSpPr>
+        <p:cNvPr id="1" name=""/>
+        <p:cNvGrpSpPr/>
+        <p:nvPr/>
+      </p:nvGrpSpPr>
+      <p:grpSpPr>
+        <a:xfrm>
+          <a:off x="0" y="0"/>
+          <a:ext cx="0" cy="0"/>
+          <a:chOff x="0" y="0"/>
+          <a:chExt cx="0" cy="0"/>
+        </a:xfrm>
+      </p:grpSpPr>
+      <p:sp>
+        <p:nvSpPr>
+          <p:cNvPr id="87" name="PlaceHolder 1"/>
+          <p:cNvSpPr>
+            <a:spLocks noGrp="1"/>
+          </p:cNvSpPr>
+          <p:nvPr>
+            <p:ph type="title"/>
+          </p:nvPr>
+        </p:nvSpPr>
+        <p:spPr>
+          <a:xfrm>
+            <a:off x="504000" y="301320"/>
+            <a:ext cx="9071640" cy="1262160"/>
+          </a:xfrm>
+          <a:prstGeom prst="rect">
+            <a:avLst/>
+          </a:prstGeom>
+        </p:spPr>
+        <p:txBody>
+          <a:bodyPr lIns="0" rIns="0" tIns="0" bIns="0" anchor="ctr"/>
+          <a:p>
+            <a:pPr algn="ctr"/>
+            <a:endParaRPr/>
+          </a:p>
+        </p:txBody>
+      </p:sp>
+      <p:sp>
+        <p:nvSpPr>
+          <p:cNvPr id="88" name="PlaceHolder 2"/>
+          <p:cNvSpPr>
+            <a:spLocks noGrp="1"/>
+          </p:cNvSpPr>
+          <p:nvPr>
+            <p:ph type="body"/>
+          </p:nvPr>
+        </p:nvSpPr>
+        <p:spPr>
+          <a:xfrm>
+            <a:off x="504000" y="1768680"/>
+            <a:ext cx="4426920" cy="4383720"/>
+          </a:xfrm>
+          <a:prstGeom prst="rect">
+            <a:avLst/>
+          </a:prstGeom>
+        </p:spPr>
+        <p:txBody>
+          <a:bodyPr lIns="0" rIns="0" tIns="0" bIns="0"/>
+          <a:p>
+            <a:endParaRPr/>
+          </a:p>
+        </p:txBody>
+      </p:sp>
+      <p:sp>
+        <p:nvSpPr>
+          <p:cNvPr id="89" name="PlaceHolder 3"/>
+          <p:cNvSpPr>
+            <a:spLocks noGrp="1"/>
+          </p:cNvSpPr>
+          <p:nvPr>
+            <p:ph type="body"/>
+          </p:nvPr>
+        </p:nvSpPr>
+        <p:spPr>
+          <a:xfrm>
+            <a:off x="5152680" y="1768680"/>
+            <a:ext cx="4426920" cy="2090880"/>
+          </a:xfrm>
+          <a:prstGeom prst="rect">
+            <a:avLst/>
+          </a:prstGeom>
+        </p:spPr>
+        <p:txBody>
+          <a:bodyPr lIns="0" rIns="0" tIns="0" bIns="0"/>
+          <a:p>
+            <a:endParaRPr/>
+          </a:p>
+        </p:txBody>
+      </p:sp>
+      <p:sp>
+        <p:nvSpPr>
+          <p:cNvPr id="90" name="PlaceHolder 4"/>
+          <p:cNvSpPr>
+            <a:spLocks noGrp="1"/>
+          </p:cNvSpPr>
+          <p:nvPr>
+            <p:ph type="body"/>
+          </p:nvPr>
+        </p:nvSpPr>
+        <p:spPr>
+          <a:xfrm>
+            <a:off x="5152680" y="4058640"/>
+            <a:ext cx="4426920" cy="2090880"/>
+          </a:xfrm>
+          <a:prstGeom prst="rect">
+            <a:avLst/>
+          </a:prstGeom>
+        </p:spPr>
+        <p:txBody>
+          <a:bodyPr lIns="0" rIns="0" tIns="0" bIns="0"/>
+          <a:p>
+            <a:endParaRPr/>
+          </a:p>
+        </p:txBody>
+      </p:sp>
+    </p:spTree>
+  </p:cSld>
+</p:sldLayout>
+</file>
+
+<file path=ppt/slideLayouts/slideLayout33.xml><?xml version="1.0" encoding="utf-8"?>
+<p:sldLayout xmlns:a="http://schemas.openxmlformats.org/drawingml/2006/main" xmlns:p="http://schemas.openxmlformats.org/presentationml/2006/main" xmlns:r="http://schemas.openxmlformats.org/officeDocument/2006/relationships" type="twoObjOverTx" preserve="1">
+  <p:cSld name="Title, 2 Content over Content">
+    <p:spTree>
+      <p:nvGrpSpPr>
+        <p:cNvPr id="1" name=""/>
+        <p:cNvGrpSpPr/>
+        <p:nvPr/>
+      </p:nvGrpSpPr>
+      <p:grpSpPr>
+        <a:xfrm>
+          <a:off x="0" y="0"/>
+          <a:ext cx="0" cy="0"/>
+          <a:chOff x="0" y="0"/>
+          <a:chExt cx="0" cy="0"/>
+        </a:xfrm>
+      </p:grpSpPr>
+      <p:sp>
+        <p:nvSpPr>
+          <p:cNvPr id="91" name="PlaceHolder 1"/>
+          <p:cNvSpPr>
+            <a:spLocks noGrp="1"/>
+          </p:cNvSpPr>
+          <p:nvPr>
+            <p:ph type="title"/>
+          </p:nvPr>
+        </p:nvSpPr>
+        <p:spPr>
+          <a:xfrm>
+            <a:off x="504000" y="301320"/>
+            <a:ext cx="9071640" cy="1262160"/>
+          </a:xfrm>
+          <a:prstGeom prst="rect">
+            <a:avLst/>
+          </a:prstGeom>
+        </p:spPr>
+        <p:txBody>
+          <a:bodyPr lIns="0" rIns="0" tIns="0" bIns="0" anchor="ctr"/>
+          <a:p>
+            <a:pPr algn="ctr"/>
+            <a:endParaRPr/>
+          </a:p>
+        </p:txBody>
+      </p:sp>
+      <p:sp>
+        <p:nvSpPr>
+          <p:cNvPr id="92" name="PlaceHolder 2"/>
+          <p:cNvSpPr>
+            <a:spLocks noGrp="1"/>
+          </p:cNvSpPr>
+          <p:nvPr>
+            <p:ph type="body"/>
+          </p:nvPr>
+        </p:nvSpPr>
+        <p:spPr>
+          <a:xfrm>
+            <a:off x="504000" y="1768680"/>
+            <a:ext cx="4426920" cy="2090880"/>
+          </a:xfrm>
+          <a:prstGeom prst="rect">
+            <a:avLst/>
+          </a:prstGeom>
+        </p:spPr>
+        <p:txBody>
+          <a:bodyPr lIns="0" rIns="0" tIns="0" bIns="0"/>
+          <a:p>
+            <a:endParaRPr/>
+          </a:p>
+        </p:txBody>
+      </p:sp>
+      <p:sp>
+        <p:nvSpPr>
+          <p:cNvPr id="93" name="PlaceHolder 3"/>
+          <p:cNvSpPr>
+            <a:spLocks noGrp="1"/>
+          </p:cNvSpPr>
+          <p:nvPr>
+            <p:ph type="body"/>
+          </p:nvPr>
+        </p:nvSpPr>
+        <p:spPr>
+          <a:xfrm>
+            <a:off x="5152680" y="1768680"/>
+            <a:ext cx="4426920" cy="2090880"/>
+          </a:xfrm>
+          <a:prstGeom prst="rect">
+            <a:avLst/>
+          </a:prstGeom>
+        </p:spPr>
+        <p:txBody>
+          <a:bodyPr lIns="0" rIns="0" tIns="0" bIns="0"/>
+          <a:p>
+            <a:endParaRPr/>
+          </a:p>
+        </p:txBody>
+      </p:sp>
+      <p:sp>
+        <p:nvSpPr>
+          <p:cNvPr id="94" name="PlaceHolder 4"/>
+          <p:cNvSpPr>
+            <a:spLocks noGrp="1"/>
+          </p:cNvSpPr>
+          <p:nvPr>
+            <p:ph type="body"/>
+          </p:nvPr>
+        </p:nvSpPr>
+        <p:spPr>
+          <a:xfrm>
+            <a:off x="504000" y="4058640"/>
+            <a:ext cx="9071640" cy="2090880"/>
+          </a:xfrm>
+          <a:prstGeom prst="rect">
+            <a:avLst/>
+          </a:prstGeom>
+        </p:spPr>
+        <p:txBody>
+          <a:bodyPr lIns="0" rIns="0" tIns="0" bIns="0"/>
+          <a:p>
+            <a:endParaRPr/>
+          </a:p>
+        </p:txBody>
+      </p:sp>
+    </p:spTree>
+  </p:cSld>
+</p:sldLayout>
+</file>
+
+<file path=ppt/slideLayouts/slideLayout34.xml><?xml version="1.0" encoding="utf-8"?>
+<p:sldLayout xmlns:a="http://schemas.openxmlformats.org/drawingml/2006/main" xmlns:p="http://schemas.openxmlformats.org/presentationml/2006/main" xmlns:r="http://schemas.openxmlformats.org/officeDocument/2006/relationships" type="objOverTx" preserve="1">
+  <p:cSld name="Title, Content over Content">
+    <p:spTree>
+      <p:nvGrpSpPr>
+        <p:cNvPr id="1" name=""/>
+        <p:cNvGrpSpPr/>
+        <p:nvPr/>
+      </p:nvGrpSpPr>
+      <p:grpSpPr>
+        <a:xfrm>
+          <a:off x="0" y="0"/>
+          <a:ext cx="0" cy="0"/>
+          <a:chOff x="0" y="0"/>
+          <a:chExt cx="0" cy="0"/>
+        </a:xfrm>
+      </p:grpSpPr>
+      <p:sp>
+        <p:nvSpPr>
+          <p:cNvPr id="95" name="PlaceHolder 1"/>
+          <p:cNvSpPr>
+            <a:spLocks noGrp="1"/>
+          </p:cNvSpPr>
+          <p:nvPr>
+            <p:ph type="title"/>
+          </p:nvPr>
+        </p:nvSpPr>
+        <p:spPr>
+          <a:xfrm>
+            <a:off x="504000" y="301320"/>
+            <a:ext cx="9071640" cy="1262160"/>
+          </a:xfrm>
+          <a:prstGeom prst="rect">
+            <a:avLst/>
+          </a:prstGeom>
+        </p:spPr>
+        <p:txBody>
+          <a:bodyPr lIns="0" rIns="0" tIns="0" bIns="0" anchor="ctr"/>
+          <a:p>
+            <a:pPr algn="ctr"/>
+            <a:endParaRPr/>
+          </a:p>
+        </p:txBody>
+      </p:sp>
+      <p:sp>
+        <p:nvSpPr>
+          <p:cNvPr id="96" name="PlaceHolder 2"/>
+          <p:cNvSpPr>
+            <a:spLocks noGrp="1"/>
+          </p:cNvSpPr>
+          <p:nvPr>
+            <p:ph type="body"/>
+          </p:nvPr>
+        </p:nvSpPr>
+        <p:spPr>
+          <a:xfrm>
+            <a:off x="504000" y="1768680"/>
+            <a:ext cx="9071640" cy="2090880"/>
+          </a:xfrm>
+          <a:prstGeom prst="rect">
+            <a:avLst/>
+          </a:prstGeom>
+        </p:spPr>
+        <p:txBody>
+          <a:bodyPr lIns="0" rIns="0" tIns="0" bIns="0"/>
+          <a:p>
+            <a:endParaRPr/>
+          </a:p>
+        </p:txBody>
+      </p:sp>
+      <p:sp>
+        <p:nvSpPr>
+          <p:cNvPr id="97" name="PlaceHolder 3"/>
+          <p:cNvSpPr>
+            <a:spLocks noGrp="1"/>
+          </p:cNvSpPr>
+          <p:nvPr>
+            <p:ph type="body"/>
+          </p:nvPr>
+        </p:nvSpPr>
+        <p:spPr>
+          <a:xfrm>
+            <a:off x="504000" y="4058640"/>
+            <a:ext cx="9071640" cy="2090880"/>
+          </a:xfrm>
+          <a:prstGeom prst="rect">
+            <a:avLst/>
+          </a:prstGeom>
+        </p:spPr>
+        <p:txBody>
+          <a:bodyPr lIns="0" rIns="0" tIns="0" bIns="0"/>
+          <a:p>
+            <a:endParaRPr/>
+          </a:p>
+        </p:txBody>
+      </p:sp>
+    </p:spTree>
+  </p:cSld>
+</p:sldLayout>
+</file>
+
+<file path=ppt/slideLayouts/slideLayout35.xml><?xml version="1.0" encoding="utf-8"?>
+<p:sldLayout xmlns:a="http://schemas.openxmlformats.org/drawingml/2006/main" xmlns:p="http://schemas.openxmlformats.org/presentationml/2006/main" xmlns:r="http://schemas.openxmlformats.org/officeDocument/2006/relationships" type="fourObj" preserve="1">
+  <p:cSld name="Title, 4 Content">
+    <p:spTree>
+      <p:nvGrpSpPr>
+        <p:cNvPr id="1" name=""/>
+        <p:cNvGrpSpPr/>
+        <p:nvPr/>
+      </p:nvGrpSpPr>
+      <p:grpSpPr>
+        <a:xfrm>
+          <a:off x="0" y="0"/>
+          <a:ext cx="0" cy="0"/>
+          <a:chOff x="0" y="0"/>
+          <a:chExt cx="0" cy="0"/>
+        </a:xfrm>
+      </p:grpSpPr>
+      <p:sp>
+        <p:nvSpPr>
+          <p:cNvPr id="98" name="PlaceHolder 1"/>
+          <p:cNvSpPr>
+            <a:spLocks noGrp="1"/>
+          </p:cNvSpPr>
+          <p:nvPr>
+            <p:ph type="title"/>
+          </p:nvPr>
+        </p:nvSpPr>
+        <p:spPr>
+          <a:xfrm>
+            <a:off x="504000" y="301320"/>
+            <a:ext cx="9071640" cy="1262160"/>
+          </a:xfrm>
+          <a:prstGeom prst="rect">
+            <a:avLst/>
+          </a:prstGeom>
+        </p:spPr>
+        <p:txBody>
+          <a:bodyPr lIns="0" rIns="0" tIns="0" bIns="0" anchor="ctr"/>
+          <a:p>
+            <a:pPr algn="ctr"/>
+            <a:endParaRPr/>
+          </a:p>
+        </p:txBody>
+      </p:sp>
+      <p:sp>
+        <p:nvSpPr>
+          <p:cNvPr id="99" name="PlaceHolder 2"/>
+          <p:cNvSpPr>
+            <a:spLocks noGrp="1"/>
+          </p:cNvSpPr>
+          <p:nvPr>
+            <p:ph type="body"/>
+          </p:nvPr>
+        </p:nvSpPr>
+        <p:spPr>
+          <a:xfrm>
+            <a:off x="504000" y="1768680"/>
+            <a:ext cx="4426920" cy="2090880"/>
+          </a:xfrm>
+          <a:prstGeom prst="rect">
+            <a:avLst/>
+          </a:prstGeom>
+        </p:spPr>
+        <p:txBody>
+          <a:bodyPr lIns="0" rIns="0" tIns="0" bIns="0"/>
+          <a:p>
+            <a:endParaRPr/>
+          </a:p>
+        </p:txBody>
+      </p:sp>
+      <p:sp>
+        <p:nvSpPr>
+          <p:cNvPr id="100" name="PlaceHolder 3"/>
+          <p:cNvSpPr>
+            <a:spLocks noGrp="1"/>
+          </p:cNvSpPr>
+          <p:nvPr>
+            <p:ph type="body"/>
+          </p:nvPr>
+        </p:nvSpPr>
+        <p:spPr>
+          <a:xfrm>
+            <a:off x="5152680" y="1768680"/>
+            <a:ext cx="4426920" cy="2090880"/>
+          </a:xfrm>
+          <a:prstGeom prst="rect">
+            <a:avLst/>
+          </a:prstGeom>
+        </p:spPr>
+        <p:txBody>
+          <a:bodyPr lIns="0" rIns="0" tIns="0" bIns="0"/>
+          <a:p>
+            <a:endParaRPr/>
+          </a:p>
+        </p:txBody>
+      </p:sp>
+      <p:sp>
+        <p:nvSpPr>
+          <p:cNvPr id="101" name="PlaceHolder 4"/>
+          <p:cNvSpPr>
+            <a:spLocks noGrp="1"/>
+          </p:cNvSpPr>
+          <p:nvPr>
+            <p:ph type="body"/>
+          </p:nvPr>
+        </p:nvSpPr>
+        <p:spPr>
+          <a:xfrm>
+            <a:off x="5152680" y="4058640"/>
+            <a:ext cx="4426920" cy="2090880"/>
+          </a:xfrm>
+          <a:prstGeom prst="rect">
+            <a:avLst/>
+          </a:prstGeom>
+        </p:spPr>
+        <p:txBody>
+          <a:bodyPr lIns="0" rIns="0" tIns="0" bIns="0"/>
+          <a:p>
+            <a:endParaRPr/>
+          </a:p>
+        </p:txBody>
+      </p:sp>
+      <p:sp>
+        <p:nvSpPr>
+          <p:cNvPr id="102" name="PlaceHolder 5"/>
+          <p:cNvSpPr>
+            <a:spLocks noGrp="1"/>
+          </p:cNvSpPr>
+          <p:nvPr>
+            <p:ph type="body"/>
+          </p:nvPr>
+        </p:nvSpPr>
+        <p:spPr>
+          <a:xfrm>
+            <a:off x="504000" y="4058640"/>
+            <a:ext cx="4426920" cy="2090880"/>
+          </a:xfrm>
+          <a:prstGeom prst="rect">
+            <a:avLst/>
+          </a:prstGeom>
+        </p:spPr>
+        <p:txBody>
+          <a:bodyPr lIns="0" rIns="0" tIns="0" bIns="0"/>
+          <a:p>
+            <a:endParaRPr/>
+          </a:p>
+        </p:txBody>
+      </p:sp>
+    </p:spTree>
+  </p:cSld>
+</p:sldLayout>
+</file>
+
+<file path=ppt/slideLayouts/slideLayout36.xml><?xml version="1.0" encoding="utf-8"?>
+<p:sldLayout xmlns:a="http://schemas.openxmlformats.org/drawingml/2006/main" xmlns:p="http://schemas.openxmlformats.org/presentationml/2006/main" xmlns:r="http://schemas.openxmlformats.org/officeDocument/2006/relationships" type="blank" preserve="1">
+  <p:cSld name="Title, 6 Content">
+    <p:spTree>
+      <p:nvGrpSpPr>
+        <p:cNvPr id="1" name=""/>
+        <p:cNvGrpSpPr/>
+        <p:nvPr/>
+      </p:nvGrpSpPr>
+      <p:grpSpPr>
+        <a:xfrm>
+          <a:off x="0" y="0"/>
+          <a:ext cx="0" cy="0"/>
+          <a:chOff x="0" y="0"/>
+          <a:chExt cx="0" cy="0"/>
+        </a:xfrm>
+      </p:grpSpPr>
+      <p:sp>
+        <p:nvSpPr>
+          <p:cNvPr id="103" name="PlaceHolder 1"/>
+          <p:cNvSpPr>
+            <a:spLocks noGrp="1"/>
+          </p:cNvSpPr>
+          <p:nvPr>
+            <p:ph type="title"/>
+          </p:nvPr>
+        </p:nvSpPr>
+        <p:spPr>
+          <a:xfrm>
+            <a:off x="504000" y="301320"/>
+            <a:ext cx="9071640" cy="1262160"/>
+          </a:xfrm>
+          <a:prstGeom prst="rect">
+            <a:avLst/>
+          </a:prstGeom>
+        </p:spPr>
+        <p:txBody>
+          <a:bodyPr lIns="0" rIns="0" tIns="0" bIns="0" anchor="ctr"/>
+          <a:p>
+            <a:pPr algn="ctr"/>
+            <a:endParaRPr/>
+          </a:p>
+        </p:txBody>
+      </p:sp>
+      <p:sp>
+        <p:nvSpPr>
+          <p:cNvPr id="104" name="PlaceHolder 2"/>
+          <p:cNvSpPr>
+            <a:spLocks noGrp="1"/>
+          </p:cNvSpPr>
+          <p:nvPr>
+            <p:ph type="body"/>
+          </p:nvPr>
+        </p:nvSpPr>
+        <p:spPr>
+          <a:xfrm>
+            <a:off x="504000" y="1768680"/>
+            <a:ext cx="9071640" cy="4383720"/>
+          </a:xfrm>
+          <a:prstGeom prst="rect">
+            <a:avLst/>
+          </a:prstGeom>
+        </p:spPr>
+        <p:txBody>
+          <a:bodyPr lIns="0" rIns="0" tIns="0" bIns="0"/>
+          <a:p>
+            <a:endParaRPr/>
+          </a:p>
+        </p:txBody>
+      </p:sp>
+      <p:sp>
+        <p:nvSpPr>
+          <p:cNvPr id="105" name="PlaceHolder 3"/>
+          <p:cNvSpPr>
+            <a:spLocks noGrp="1"/>
+          </p:cNvSpPr>
+          <p:nvPr>
+            <p:ph type="body"/>
+          </p:nvPr>
+        </p:nvSpPr>
+        <p:spPr>
+          <a:xfrm>
+            <a:off x="504000" y="1768680"/>
+            <a:ext cx="9071640" cy="4383720"/>
+          </a:xfrm>
+          <a:prstGeom prst="rect">
+            <a:avLst/>
+          </a:prstGeom>
+        </p:spPr>
+        <p:txBody>
+          <a:bodyPr lIns="0" rIns="0" tIns="0" bIns="0"/>
+          <a:p>
+            <a:endParaRPr/>
+          </a:p>
+        </p:txBody>
+      </p:sp>
+      <p:pic>
+        <p:nvPicPr>
+          <p:cNvPr id="106" name="" descr=""/>
+          <p:cNvPicPr/>
+          <p:nvPr/>
+        </p:nvPicPr>
+        <p:blipFill>
+          <a:blip r:embed="rId2"/>
+          <a:stretch>
+            <a:fillRect/>
+          </a:stretch>
+        </p:blipFill>
+        <p:spPr>
+          <a:xfrm>
+            <a:off x="2292480" y="1768320"/>
+            <a:ext cx="5494320" cy="4383720"/>
+          </a:xfrm>
+          <a:prstGeom prst="rect">
+            <a:avLst/>
+          </a:prstGeom>
+          <a:ln>
+            <a:noFill/>
+          </a:ln>
+        </p:spPr>
+      </p:pic>
+      <p:pic>
+        <p:nvPicPr>
+          <p:cNvPr id="107" name="" descr=""/>
+          <p:cNvPicPr/>
+          <p:nvPr/>
+        </p:nvPicPr>
+        <p:blipFill>
+          <a:blip r:embed="rId3"/>
+          <a:stretch>
+            <a:fillRect/>
+          </a:stretch>
+        </p:blipFill>
+        <p:spPr>
+          <a:xfrm>
+            <a:off x="2292480" y="1768320"/>
+            <a:ext cx="5494320" cy="4383720"/>
+          </a:xfrm>
+          <a:prstGeom prst="rect">
+            <a:avLst/>
+          </a:prstGeom>
+          <a:ln>
+            <a:noFill/>
+          </a:ln>
+        </p:spPr>
+      </p:pic>
+    </p:spTree>
+  </p:cSld>
+</p:sldLayout>
+</file>
+
+<file path=ppt/slideLayouts/slideLayout37.xml><?xml version="1.0" encoding="utf-8"?>
+<p:sldLayout xmlns:a="http://schemas.openxmlformats.org/drawingml/2006/main" xmlns:p="http://schemas.openxmlformats.org/presentationml/2006/main" xmlns:r="http://schemas.openxmlformats.org/officeDocument/2006/relationships" type="blank" preserve="1">
+  <p:cSld name="Blank Slide">
+    <p:spTree>
+      <p:nvGrpSpPr>
+        <p:cNvPr id="1" name=""/>
+        <p:cNvGrpSpPr/>
+        <p:nvPr/>
+      </p:nvGrpSpPr>
+      <p:grpSpPr>
+        <a:xfrm>
+          <a:off x="0" y="0"/>
+          <a:ext cx="0" cy="0"/>
+          <a:chOff x="0" y="0"/>
+          <a:chExt cx="0" cy="0"/>
+        </a:xfrm>
+      </p:grpSpPr>
+    </p:spTree>
+  </p:cSld>
+</p:sldLayout>
+</file>
+
+<file path=ppt/slideLayouts/slideLayout38.xml><?xml version="1.0" encoding="utf-8"?>
+<p:sldLayout xmlns:a="http://schemas.openxmlformats.org/drawingml/2006/main" xmlns:p="http://schemas.openxmlformats.org/presentationml/2006/main" xmlns:r="http://schemas.openxmlformats.org/officeDocument/2006/relationships" type="tx" preserve="1">
+  <p:cSld name="Title Slide">
+    <p:spTree>
+      <p:nvGrpSpPr>
+        <p:cNvPr id="1" name=""/>
+        <p:cNvGrpSpPr/>
+        <p:nvPr/>
+      </p:nvGrpSpPr>
+      <p:grpSpPr>
+        <a:xfrm>
+          <a:off x="0" y="0"/>
+          <a:ext cx="0" cy="0"/>
+          <a:chOff x="0" y="0"/>
+          <a:chExt cx="0" cy="0"/>
+        </a:xfrm>
+      </p:grpSpPr>
+      <p:sp>
+        <p:nvSpPr>
+          <p:cNvPr id="113" name="PlaceHolder 1"/>
+          <p:cNvSpPr>
+            <a:spLocks noGrp="1"/>
+          </p:cNvSpPr>
+          <p:nvPr>
+            <p:ph type="title"/>
+          </p:nvPr>
+        </p:nvSpPr>
+        <p:spPr>
+          <a:xfrm>
+            <a:off x="504000" y="301320"/>
+            <a:ext cx="9071640" cy="1262160"/>
+          </a:xfrm>
+          <a:prstGeom prst="rect">
+            <a:avLst/>
+          </a:prstGeom>
+        </p:spPr>
+        <p:txBody>
+          <a:bodyPr lIns="0" rIns="0" tIns="0" bIns="0" anchor="ctr"/>
+          <a:p>
+            <a:pPr algn="ctr"/>
+            <a:endParaRPr/>
+          </a:p>
+        </p:txBody>
+      </p:sp>
+      <p:sp>
+        <p:nvSpPr>
+          <p:cNvPr id="114" name="PlaceHolder 2"/>
+          <p:cNvSpPr>
+            <a:spLocks noGrp="1"/>
+          </p:cNvSpPr>
+          <p:nvPr>
+            <p:ph type="subTitle"/>
+          </p:nvPr>
+        </p:nvSpPr>
+        <p:spPr>
+          <a:xfrm>
+            <a:off x="504000" y="1768680"/>
+            <a:ext cx="9071640" cy="4384080"/>
+          </a:xfrm>
+          <a:prstGeom prst="rect">
+            <a:avLst/>
+          </a:prstGeom>
+        </p:spPr>
+        <p:txBody>
+          <a:bodyPr lIns="0" rIns="0" tIns="0" bIns="0" anchor="ctr"/>
+          <a:p>
+            <a:pPr algn="ctr"/>
+            <a:endParaRPr/>
+          </a:p>
+        </p:txBody>
+      </p:sp>
+    </p:spTree>
+  </p:cSld>
+</p:sldLayout>
+</file>
+
+<file path=ppt/slideLayouts/slideLayout39.xml><?xml version="1.0" encoding="utf-8"?>
+<p:sldLayout xmlns:a="http://schemas.openxmlformats.org/drawingml/2006/main" xmlns:p="http://schemas.openxmlformats.org/presentationml/2006/main" xmlns:r="http://schemas.openxmlformats.org/officeDocument/2006/relationships" type="obj" preserve="1">
+  <p:cSld name="Title, Content">
+    <p:spTree>
+      <p:nvGrpSpPr>
+        <p:cNvPr id="1" name=""/>
+        <p:cNvGrpSpPr/>
+        <p:nvPr/>
+      </p:nvGrpSpPr>
+      <p:grpSpPr>
+        <a:xfrm>
+          <a:off x="0" y="0"/>
+          <a:ext cx="0" cy="0"/>
+          <a:chOff x="0" y="0"/>
+          <a:chExt cx="0" cy="0"/>
+        </a:xfrm>
+      </p:grpSpPr>
+      <p:sp>
+        <p:nvSpPr>
+          <p:cNvPr id="115" name="PlaceHolder 1"/>
+          <p:cNvSpPr>
+            <a:spLocks noGrp="1"/>
+          </p:cNvSpPr>
+          <p:nvPr>
+            <p:ph type="title"/>
+          </p:nvPr>
+        </p:nvSpPr>
+        <p:spPr>
+          <a:xfrm>
+            <a:off x="504000" y="301320"/>
+            <a:ext cx="9071640" cy="1262160"/>
+          </a:xfrm>
+          <a:prstGeom prst="rect">
+            <a:avLst/>
+          </a:prstGeom>
+        </p:spPr>
+        <p:txBody>
+          <a:bodyPr lIns="0" rIns="0" tIns="0" bIns="0" anchor="ctr"/>
+          <a:p>
+            <a:pPr algn="ctr"/>
+            <a:endParaRPr/>
+          </a:p>
+        </p:txBody>
+      </p:sp>
+      <p:sp>
+        <p:nvSpPr>
+          <p:cNvPr id="116" name="PlaceHolder 2"/>
+          <p:cNvSpPr>
+            <a:spLocks noGrp="1"/>
+          </p:cNvSpPr>
+          <p:nvPr>
+            <p:ph type="body"/>
+          </p:nvPr>
+        </p:nvSpPr>
+        <p:spPr>
+          <a:xfrm>
+            <a:off x="504000" y="1768680"/>
+            <a:ext cx="9071640" cy="4383720"/>
           </a:xfrm>
           <a:prstGeom prst="rect">
             <a:avLst/>
@@ -613,7 +3108,7 @@
       </p:grpSpPr>
       <p:sp>
         <p:nvSpPr>
-          <p:cNvPr id="9" name="PlaceHolder 1"/>
+          <p:cNvPr id="6" name="PlaceHolder 1"/>
           <p:cNvSpPr>
             <a:spLocks noGrp="1"/>
           </p:cNvSpPr>
@@ -624,7 +3119,7 @@
         <p:spPr>
           <a:xfrm>
             <a:off x="504000" y="301320"/>
-            <a:ext cx="9071640" cy="1262520"/>
+            <a:ext cx="9071640" cy="1262160"/>
           </a:xfrm>
           <a:prstGeom prst="rect">
             <a:avLst/>
@@ -640,56 +3135,1041 @@
       </p:sp>
       <p:sp>
         <p:nvSpPr>
-          <p:cNvPr id="10" name="PlaceHolder 2"/>
-          <p:cNvSpPr>
-            <a:spLocks noGrp="1"/>
-          </p:cNvSpPr>
-          <p:nvPr>
-            <p:ph type="body"/>
-          </p:nvPr>
-        </p:nvSpPr>
-        <p:spPr>
-          <a:xfrm>
-            <a:off x="504000" y="1769040"/>
-            <a:ext cx="4426920" cy="4384440"/>
-          </a:xfrm>
-          <a:prstGeom prst="rect">
-            <a:avLst/>
-          </a:prstGeom>
-        </p:spPr>
-        <p:txBody>
-          <a:bodyPr lIns="0" rIns="0" tIns="0" bIns="0"/>
-          <a:p>
-            <a:endParaRPr/>
-          </a:p>
-        </p:txBody>
-      </p:sp>
-      <p:sp>
-        <p:nvSpPr>
-          <p:cNvPr id="11" name="PlaceHolder 3"/>
-          <p:cNvSpPr>
-            <a:spLocks noGrp="1"/>
-          </p:cNvSpPr>
-          <p:nvPr>
-            <p:ph type="body"/>
-          </p:nvPr>
-        </p:nvSpPr>
-        <p:spPr>
-          <a:xfrm>
-            <a:off x="5152680" y="1769040"/>
-            <a:ext cx="4426920" cy="4384440"/>
-          </a:xfrm>
-          <a:prstGeom prst="rect">
-            <a:avLst/>
-          </a:prstGeom>
-        </p:spPr>
-        <p:txBody>
-          <a:bodyPr lIns="0" rIns="0" tIns="0" bIns="0"/>
-          <a:p>
-            <a:endParaRPr/>
-          </a:p>
-        </p:txBody>
-      </p:sp>
+          <p:cNvPr id="7" name="PlaceHolder 2"/>
+          <p:cNvSpPr>
+            <a:spLocks noGrp="1"/>
+          </p:cNvSpPr>
+          <p:nvPr>
+            <p:ph type="body"/>
+          </p:nvPr>
+        </p:nvSpPr>
+        <p:spPr>
+          <a:xfrm>
+            <a:off x="504000" y="1768680"/>
+            <a:ext cx="4426920" cy="4383720"/>
+          </a:xfrm>
+          <a:prstGeom prst="rect">
+            <a:avLst/>
+          </a:prstGeom>
+        </p:spPr>
+        <p:txBody>
+          <a:bodyPr lIns="0" rIns="0" tIns="0" bIns="0"/>
+          <a:p>
+            <a:endParaRPr/>
+          </a:p>
+        </p:txBody>
+      </p:sp>
+      <p:sp>
+        <p:nvSpPr>
+          <p:cNvPr id="8" name="PlaceHolder 3"/>
+          <p:cNvSpPr>
+            <a:spLocks noGrp="1"/>
+          </p:cNvSpPr>
+          <p:nvPr>
+            <p:ph type="body"/>
+          </p:nvPr>
+        </p:nvSpPr>
+        <p:spPr>
+          <a:xfrm>
+            <a:off x="5152680" y="1768680"/>
+            <a:ext cx="4426920" cy="4383720"/>
+          </a:xfrm>
+          <a:prstGeom prst="rect">
+            <a:avLst/>
+          </a:prstGeom>
+        </p:spPr>
+        <p:txBody>
+          <a:bodyPr lIns="0" rIns="0" tIns="0" bIns="0"/>
+          <a:p>
+            <a:endParaRPr/>
+          </a:p>
+        </p:txBody>
+      </p:sp>
+    </p:spTree>
+  </p:cSld>
+</p:sldLayout>
+</file>
+
+<file path=ppt/slideLayouts/slideLayout40.xml><?xml version="1.0" encoding="utf-8"?>
+<p:sldLayout xmlns:a="http://schemas.openxmlformats.org/drawingml/2006/main" xmlns:p="http://schemas.openxmlformats.org/presentationml/2006/main" xmlns:r="http://schemas.openxmlformats.org/officeDocument/2006/relationships" type="twoObj" preserve="1">
+  <p:cSld name="Title, 2 Content">
+    <p:spTree>
+      <p:nvGrpSpPr>
+        <p:cNvPr id="1" name=""/>
+        <p:cNvGrpSpPr/>
+        <p:nvPr/>
+      </p:nvGrpSpPr>
+      <p:grpSpPr>
+        <a:xfrm>
+          <a:off x="0" y="0"/>
+          <a:ext cx="0" cy="0"/>
+          <a:chOff x="0" y="0"/>
+          <a:chExt cx="0" cy="0"/>
+        </a:xfrm>
+      </p:grpSpPr>
+      <p:sp>
+        <p:nvSpPr>
+          <p:cNvPr id="117" name="PlaceHolder 1"/>
+          <p:cNvSpPr>
+            <a:spLocks noGrp="1"/>
+          </p:cNvSpPr>
+          <p:nvPr>
+            <p:ph type="title"/>
+          </p:nvPr>
+        </p:nvSpPr>
+        <p:spPr>
+          <a:xfrm>
+            <a:off x="504000" y="301320"/>
+            <a:ext cx="9071640" cy="1262160"/>
+          </a:xfrm>
+          <a:prstGeom prst="rect">
+            <a:avLst/>
+          </a:prstGeom>
+        </p:spPr>
+        <p:txBody>
+          <a:bodyPr lIns="0" rIns="0" tIns="0" bIns="0" anchor="ctr"/>
+          <a:p>
+            <a:pPr algn="ctr"/>
+            <a:endParaRPr/>
+          </a:p>
+        </p:txBody>
+      </p:sp>
+      <p:sp>
+        <p:nvSpPr>
+          <p:cNvPr id="118" name="PlaceHolder 2"/>
+          <p:cNvSpPr>
+            <a:spLocks noGrp="1"/>
+          </p:cNvSpPr>
+          <p:nvPr>
+            <p:ph type="body"/>
+          </p:nvPr>
+        </p:nvSpPr>
+        <p:spPr>
+          <a:xfrm>
+            <a:off x="504000" y="1768680"/>
+            <a:ext cx="4426920" cy="4383720"/>
+          </a:xfrm>
+          <a:prstGeom prst="rect">
+            <a:avLst/>
+          </a:prstGeom>
+        </p:spPr>
+        <p:txBody>
+          <a:bodyPr lIns="0" rIns="0" tIns="0" bIns="0"/>
+          <a:p>
+            <a:endParaRPr/>
+          </a:p>
+        </p:txBody>
+      </p:sp>
+      <p:sp>
+        <p:nvSpPr>
+          <p:cNvPr id="119" name="PlaceHolder 3"/>
+          <p:cNvSpPr>
+            <a:spLocks noGrp="1"/>
+          </p:cNvSpPr>
+          <p:nvPr>
+            <p:ph type="body"/>
+          </p:nvPr>
+        </p:nvSpPr>
+        <p:spPr>
+          <a:xfrm>
+            <a:off x="5152680" y="1768680"/>
+            <a:ext cx="4426920" cy="4383720"/>
+          </a:xfrm>
+          <a:prstGeom prst="rect">
+            <a:avLst/>
+          </a:prstGeom>
+        </p:spPr>
+        <p:txBody>
+          <a:bodyPr lIns="0" rIns="0" tIns="0" bIns="0"/>
+          <a:p>
+            <a:endParaRPr/>
+          </a:p>
+        </p:txBody>
+      </p:sp>
+    </p:spTree>
+  </p:cSld>
+</p:sldLayout>
+</file>
+
+<file path=ppt/slideLayouts/slideLayout41.xml><?xml version="1.0" encoding="utf-8"?>
+<p:sldLayout xmlns:a="http://schemas.openxmlformats.org/drawingml/2006/main" xmlns:p="http://schemas.openxmlformats.org/presentationml/2006/main" xmlns:r="http://schemas.openxmlformats.org/officeDocument/2006/relationships" type="titleOnly" preserve="1">
+  <p:cSld name="Title Only">
+    <p:spTree>
+      <p:nvGrpSpPr>
+        <p:cNvPr id="1" name=""/>
+        <p:cNvGrpSpPr/>
+        <p:nvPr/>
+      </p:nvGrpSpPr>
+      <p:grpSpPr>
+        <a:xfrm>
+          <a:off x="0" y="0"/>
+          <a:ext cx="0" cy="0"/>
+          <a:chOff x="0" y="0"/>
+          <a:chExt cx="0" cy="0"/>
+        </a:xfrm>
+      </p:grpSpPr>
+      <p:sp>
+        <p:nvSpPr>
+          <p:cNvPr id="120" name="PlaceHolder 1"/>
+          <p:cNvSpPr>
+            <a:spLocks noGrp="1"/>
+          </p:cNvSpPr>
+          <p:nvPr>
+            <p:ph type="title"/>
+          </p:nvPr>
+        </p:nvSpPr>
+        <p:spPr>
+          <a:xfrm>
+            <a:off x="504000" y="301320"/>
+            <a:ext cx="9071640" cy="1262160"/>
+          </a:xfrm>
+          <a:prstGeom prst="rect">
+            <a:avLst/>
+          </a:prstGeom>
+        </p:spPr>
+        <p:txBody>
+          <a:bodyPr lIns="0" rIns="0" tIns="0" bIns="0" anchor="ctr"/>
+          <a:p>
+            <a:pPr algn="ctr"/>
+            <a:endParaRPr/>
+          </a:p>
+        </p:txBody>
+      </p:sp>
+    </p:spTree>
+  </p:cSld>
+</p:sldLayout>
+</file>
+
+<file path=ppt/slideLayouts/slideLayout42.xml><?xml version="1.0" encoding="utf-8"?>
+<p:sldLayout xmlns:a="http://schemas.openxmlformats.org/drawingml/2006/main" xmlns:p="http://schemas.openxmlformats.org/presentationml/2006/main" xmlns:r="http://schemas.openxmlformats.org/officeDocument/2006/relationships" type="objOnly" preserve="1">
+  <p:cSld name="Centered Text">
+    <p:spTree>
+      <p:nvGrpSpPr>
+        <p:cNvPr id="1" name=""/>
+        <p:cNvGrpSpPr/>
+        <p:nvPr/>
+      </p:nvGrpSpPr>
+      <p:grpSpPr>
+        <a:xfrm>
+          <a:off x="0" y="0"/>
+          <a:ext cx="0" cy="0"/>
+          <a:chOff x="0" y="0"/>
+          <a:chExt cx="0" cy="0"/>
+        </a:xfrm>
+      </p:grpSpPr>
+      <p:sp>
+        <p:nvSpPr>
+          <p:cNvPr id="121" name="PlaceHolder 1"/>
+          <p:cNvSpPr>
+            <a:spLocks noGrp="1"/>
+          </p:cNvSpPr>
+          <p:nvPr>
+            <p:ph type="subTitle"/>
+          </p:nvPr>
+        </p:nvSpPr>
+        <p:spPr>
+          <a:xfrm>
+            <a:off x="504000" y="301320"/>
+            <a:ext cx="9071640" cy="5850720"/>
+          </a:xfrm>
+          <a:prstGeom prst="rect">
+            <a:avLst/>
+          </a:prstGeom>
+        </p:spPr>
+        <p:txBody>
+          <a:bodyPr lIns="0" rIns="0" tIns="0" bIns="0" anchor="ctr"/>
+          <a:p>
+            <a:pPr algn="ctr"/>
+            <a:endParaRPr/>
+          </a:p>
+        </p:txBody>
+      </p:sp>
+    </p:spTree>
+  </p:cSld>
+</p:sldLayout>
+</file>
+
+<file path=ppt/slideLayouts/slideLayout43.xml><?xml version="1.0" encoding="utf-8"?>
+<p:sldLayout xmlns:a="http://schemas.openxmlformats.org/drawingml/2006/main" xmlns:p="http://schemas.openxmlformats.org/presentationml/2006/main" xmlns:r="http://schemas.openxmlformats.org/officeDocument/2006/relationships" type="twoObjAndObj" preserve="1">
+  <p:cSld name="Title, 2 Content and Content">
+    <p:spTree>
+      <p:nvGrpSpPr>
+        <p:cNvPr id="1" name=""/>
+        <p:cNvGrpSpPr/>
+        <p:nvPr/>
+      </p:nvGrpSpPr>
+      <p:grpSpPr>
+        <a:xfrm>
+          <a:off x="0" y="0"/>
+          <a:ext cx="0" cy="0"/>
+          <a:chOff x="0" y="0"/>
+          <a:chExt cx="0" cy="0"/>
+        </a:xfrm>
+      </p:grpSpPr>
+      <p:sp>
+        <p:nvSpPr>
+          <p:cNvPr id="122" name="PlaceHolder 1"/>
+          <p:cNvSpPr>
+            <a:spLocks noGrp="1"/>
+          </p:cNvSpPr>
+          <p:nvPr>
+            <p:ph type="title"/>
+          </p:nvPr>
+        </p:nvSpPr>
+        <p:spPr>
+          <a:xfrm>
+            <a:off x="504000" y="301320"/>
+            <a:ext cx="9071640" cy="1262160"/>
+          </a:xfrm>
+          <a:prstGeom prst="rect">
+            <a:avLst/>
+          </a:prstGeom>
+        </p:spPr>
+        <p:txBody>
+          <a:bodyPr lIns="0" rIns="0" tIns="0" bIns="0" anchor="ctr"/>
+          <a:p>
+            <a:pPr algn="ctr"/>
+            <a:endParaRPr/>
+          </a:p>
+        </p:txBody>
+      </p:sp>
+      <p:sp>
+        <p:nvSpPr>
+          <p:cNvPr id="123" name="PlaceHolder 2"/>
+          <p:cNvSpPr>
+            <a:spLocks noGrp="1"/>
+          </p:cNvSpPr>
+          <p:nvPr>
+            <p:ph type="body"/>
+          </p:nvPr>
+        </p:nvSpPr>
+        <p:spPr>
+          <a:xfrm>
+            <a:off x="504000" y="1768680"/>
+            <a:ext cx="4426920" cy="2090880"/>
+          </a:xfrm>
+          <a:prstGeom prst="rect">
+            <a:avLst/>
+          </a:prstGeom>
+        </p:spPr>
+        <p:txBody>
+          <a:bodyPr lIns="0" rIns="0" tIns="0" bIns="0"/>
+          <a:p>
+            <a:endParaRPr/>
+          </a:p>
+        </p:txBody>
+      </p:sp>
+      <p:sp>
+        <p:nvSpPr>
+          <p:cNvPr id="124" name="PlaceHolder 3"/>
+          <p:cNvSpPr>
+            <a:spLocks noGrp="1"/>
+          </p:cNvSpPr>
+          <p:nvPr>
+            <p:ph type="body"/>
+          </p:nvPr>
+        </p:nvSpPr>
+        <p:spPr>
+          <a:xfrm>
+            <a:off x="504000" y="4058640"/>
+            <a:ext cx="4426920" cy="2090880"/>
+          </a:xfrm>
+          <a:prstGeom prst="rect">
+            <a:avLst/>
+          </a:prstGeom>
+        </p:spPr>
+        <p:txBody>
+          <a:bodyPr lIns="0" rIns="0" tIns="0" bIns="0"/>
+          <a:p>
+            <a:endParaRPr/>
+          </a:p>
+        </p:txBody>
+      </p:sp>
+      <p:sp>
+        <p:nvSpPr>
+          <p:cNvPr id="125" name="PlaceHolder 4"/>
+          <p:cNvSpPr>
+            <a:spLocks noGrp="1"/>
+          </p:cNvSpPr>
+          <p:nvPr>
+            <p:ph type="body"/>
+          </p:nvPr>
+        </p:nvSpPr>
+        <p:spPr>
+          <a:xfrm>
+            <a:off x="5152680" y="1768680"/>
+            <a:ext cx="4426920" cy="4383720"/>
+          </a:xfrm>
+          <a:prstGeom prst="rect">
+            <a:avLst/>
+          </a:prstGeom>
+        </p:spPr>
+        <p:txBody>
+          <a:bodyPr lIns="0" rIns="0" tIns="0" bIns="0"/>
+          <a:p>
+            <a:endParaRPr/>
+          </a:p>
+        </p:txBody>
+      </p:sp>
+    </p:spTree>
+  </p:cSld>
+</p:sldLayout>
+</file>
+
+<file path=ppt/slideLayouts/slideLayout44.xml><?xml version="1.0" encoding="utf-8"?>
+<p:sldLayout xmlns:a="http://schemas.openxmlformats.org/drawingml/2006/main" xmlns:p="http://schemas.openxmlformats.org/presentationml/2006/main" xmlns:r="http://schemas.openxmlformats.org/officeDocument/2006/relationships" type="objAndTwoObj" preserve="1">
+  <p:cSld name="Title Content and 2 Content">
+    <p:spTree>
+      <p:nvGrpSpPr>
+        <p:cNvPr id="1" name=""/>
+        <p:cNvGrpSpPr/>
+        <p:nvPr/>
+      </p:nvGrpSpPr>
+      <p:grpSpPr>
+        <a:xfrm>
+          <a:off x="0" y="0"/>
+          <a:ext cx="0" cy="0"/>
+          <a:chOff x="0" y="0"/>
+          <a:chExt cx="0" cy="0"/>
+        </a:xfrm>
+      </p:grpSpPr>
+      <p:sp>
+        <p:nvSpPr>
+          <p:cNvPr id="126" name="PlaceHolder 1"/>
+          <p:cNvSpPr>
+            <a:spLocks noGrp="1"/>
+          </p:cNvSpPr>
+          <p:nvPr>
+            <p:ph type="title"/>
+          </p:nvPr>
+        </p:nvSpPr>
+        <p:spPr>
+          <a:xfrm>
+            <a:off x="504000" y="301320"/>
+            <a:ext cx="9071640" cy="1262160"/>
+          </a:xfrm>
+          <a:prstGeom prst="rect">
+            <a:avLst/>
+          </a:prstGeom>
+        </p:spPr>
+        <p:txBody>
+          <a:bodyPr lIns="0" rIns="0" tIns="0" bIns="0" anchor="ctr"/>
+          <a:p>
+            <a:pPr algn="ctr"/>
+            <a:endParaRPr/>
+          </a:p>
+        </p:txBody>
+      </p:sp>
+      <p:sp>
+        <p:nvSpPr>
+          <p:cNvPr id="127" name="PlaceHolder 2"/>
+          <p:cNvSpPr>
+            <a:spLocks noGrp="1"/>
+          </p:cNvSpPr>
+          <p:nvPr>
+            <p:ph type="body"/>
+          </p:nvPr>
+        </p:nvSpPr>
+        <p:spPr>
+          <a:xfrm>
+            <a:off x="504000" y="1768680"/>
+            <a:ext cx="4426920" cy="4383720"/>
+          </a:xfrm>
+          <a:prstGeom prst="rect">
+            <a:avLst/>
+          </a:prstGeom>
+        </p:spPr>
+        <p:txBody>
+          <a:bodyPr lIns="0" rIns="0" tIns="0" bIns="0"/>
+          <a:p>
+            <a:endParaRPr/>
+          </a:p>
+        </p:txBody>
+      </p:sp>
+      <p:sp>
+        <p:nvSpPr>
+          <p:cNvPr id="128" name="PlaceHolder 3"/>
+          <p:cNvSpPr>
+            <a:spLocks noGrp="1"/>
+          </p:cNvSpPr>
+          <p:nvPr>
+            <p:ph type="body"/>
+          </p:nvPr>
+        </p:nvSpPr>
+        <p:spPr>
+          <a:xfrm>
+            <a:off x="5152680" y="1768680"/>
+            <a:ext cx="4426920" cy="2090880"/>
+          </a:xfrm>
+          <a:prstGeom prst="rect">
+            <a:avLst/>
+          </a:prstGeom>
+        </p:spPr>
+        <p:txBody>
+          <a:bodyPr lIns="0" rIns="0" tIns="0" bIns="0"/>
+          <a:p>
+            <a:endParaRPr/>
+          </a:p>
+        </p:txBody>
+      </p:sp>
+      <p:sp>
+        <p:nvSpPr>
+          <p:cNvPr id="129" name="PlaceHolder 4"/>
+          <p:cNvSpPr>
+            <a:spLocks noGrp="1"/>
+          </p:cNvSpPr>
+          <p:nvPr>
+            <p:ph type="body"/>
+          </p:nvPr>
+        </p:nvSpPr>
+        <p:spPr>
+          <a:xfrm>
+            <a:off x="5152680" y="4058640"/>
+            <a:ext cx="4426920" cy="2090880"/>
+          </a:xfrm>
+          <a:prstGeom prst="rect">
+            <a:avLst/>
+          </a:prstGeom>
+        </p:spPr>
+        <p:txBody>
+          <a:bodyPr lIns="0" rIns="0" tIns="0" bIns="0"/>
+          <a:p>
+            <a:endParaRPr/>
+          </a:p>
+        </p:txBody>
+      </p:sp>
+    </p:spTree>
+  </p:cSld>
+</p:sldLayout>
+</file>
+
+<file path=ppt/slideLayouts/slideLayout45.xml><?xml version="1.0" encoding="utf-8"?>
+<p:sldLayout xmlns:a="http://schemas.openxmlformats.org/drawingml/2006/main" xmlns:p="http://schemas.openxmlformats.org/presentationml/2006/main" xmlns:r="http://schemas.openxmlformats.org/officeDocument/2006/relationships" type="twoObjOverTx" preserve="1">
+  <p:cSld name="Title, 2 Content over Content">
+    <p:spTree>
+      <p:nvGrpSpPr>
+        <p:cNvPr id="1" name=""/>
+        <p:cNvGrpSpPr/>
+        <p:nvPr/>
+      </p:nvGrpSpPr>
+      <p:grpSpPr>
+        <a:xfrm>
+          <a:off x="0" y="0"/>
+          <a:ext cx="0" cy="0"/>
+          <a:chOff x="0" y="0"/>
+          <a:chExt cx="0" cy="0"/>
+        </a:xfrm>
+      </p:grpSpPr>
+      <p:sp>
+        <p:nvSpPr>
+          <p:cNvPr id="130" name="PlaceHolder 1"/>
+          <p:cNvSpPr>
+            <a:spLocks noGrp="1"/>
+          </p:cNvSpPr>
+          <p:nvPr>
+            <p:ph type="title"/>
+          </p:nvPr>
+        </p:nvSpPr>
+        <p:spPr>
+          <a:xfrm>
+            <a:off x="504000" y="301320"/>
+            <a:ext cx="9071640" cy="1262160"/>
+          </a:xfrm>
+          <a:prstGeom prst="rect">
+            <a:avLst/>
+          </a:prstGeom>
+        </p:spPr>
+        <p:txBody>
+          <a:bodyPr lIns="0" rIns="0" tIns="0" bIns="0" anchor="ctr"/>
+          <a:p>
+            <a:pPr algn="ctr"/>
+            <a:endParaRPr/>
+          </a:p>
+        </p:txBody>
+      </p:sp>
+      <p:sp>
+        <p:nvSpPr>
+          <p:cNvPr id="131" name="PlaceHolder 2"/>
+          <p:cNvSpPr>
+            <a:spLocks noGrp="1"/>
+          </p:cNvSpPr>
+          <p:nvPr>
+            <p:ph type="body"/>
+          </p:nvPr>
+        </p:nvSpPr>
+        <p:spPr>
+          <a:xfrm>
+            <a:off x="504000" y="1768680"/>
+            <a:ext cx="4426920" cy="2090880"/>
+          </a:xfrm>
+          <a:prstGeom prst="rect">
+            <a:avLst/>
+          </a:prstGeom>
+        </p:spPr>
+        <p:txBody>
+          <a:bodyPr lIns="0" rIns="0" tIns="0" bIns="0"/>
+          <a:p>
+            <a:endParaRPr/>
+          </a:p>
+        </p:txBody>
+      </p:sp>
+      <p:sp>
+        <p:nvSpPr>
+          <p:cNvPr id="132" name="PlaceHolder 3"/>
+          <p:cNvSpPr>
+            <a:spLocks noGrp="1"/>
+          </p:cNvSpPr>
+          <p:nvPr>
+            <p:ph type="body"/>
+          </p:nvPr>
+        </p:nvSpPr>
+        <p:spPr>
+          <a:xfrm>
+            <a:off x="5152680" y="1768680"/>
+            <a:ext cx="4426920" cy="2090880"/>
+          </a:xfrm>
+          <a:prstGeom prst="rect">
+            <a:avLst/>
+          </a:prstGeom>
+        </p:spPr>
+        <p:txBody>
+          <a:bodyPr lIns="0" rIns="0" tIns="0" bIns="0"/>
+          <a:p>
+            <a:endParaRPr/>
+          </a:p>
+        </p:txBody>
+      </p:sp>
+      <p:sp>
+        <p:nvSpPr>
+          <p:cNvPr id="133" name="PlaceHolder 4"/>
+          <p:cNvSpPr>
+            <a:spLocks noGrp="1"/>
+          </p:cNvSpPr>
+          <p:nvPr>
+            <p:ph type="body"/>
+          </p:nvPr>
+        </p:nvSpPr>
+        <p:spPr>
+          <a:xfrm>
+            <a:off x="504000" y="4058640"/>
+            <a:ext cx="9071640" cy="2090880"/>
+          </a:xfrm>
+          <a:prstGeom prst="rect">
+            <a:avLst/>
+          </a:prstGeom>
+        </p:spPr>
+        <p:txBody>
+          <a:bodyPr lIns="0" rIns="0" tIns="0" bIns="0"/>
+          <a:p>
+            <a:endParaRPr/>
+          </a:p>
+        </p:txBody>
+      </p:sp>
+    </p:spTree>
+  </p:cSld>
+</p:sldLayout>
+</file>
+
+<file path=ppt/slideLayouts/slideLayout46.xml><?xml version="1.0" encoding="utf-8"?>
+<p:sldLayout xmlns:a="http://schemas.openxmlformats.org/drawingml/2006/main" xmlns:p="http://schemas.openxmlformats.org/presentationml/2006/main" xmlns:r="http://schemas.openxmlformats.org/officeDocument/2006/relationships" type="objOverTx" preserve="1">
+  <p:cSld name="Title, Content over Content">
+    <p:spTree>
+      <p:nvGrpSpPr>
+        <p:cNvPr id="1" name=""/>
+        <p:cNvGrpSpPr/>
+        <p:nvPr/>
+      </p:nvGrpSpPr>
+      <p:grpSpPr>
+        <a:xfrm>
+          <a:off x="0" y="0"/>
+          <a:ext cx="0" cy="0"/>
+          <a:chOff x="0" y="0"/>
+          <a:chExt cx="0" cy="0"/>
+        </a:xfrm>
+      </p:grpSpPr>
+      <p:sp>
+        <p:nvSpPr>
+          <p:cNvPr id="134" name="PlaceHolder 1"/>
+          <p:cNvSpPr>
+            <a:spLocks noGrp="1"/>
+          </p:cNvSpPr>
+          <p:nvPr>
+            <p:ph type="title"/>
+          </p:nvPr>
+        </p:nvSpPr>
+        <p:spPr>
+          <a:xfrm>
+            <a:off x="504000" y="301320"/>
+            <a:ext cx="9071640" cy="1262160"/>
+          </a:xfrm>
+          <a:prstGeom prst="rect">
+            <a:avLst/>
+          </a:prstGeom>
+        </p:spPr>
+        <p:txBody>
+          <a:bodyPr lIns="0" rIns="0" tIns="0" bIns="0" anchor="ctr"/>
+          <a:p>
+            <a:pPr algn="ctr"/>
+            <a:endParaRPr/>
+          </a:p>
+        </p:txBody>
+      </p:sp>
+      <p:sp>
+        <p:nvSpPr>
+          <p:cNvPr id="135" name="PlaceHolder 2"/>
+          <p:cNvSpPr>
+            <a:spLocks noGrp="1"/>
+          </p:cNvSpPr>
+          <p:nvPr>
+            <p:ph type="body"/>
+          </p:nvPr>
+        </p:nvSpPr>
+        <p:spPr>
+          <a:xfrm>
+            <a:off x="504000" y="1768680"/>
+            <a:ext cx="9071640" cy="2090880"/>
+          </a:xfrm>
+          <a:prstGeom prst="rect">
+            <a:avLst/>
+          </a:prstGeom>
+        </p:spPr>
+        <p:txBody>
+          <a:bodyPr lIns="0" rIns="0" tIns="0" bIns="0"/>
+          <a:p>
+            <a:endParaRPr/>
+          </a:p>
+        </p:txBody>
+      </p:sp>
+      <p:sp>
+        <p:nvSpPr>
+          <p:cNvPr id="136" name="PlaceHolder 3"/>
+          <p:cNvSpPr>
+            <a:spLocks noGrp="1"/>
+          </p:cNvSpPr>
+          <p:nvPr>
+            <p:ph type="body"/>
+          </p:nvPr>
+        </p:nvSpPr>
+        <p:spPr>
+          <a:xfrm>
+            <a:off x="504000" y="4058640"/>
+            <a:ext cx="9071640" cy="2090880"/>
+          </a:xfrm>
+          <a:prstGeom prst="rect">
+            <a:avLst/>
+          </a:prstGeom>
+        </p:spPr>
+        <p:txBody>
+          <a:bodyPr lIns="0" rIns="0" tIns="0" bIns="0"/>
+          <a:p>
+            <a:endParaRPr/>
+          </a:p>
+        </p:txBody>
+      </p:sp>
+    </p:spTree>
+  </p:cSld>
+</p:sldLayout>
+</file>
+
+<file path=ppt/slideLayouts/slideLayout47.xml><?xml version="1.0" encoding="utf-8"?>
+<p:sldLayout xmlns:a="http://schemas.openxmlformats.org/drawingml/2006/main" xmlns:p="http://schemas.openxmlformats.org/presentationml/2006/main" xmlns:r="http://schemas.openxmlformats.org/officeDocument/2006/relationships" type="fourObj" preserve="1">
+  <p:cSld name="Title, 4 Content">
+    <p:spTree>
+      <p:nvGrpSpPr>
+        <p:cNvPr id="1" name=""/>
+        <p:cNvGrpSpPr/>
+        <p:nvPr/>
+      </p:nvGrpSpPr>
+      <p:grpSpPr>
+        <a:xfrm>
+          <a:off x="0" y="0"/>
+          <a:ext cx="0" cy="0"/>
+          <a:chOff x="0" y="0"/>
+          <a:chExt cx="0" cy="0"/>
+        </a:xfrm>
+      </p:grpSpPr>
+      <p:sp>
+        <p:nvSpPr>
+          <p:cNvPr id="137" name="PlaceHolder 1"/>
+          <p:cNvSpPr>
+            <a:spLocks noGrp="1"/>
+          </p:cNvSpPr>
+          <p:nvPr>
+            <p:ph type="title"/>
+          </p:nvPr>
+        </p:nvSpPr>
+        <p:spPr>
+          <a:xfrm>
+            <a:off x="504000" y="301320"/>
+            <a:ext cx="9071640" cy="1262160"/>
+          </a:xfrm>
+          <a:prstGeom prst="rect">
+            <a:avLst/>
+          </a:prstGeom>
+        </p:spPr>
+        <p:txBody>
+          <a:bodyPr lIns="0" rIns="0" tIns="0" bIns="0" anchor="ctr"/>
+          <a:p>
+            <a:pPr algn="ctr"/>
+            <a:endParaRPr/>
+          </a:p>
+        </p:txBody>
+      </p:sp>
+      <p:sp>
+        <p:nvSpPr>
+          <p:cNvPr id="138" name="PlaceHolder 2"/>
+          <p:cNvSpPr>
+            <a:spLocks noGrp="1"/>
+          </p:cNvSpPr>
+          <p:nvPr>
+            <p:ph type="body"/>
+          </p:nvPr>
+        </p:nvSpPr>
+        <p:spPr>
+          <a:xfrm>
+            <a:off x="504000" y="1768680"/>
+            <a:ext cx="4426920" cy="2090880"/>
+          </a:xfrm>
+          <a:prstGeom prst="rect">
+            <a:avLst/>
+          </a:prstGeom>
+        </p:spPr>
+        <p:txBody>
+          <a:bodyPr lIns="0" rIns="0" tIns="0" bIns="0"/>
+          <a:p>
+            <a:endParaRPr/>
+          </a:p>
+        </p:txBody>
+      </p:sp>
+      <p:sp>
+        <p:nvSpPr>
+          <p:cNvPr id="139" name="PlaceHolder 3"/>
+          <p:cNvSpPr>
+            <a:spLocks noGrp="1"/>
+          </p:cNvSpPr>
+          <p:nvPr>
+            <p:ph type="body"/>
+          </p:nvPr>
+        </p:nvSpPr>
+        <p:spPr>
+          <a:xfrm>
+            <a:off x="5152680" y="1768680"/>
+            <a:ext cx="4426920" cy="2090880"/>
+          </a:xfrm>
+          <a:prstGeom prst="rect">
+            <a:avLst/>
+          </a:prstGeom>
+        </p:spPr>
+        <p:txBody>
+          <a:bodyPr lIns="0" rIns="0" tIns="0" bIns="0"/>
+          <a:p>
+            <a:endParaRPr/>
+          </a:p>
+        </p:txBody>
+      </p:sp>
+      <p:sp>
+        <p:nvSpPr>
+          <p:cNvPr id="140" name="PlaceHolder 4"/>
+          <p:cNvSpPr>
+            <a:spLocks noGrp="1"/>
+          </p:cNvSpPr>
+          <p:nvPr>
+            <p:ph type="body"/>
+          </p:nvPr>
+        </p:nvSpPr>
+        <p:spPr>
+          <a:xfrm>
+            <a:off x="5152680" y="4058640"/>
+            <a:ext cx="4426920" cy="2090880"/>
+          </a:xfrm>
+          <a:prstGeom prst="rect">
+            <a:avLst/>
+          </a:prstGeom>
+        </p:spPr>
+        <p:txBody>
+          <a:bodyPr lIns="0" rIns="0" tIns="0" bIns="0"/>
+          <a:p>
+            <a:endParaRPr/>
+          </a:p>
+        </p:txBody>
+      </p:sp>
+      <p:sp>
+        <p:nvSpPr>
+          <p:cNvPr id="141" name="PlaceHolder 5"/>
+          <p:cNvSpPr>
+            <a:spLocks noGrp="1"/>
+          </p:cNvSpPr>
+          <p:nvPr>
+            <p:ph type="body"/>
+          </p:nvPr>
+        </p:nvSpPr>
+        <p:spPr>
+          <a:xfrm>
+            <a:off x="504000" y="4058640"/>
+            <a:ext cx="4426920" cy="2090880"/>
+          </a:xfrm>
+          <a:prstGeom prst="rect">
+            <a:avLst/>
+          </a:prstGeom>
+        </p:spPr>
+        <p:txBody>
+          <a:bodyPr lIns="0" rIns="0" tIns="0" bIns="0"/>
+          <a:p>
+            <a:endParaRPr/>
+          </a:p>
+        </p:txBody>
+      </p:sp>
+    </p:spTree>
+  </p:cSld>
+</p:sldLayout>
+</file>
+
+<file path=ppt/slideLayouts/slideLayout48.xml><?xml version="1.0" encoding="utf-8"?>
+<p:sldLayout xmlns:a="http://schemas.openxmlformats.org/drawingml/2006/main" xmlns:p="http://schemas.openxmlformats.org/presentationml/2006/main" xmlns:r="http://schemas.openxmlformats.org/officeDocument/2006/relationships" type="blank" preserve="1">
+  <p:cSld name="Title, 6 Content">
+    <p:spTree>
+      <p:nvGrpSpPr>
+        <p:cNvPr id="1" name=""/>
+        <p:cNvGrpSpPr/>
+        <p:nvPr/>
+      </p:nvGrpSpPr>
+      <p:grpSpPr>
+        <a:xfrm>
+          <a:off x="0" y="0"/>
+          <a:ext cx="0" cy="0"/>
+          <a:chOff x="0" y="0"/>
+          <a:chExt cx="0" cy="0"/>
+        </a:xfrm>
+      </p:grpSpPr>
+      <p:sp>
+        <p:nvSpPr>
+          <p:cNvPr id="142" name="PlaceHolder 1"/>
+          <p:cNvSpPr>
+            <a:spLocks noGrp="1"/>
+          </p:cNvSpPr>
+          <p:nvPr>
+            <p:ph type="title"/>
+          </p:nvPr>
+        </p:nvSpPr>
+        <p:spPr>
+          <a:xfrm>
+            <a:off x="504000" y="301320"/>
+            <a:ext cx="9071640" cy="1262160"/>
+          </a:xfrm>
+          <a:prstGeom prst="rect">
+            <a:avLst/>
+          </a:prstGeom>
+        </p:spPr>
+        <p:txBody>
+          <a:bodyPr lIns="0" rIns="0" tIns="0" bIns="0" anchor="ctr"/>
+          <a:p>
+            <a:pPr algn="ctr"/>
+            <a:endParaRPr/>
+          </a:p>
+        </p:txBody>
+      </p:sp>
+      <p:sp>
+        <p:nvSpPr>
+          <p:cNvPr id="143" name="PlaceHolder 2"/>
+          <p:cNvSpPr>
+            <a:spLocks noGrp="1"/>
+          </p:cNvSpPr>
+          <p:nvPr>
+            <p:ph type="body"/>
+          </p:nvPr>
+        </p:nvSpPr>
+        <p:spPr>
+          <a:xfrm>
+            <a:off x="504000" y="1768680"/>
+            <a:ext cx="9071640" cy="4383720"/>
+          </a:xfrm>
+          <a:prstGeom prst="rect">
+            <a:avLst/>
+          </a:prstGeom>
+        </p:spPr>
+        <p:txBody>
+          <a:bodyPr lIns="0" rIns="0" tIns="0" bIns="0"/>
+          <a:p>
+            <a:endParaRPr/>
+          </a:p>
+        </p:txBody>
+      </p:sp>
+      <p:sp>
+        <p:nvSpPr>
+          <p:cNvPr id="144" name="PlaceHolder 3"/>
+          <p:cNvSpPr>
+            <a:spLocks noGrp="1"/>
+          </p:cNvSpPr>
+          <p:nvPr>
+            <p:ph type="body"/>
+          </p:nvPr>
+        </p:nvSpPr>
+        <p:spPr>
+          <a:xfrm>
+            <a:off x="504000" y="1768680"/>
+            <a:ext cx="9071640" cy="4383720"/>
+          </a:xfrm>
+          <a:prstGeom prst="rect">
+            <a:avLst/>
+          </a:prstGeom>
+        </p:spPr>
+        <p:txBody>
+          <a:bodyPr lIns="0" rIns="0" tIns="0" bIns="0"/>
+          <a:p>
+            <a:endParaRPr/>
+          </a:p>
+        </p:txBody>
+      </p:sp>
+      <p:pic>
+        <p:nvPicPr>
+          <p:cNvPr id="145" name="" descr=""/>
+          <p:cNvPicPr/>
+          <p:nvPr/>
+        </p:nvPicPr>
+        <p:blipFill>
+          <a:blip r:embed="rId2"/>
+          <a:stretch>
+            <a:fillRect/>
+          </a:stretch>
+        </p:blipFill>
+        <p:spPr>
+          <a:xfrm>
+            <a:off x="2292480" y="1768320"/>
+            <a:ext cx="5494320" cy="4383720"/>
+          </a:xfrm>
+          <a:prstGeom prst="rect">
+            <a:avLst/>
+          </a:prstGeom>
+          <a:ln>
+            <a:noFill/>
+          </a:ln>
+        </p:spPr>
+      </p:pic>
+      <p:pic>
+        <p:nvPicPr>
+          <p:cNvPr id="146" name="" descr=""/>
+          <p:cNvPicPr/>
+          <p:nvPr/>
+        </p:nvPicPr>
+        <p:blipFill>
+          <a:blip r:embed="rId3"/>
+          <a:stretch>
+            <a:fillRect/>
+          </a:stretch>
+        </p:blipFill>
+        <p:spPr>
+          <a:xfrm>
+            <a:off x="2292480" y="1768320"/>
+            <a:ext cx="5494320" cy="4383720"/>
+          </a:xfrm>
+          <a:prstGeom prst="rect">
+            <a:avLst/>
+          </a:prstGeom>
+          <a:ln>
+            <a:noFill/>
+          </a:ln>
+        </p:spPr>
+      </p:pic>
     </p:spTree>
   </p:cSld>
 </p:sldLayout>
@@ -714,7 +4194,7 @@
       </p:grpSpPr>
       <p:sp>
         <p:nvSpPr>
-          <p:cNvPr id="12" name="PlaceHolder 1"/>
+          <p:cNvPr id="9" name="PlaceHolder 1"/>
           <p:cNvSpPr>
             <a:spLocks noGrp="1"/>
           </p:cNvSpPr>
@@ -725,7 +4205,7 @@
         <p:spPr>
           <a:xfrm>
             <a:off x="504000" y="301320"/>
-            <a:ext cx="9071640" cy="1262520"/>
+            <a:ext cx="9071640" cy="1262160"/>
           </a:xfrm>
           <a:prstGeom prst="rect">
             <a:avLst/>
@@ -763,7 +4243,7 @@
       </p:grpSpPr>
       <p:sp>
         <p:nvSpPr>
-          <p:cNvPr id="13" name="PlaceHolder 1"/>
+          <p:cNvPr id="10" name="PlaceHolder 1"/>
           <p:cNvSpPr>
             <a:spLocks noGrp="1"/>
           </p:cNvSpPr>
@@ -774,7 +4254,7 @@
         <p:spPr>
           <a:xfrm>
             <a:off x="504000" y="301320"/>
-            <a:ext cx="9071640" cy="5852160"/>
+            <a:ext cx="9071640" cy="5850720"/>
           </a:xfrm>
           <a:prstGeom prst="rect">
             <a:avLst/>
@@ -812,7 +4292,7 @@
       </p:grpSpPr>
       <p:sp>
         <p:nvSpPr>
-          <p:cNvPr id="14" name="PlaceHolder 1"/>
+          <p:cNvPr id="11" name="PlaceHolder 1"/>
           <p:cNvSpPr>
             <a:spLocks noGrp="1"/>
           </p:cNvSpPr>
@@ -823,7 +4303,7 @@
         <p:spPr>
           <a:xfrm>
             <a:off x="504000" y="301320"/>
-            <a:ext cx="9071640" cy="1262520"/>
+            <a:ext cx="9071640" cy="1262160"/>
           </a:xfrm>
           <a:prstGeom prst="rect">
             <a:avLst/>
@@ -839,70 +4319,70 @@
       </p:sp>
       <p:sp>
         <p:nvSpPr>
-          <p:cNvPr id="15" name="PlaceHolder 2"/>
-          <p:cNvSpPr>
-            <a:spLocks noGrp="1"/>
-          </p:cNvSpPr>
-          <p:nvPr>
-            <p:ph type="body"/>
-          </p:nvPr>
-        </p:nvSpPr>
-        <p:spPr>
-          <a:xfrm>
-            <a:off x="504000" y="1769040"/>
-            <a:ext cx="4426920" cy="2091240"/>
-          </a:xfrm>
-          <a:prstGeom prst="rect">
-            <a:avLst/>
-          </a:prstGeom>
-        </p:spPr>
-        <p:txBody>
-          <a:bodyPr lIns="0" rIns="0" tIns="0" bIns="0"/>
-          <a:p>
-            <a:endParaRPr/>
-          </a:p>
-        </p:txBody>
-      </p:sp>
-      <p:sp>
-        <p:nvSpPr>
-          <p:cNvPr id="16" name="PlaceHolder 3"/>
-          <p:cNvSpPr>
-            <a:spLocks noGrp="1"/>
-          </p:cNvSpPr>
-          <p:nvPr>
-            <p:ph type="body"/>
-          </p:nvPr>
-        </p:nvSpPr>
-        <p:spPr>
-          <a:xfrm>
-            <a:off x="504000" y="4059360"/>
-            <a:ext cx="4426920" cy="2091240"/>
-          </a:xfrm>
-          <a:prstGeom prst="rect">
-            <a:avLst/>
-          </a:prstGeom>
-        </p:spPr>
-        <p:txBody>
-          <a:bodyPr lIns="0" rIns="0" tIns="0" bIns="0"/>
-          <a:p>
-            <a:endParaRPr/>
-          </a:p>
-        </p:txBody>
-      </p:sp>
-      <p:sp>
-        <p:nvSpPr>
-          <p:cNvPr id="17" name="PlaceHolder 4"/>
-          <p:cNvSpPr>
-            <a:spLocks noGrp="1"/>
-          </p:cNvSpPr>
-          <p:nvPr>
-            <p:ph type="body"/>
-          </p:nvPr>
-        </p:nvSpPr>
-        <p:spPr>
-          <a:xfrm>
-            <a:off x="5152680" y="1769040"/>
-            <a:ext cx="4426920" cy="4384440"/>
+          <p:cNvPr id="12" name="PlaceHolder 2"/>
+          <p:cNvSpPr>
+            <a:spLocks noGrp="1"/>
+          </p:cNvSpPr>
+          <p:nvPr>
+            <p:ph type="body"/>
+          </p:nvPr>
+        </p:nvSpPr>
+        <p:spPr>
+          <a:xfrm>
+            <a:off x="504000" y="1768680"/>
+            <a:ext cx="4426920" cy="2090880"/>
+          </a:xfrm>
+          <a:prstGeom prst="rect">
+            <a:avLst/>
+          </a:prstGeom>
+        </p:spPr>
+        <p:txBody>
+          <a:bodyPr lIns="0" rIns="0" tIns="0" bIns="0"/>
+          <a:p>
+            <a:endParaRPr/>
+          </a:p>
+        </p:txBody>
+      </p:sp>
+      <p:sp>
+        <p:nvSpPr>
+          <p:cNvPr id="13" name="PlaceHolder 3"/>
+          <p:cNvSpPr>
+            <a:spLocks noGrp="1"/>
+          </p:cNvSpPr>
+          <p:nvPr>
+            <p:ph type="body"/>
+          </p:nvPr>
+        </p:nvSpPr>
+        <p:spPr>
+          <a:xfrm>
+            <a:off x="504000" y="4058640"/>
+            <a:ext cx="4426920" cy="2090880"/>
+          </a:xfrm>
+          <a:prstGeom prst="rect">
+            <a:avLst/>
+          </a:prstGeom>
+        </p:spPr>
+        <p:txBody>
+          <a:bodyPr lIns="0" rIns="0" tIns="0" bIns="0"/>
+          <a:p>
+            <a:endParaRPr/>
+          </a:p>
+        </p:txBody>
+      </p:sp>
+      <p:sp>
+        <p:nvSpPr>
+          <p:cNvPr id="14" name="PlaceHolder 4"/>
+          <p:cNvSpPr>
+            <a:spLocks noGrp="1"/>
+          </p:cNvSpPr>
+          <p:nvPr>
+            <p:ph type="body"/>
+          </p:nvPr>
+        </p:nvSpPr>
+        <p:spPr>
+          <a:xfrm>
+            <a:off x="5152680" y="1768680"/>
+            <a:ext cx="4426920" cy="4383720"/>
           </a:xfrm>
           <a:prstGeom prst="rect">
             <a:avLst/>
@@ -939,7 +4419,7 @@
       </p:grpSpPr>
       <p:sp>
         <p:nvSpPr>
-          <p:cNvPr id="18" name="PlaceHolder 1"/>
+          <p:cNvPr id="15" name="PlaceHolder 1"/>
           <p:cNvSpPr>
             <a:spLocks noGrp="1"/>
           </p:cNvSpPr>
@@ -950,7 +4430,7 @@
         <p:spPr>
           <a:xfrm>
             <a:off x="504000" y="301320"/>
-            <a:ext cx="9071640" cy="1262520"/>
+            <a:ext cx="9071640" cy="1262160"/>
           </a:xfrm>
           <a:prstGeom prst="rect">
             <a:avLst/>
@@ -966,70 +4446,70 @@
       </p:sp>
       <p:sp>
         <p:nvSpPr>
-          <p:cNvPr id="19" name="PlaceHolder 2"/>
-          <p:cNvSpPr>
-            <a:spLocks noGrp="1"/>
-          </p:cNvSpPr>
-          <p:nvPr>
-            <p:ph type="body"/>
-          </p:nvPr>
-        </p:nvSpPr>
-        <p:spPr>
-          <a:xfrm>
-            <a:off x="504000" y="1769040"/>
-            <a:ext cx="4426920" cy="4384440"/>
-          </a:xfrm>
-          <a:prstGeom prst="rect">
-            <a:avLst/>
-          </a:prstGeom>
-        </p:spPr>
-        <p:txBody>
-          <a:bodyPr lIns="0" rIns="0" tIns="0" bIns="0"/>
-          <a:p>
-            <a:endParaRPr/>
-          </a:p>
-        </p:txBody>
-      </p:sp>
-      <p:sp>
-        <p:nvSpPr>
-          <p:cNvPr id="20" name="PlaceHolder 3"/>
-          <p:cNvSpPr>
-            <a:spLocks noGrp="1"/>
-          </p:cNvSpPr>
-          <p:nvPr>
-            <p:ph type="body"/>
-          </p:nvPr>
-        </p:nvSpPr>
-        <p:spPr>
-          <a:xfrm>
-            <a:off x="5152680" y="1769040"/>
-            <a:ext cx="4426920" cy="2091240"/>
-          </a:xfrm>
-          <a:prstGeom prst="rect">
-            <a:avLst/>
-          </a:prstGeom>
-        </p:spPr>
-        <p:txBody>
-          <a:bodyPr lIns="0" rIns="0" tIns="0" bIns="0"/>
-          <a:p>
-            <a:endParaRPr/>
-          </a:p>
-        </p:txBody>
-      </p:sp>
-      <p:sp>
-        <p:nvSpPr>
-          <p:cNvPr id="21" name="PlaceHolder 4"/>
-          <p:cNvSpPr>
-            <a:spLocks noGrp="1"/>
-          </p:cNvSpPr>
-          <p:nvPr>
-            <p:ph type="body"/>
-          </p:nvPr>
-        </p:nvSpPr>
-        <p:spPr>
-          <a:xfrm>
-            <a:off x="5152680" y="4059360"/>
-            <a:ext cx="4426920" cy="2091240"/>
+          <p:cNvPr id="16" name="PlaceHolder 2"/>
+          <p:cNvSpPr>
+            <a:spLocks noGrp="1"/>
+          </p:cNvSpPr>
+          <p:nvPr>
+            <p:ph type="body"/>
+          </p:nvPr>
+        </p:nvSpPr>
+        <p:spPr>
+          <a:xfrm>
+            <a:off x="504000" y="1768680"/>
+            <a:ext cx="4426920" cy="4383720"/>
+          </a:xfrm>
+          <a:prstGeom prst="rect">
+            <a:avLst/>
+          </a:prstGeom>
+        </p:spPr>
+        <p:txBody>
+          <a:bodyPr lIns="0" rIns="0" tIns="0" bIns="0"/>
+          <a:p>
+            <a:endParaRPr/>
+          </a:p>
+        </p:txBody>
+      </p:sp>
+      <p:sp>
+        <p:nvSpPr>
+          <p:cNvPr id="17" name="PlaceHolder 3"/>
+          <p:cNvSpPr>
+            <a:spLocks noGrp="1"/>
+          </p:cNvSpPr>
+          <p:nvPr>
+            <p:ph type="body"/>
+          </p:nvPr>
+        </p:nvSpPr>
+        <p:spPr>
+          <a:xfrm>
+            <a:off x="5152680" y="1768680"/>
+            <a:ext cx="4426920" cy="2090880"/>
+          </a:xfrm>
+          <a:prstGeom prst="rect">
+            <a:avLst/>
+          </a:prstGeom>
+        </p:spPr>
+        <p:txBody>
+          <a:bodyPr lIns="0" rIns="0" tIns="0" bIns="0"/>
+          <a:p>
+            <a:endParaRPr/>
+          </a:p>
+        </p:txBody>
+      </p:sp>
+      <p:sp>
+        <p:nvSpPr>
+          <p:cNvPr id="18" name="PlaceHolder 4"/>
+          <p:cNvSpPr>
+            <a:spLocks noGrp="1"/>
+          </p:cNvSpPr>
+          <p:nvPr>
+            <p:ph type="body"/>
+          </p:nvPr>
+        </p:nvSpPr>
+        <p:spPr>
+          <a:xfrm>
+            <a:off x="5152680" y="4058640"/>
+            <a:ext cx="4426920" cy="2090880"/>
           </a:xfrm>
           <a:prstGeom prst="rect">
             <a:avLst/>
@@ -1066,7 +4546,7 @@
       </p:grpSpPr>
       <p:sp>
         <p:nvSpPr>
-          <p:cNvPr id="22" name="PlaceHolder 1"/>
+          <p:cNvPr id="19" name="PlaceHolder 1"/>
           <p:cNvSpPr>
             <a:spLocks noGrp="1"/>
           </p:cNvSpPr>
@@ -1077,7 +4557,7 @@
         <p:spPr>
           <a:xfrm>
             <a:off x="504000" y="301320"/>
-            <a:ext cx="9071640" cy="1262520"/>
+            <a:ext cx="9071640" cy="1262160"/>
           </a:xfrm>
           <a:prstGeom prst="rect">
             <a:avLst/>
@@ -1093,70 +4573,70 @@
       </p:sp>
       <p:sp>
         <p:nvSpPr>
-          <p:cNvPr id="23" name="PlaceHolder 2"/>
-          <p:cNvSpPr>
-            <a:spLocks noGrp="1"/>
-          </p:cNvSpPr>
-          <p:nvPr>
-            <p:ph type="body"/>
-          </p:nvPr>
-        </p:nvSpPr>
-        <p:spPr>
-          <a:xfrm>
-            <a:off x="504000" y="1769040"/>
-            <a:ext cx="4426920" cy="2091240"/>
-          </a:xfrm>
-          <a:prstGeom prst="rect">
-            <a:avLst/>
-          </a:prstGeom>
-        </p:spPr>
-        <p:txBody>
-          <a:bodyPr lIns="0" rIns="0" tIns="0" bIns="0"/>
-          <a:p>
-            <a:endParaRPr/>
-          </a:p>
-        </p:txBody>
-      </p:sp>
-      <p:sp>
-        <p:nvSpPr>
-          <p:cNvPr id="24" name="PlaceHolder 3"/>
-          <p:cNvSpPr>
-            <a:spLocks noGrp="1"/>
-          </p:cNvSpPr>
-          <p:nvPr>
-            <p:ph type="body"/>
-          </p:nvPr>
-        </p:nvSpPr>
-        <p:spPr>
-          <a:xfrm>
-            <a:off x="5152680" y="1769040"/>
-            <a:ext cx="4426920" cy="2091240"/>
-          </a:xfrm>
-          <a:prstGeom prst="rect">
-            <a:avLst/>
-          </a:prstGeom>
-        </p:spPr>
-        <p:txBody>
-          <a:bodyPr lIns="0" rIns="0" tIns="0" bIns="0"/>
-          <a:p>
-            <a:endParaRPr/>
-          </a:p>
-        </p:txBody>
-      </p:sp>
-      <p:sp>
-        <p:nvSpPr>
-          <p:cNvPr id="25" name="PlaceHolder 4"/>
-          <p:cNvSpPr>
-            <a:spLocks noGrp="1"/>
-          </p:cNvSpPr>
-          <p:nvPr>
-            <p:ph type="body"/>
-          </p:nvPr>
-        </p:nvSpPr>
-        <p:spPr>
-          <a:xfrm>
-            <a:off x="504000" y="4059360"/>
-            <a:ext cx="9071640" cy="2091240"/>
+          <p:cNvPr id="20" name="PlaceHolder 2"/>
+          <p:cNvSpPr>
+            <a:spLocks noGrp="1"/>
+          </p:cNvSpPr>
+          <p:nvPr>
+            <p:ph type="body"/>
+          </p:nvPr>
+        </p:nvSpPr>
+        <p:spPr>
+          <a:xfrm>
+            <a:off x="504000" y="1768680"/>
+            <a:ext cx="4426920" cy="2090880"/>
+          </a:xfrm>
+          <a:prstGeom prst="rect">
+            <a:avLst/>
+          </a:prstGeom>
+        </p:spPr>
+        <p:txBody>
+          <a:bodyPr lIns="0" rIns="0" tIns="0" bIns="0"/>
+          <a:p>
+            <a:endParaRPr/>
+          </a:p>
+        </p:txBody>
+      </p:sp>
+      <p:sp>
+        <p:nvSpPr>
+          <p:cNvPr id="21" name="PlaceHolder 3"/>
+          <p:cNvSpPr>
+            <a:spLocks noGrp="1"/>
+          </p:cNvSpPr>
+          <p:nvPr>
+            <p:ph type="body"/>
+          </p:nvPr>
+        </p:nvSpPr>
+        <p:spPr>
+          <a:xfrm>
+            <a:off x="5152680" y="1768680"/>
+            <a:ext cx="4426920" cy="2090880"/>
+          </a:xfrm>
+          <a:prstGeom prst="rect">
+            <a:avLst/>
+          </a:prstGeom>
+        </p:spPr>
+        <p:txBody>
+          <a:bodyPr lIns="0" rIns="0" tIns="0" bIns="0"/>
+          <a:p>
+            <a:endParaRPr/>
+          </a:p>
+        </p:txBody>
+      </p:sp>
+      <p:sp>
+        <p:nvSpPr>
+          <p:cNvPr id="22" name="PlaceHolder 4"/>
+          <p:cNvSpPr>
+            <a:spLocks noGrp="1"/>
+          </p:cNvSpPr>
+          <p:nvPr>
+            <p:ph type="body"/>
+          </p:nvPr>
+        </p:nvSpPr>
+        <p:spPr>
+          <a:xfrm>
+            <a:off x="504000" y="4058640"/>
+            <a:ext cx="9071640" cy="2090880"/>
           </a:xfrm>
           <a:prstGeom prst="rect">
             <a:avLst/>
@@ -1204,7 +4684,7 @@
         <p:spPr>
           <a:xfrm>
             <a:off x="504000" y="301320"/>
-            <a:ext cx="9071640" cy="1262160"/>
+            <a:ext cx="9072000" cy="1261800"/>
           </a:xfrm>
           <a:prstGeom prst="rect">
             <a:avLst/>
@@ -1236,8 +4716,8 @@
         </p:nvSpPr>
         <p:spPr>
           <a:xfrm>
-            <a:off x="504000" y="1769040"/>
-            <a:ext cx="9071640" cy="4384440"/>
+            <a:off x="504000" y="1768680"/>
+            <a:ext cx="9072000" cy="4384080"/>
           </a:xfrm>
           <a:prstGeom prst="rect">
             <a:avLst/>
@@ -1341,104 +4821,6 @@
               </a:rPr>
               <a:t>Seventh Outline Level</a:t>
             </a:r>
-            <a:endParaRPr/>
-          </a:p>
-        </p:txBody>
-      </p:sp>
-      <p:sp>
-        <p:nvSpPr>
-          <p:cNvPr id="2" name="PlaceHolder 3"/>
-          <p:cNvSpPr>
-            <a:spLocks noGrp="1"/>
-          </p:cNvSpPr>
-          <p:nvPr>
-            <p:ph type="dt"/>
-          </p:nvPr>
-        </p:nvSpPr>
-        <p:spPr>
-          <a:xfrm>
-            <a:off x="504000" y="6887160"/>
-            <a:ext cx="2348280" cy="521280"/>
-          </a:xfrm>
-          <a:prstGeom prst="rect">
-            <a:avLst/>
-          </a:prstGeom>
-        </p:spPr>
-        <p:txBody>
-          <a:bodyPr lIns="0" rIns="0" tIns="0" bIns="0"/>
-          <a:p>
-            <a:r>
-              <a:rPr lang="en-US" sz="1400">
-                <a:latin typeface="Times New Roman"/>
-              </a:rPr>
-              <a:t>&lt;date/time&gt;</a:t>
-            </a:r>
-            <a:endParaRPr/>
-          </a:p>
-        </p:txBody>
-      </p:sp>
-      <p:sp>
-        <p:nvSpPr>
-          <p:cNvPr id="3" name="PlaceHolder 4"/>
-          <p:cNvSpPr>
-            <a:spLocks noGrp="1"/>
-          </p:cNvSpPr>
-          <p:nvPr>
-            <p:ph type="ftr"/>
-          </p:nvPr>
-        </p:nvSpPr>
-        <p:spPr>
-          <a:xfrm>
-            <a:off x="3447360" y="6887160"/>
-            <a:ext cx="3195000" cy="521280"/>
-          </a:xfrm>
-          <a:prstGeom prst="rect">
-            <a:avLst/>
-          </a:prstGeom>
-        </p:spPr>
-        <p:txBody>
-          <a:bodyPr lIns="0" rIns="0" tIns="0" bIns="0"/>
-          <a:p>
-            <a:pPr algn="ctr"/>
-            <a:r>
-              <a:rPr lang="en-US" sz="1400">
-                <a:latin typeface="Times New Roman"/>
-              </a:rPr>
-              <a:t>&lt;footer&gt;</a:t>
-            </a:r>
-            <a:endParaRPr/>
-          </a:p>
-        </p:txBody>
-      </p:sp>
-      <p:sp>
-        <p:nvSpPr>
-          <p:cNvPr id="4" name="PlaceHolder 5"/>
-          <p:cNvSpPr>
-            <a:spLocks noGrp="1"/>
-          </p:cNvSpPr>
-          <p:nvPr>
-            <p:ph type="sldNum"/>
-          </p:nvPr>
-        </p:nvSpPr>
-        <p:spPr>
-          <a:xfrm>
-            <a:off x="7227360" y="6887160"/>
-            <a:ext cx="2348280" cy="521280"/>
-          </a:xfrm>
-          <a:prstGeom prst="rect">
-            <a:avLst/>
-          </a:prstGeom>
-        </p:spPr>
-        <p:txBody>
-          <a:bodyPr lIns="0" rIns="0" tIns="0" bIns="0"/>
-          <a:p>
-            <a:pPr algn="r"/>
-            <a:fld id="{66F343E2-F2D6-4C9A-8C03-886BD9149B90}" type="slidenum">
-              <a:rPr lang="en-US" sz="1400">
-                <a:latin typeface="Times New Roman"/>
-              </a:rPr>
-              <a:t>&lt;number&gt;</a:t>
-            </a:fld>
             <a:endParaRPr/>
           </a:p>
         </p:txBody>
@@ -1459,6 +4841,748 @@
     <p:sldLayoutId id="2147483658" r:id="rId11"/>
     <p:sldLayoutId id="2147483659" r:id="rId12"/>
     <p:sldLayoutId id="2147483660" r:id="rId13"/>
+  </p:sldLayoutIdLst>
+</p:sldMaster>
+</file>
+
+<file path=ppt/slideMasters/slideMaster2.xml><?xml version="1.0" encoding="utf-8"?>
+<p:sldMaster xmlns:a="http://schemas.openxmlformats.org/drawingml/2006/main" xmlns:p="http://schemas.openxmlformats.org/presentationml/2006/main" xmlns:r="http://schemas.openxmlformats.org/officeDocument/2006/relationships">
+  <p:cSld>
+    <p:spTree>
+      <p:nvGrpSpPr>
+        <p:cNvPr id="1" name=""/>
+        <p:cNvGrpSpPr/>
+        <p:nvPr/>
+      </p:nvGrpSpPr>
+      <p:grpSpPr>
+        <a:xfrm>
+          <a:off x="0" y="0"/>
+          <a:ext cx="0" cy="0"/>
+          <a:chOff x="0" y="0"/>
+          <a:chExt cx="0" cy="0"/>
+        </a:xfrm>
+      </p:grpSpPr>
+      <p:sp>
+        <p:nvSpPr>
+          <p:cNvPr id="36" name="PlaceHolder 1"/>
+          <p:cNvSpPr>
+            <a:spLocks noGrp="1"/>
+          </p:cNvSpPr>
+          <p:nvPr>
+            <p:ph type="title"/>
+          </p:nvPr>
+        </p:nvSpPr>
+        <p:spPr>
+          <a:xfrm>
+            <a:off x="504000" y="301320"/>
+            <a:ext cx="9072000" cy="1261800"/>
+          </a:xfrm>
+          <a:prstGeom prst="rect">
+            <a:avLst/>
+          </a:prstGeom>
+        </p:spPr>
+        <p:txBody>
+          <a:bodyPr lIns="0" rIns="0" tIns="0" bIns="0" anchor="ctr"/>
+          <a:p>
+            <a:pPr algn="ctr"/>
+            <a:r>
+              <a:rPr lang="en-US" sz="4400">
+                <a:latin typeface="Arial"/>
+              </a:rPr>
+              <a:t>Click to edit the title text format</a:t>
+            </a:r>
+            <a:endParaRPr/>
+          </a:p>
+        </p:txBody>
+      </p:sp>
+      <p:sp>
+        <p:nvSpPr>
+          <p:cNvPr id="37" name="PlaceHolder 2"/>
+          <p:cNvSpPr>
+            <a:spLocks noGrp="1"/>
+          </p:cNvSpPr>
+          <p:nvPr>
+            <p:ph type="body"/>
+          </p:nvPr>
+        </p:nvSpPr>
+        <p:spPr>
+          <a:xfrm>
+            <a:off x="504000" y="1768680"/>
+            <a:ext cx="9072000" cy="4384080"/>
+          </a:xfrm>
+          <a:prstGeom prst="rect">
+            <a:avLst/>
+          </a:prstGeom>
+        </p:spPr>
+        <p:txBody>
+          <a:bodyPr lIns="0" rIns="0" tIns="0" bIns="0"/>
+          <a:p>
+            <a:pPr>
+              <a:buSzPct val="45000"/>
+              <a:buFont typeface="StarSymbol"/>
+              <a:buChar char=""/>
+            </a:pPr>
+            <a:r>
+              <a:rPr lang="en-US" sz="3200">
+                <a:latin typeface="Arial"/>
+              </a:rPr>
+              <a:t>Click to edit the outline text format</a:t>
+            </a:r>
+            <a:endParaRPr/>
+          </a:p>
+          <a:p>
+            <a:pPr lvl="1">
+              <a:buSzPct val="75000"/>
+              <a:buFont typeface="StarSymbol"/>
+              <a:buChar char=""/>
+            </a:pPr>
+            <a:r>
+              <a:rPr lang="en-US" sz="2800">
+                <a:latin typeface="Arial"/>
+              </a:rPr>
+              <a:t>Second Outline Level</a:t>
+            </a:r>
+            <a:endParaRPr/>
+          </a:p>
+          <a:p>
+            <a:pPr lvl="2">
+              <a:buSzPct val="45000"/>
+              <a:buFont typeface="StarSymbol"/>
+              <a:buChar char=""/>
+            </a:pPr>
+            <a:r>
+              <a:rPr lang="en-US" sz="2400">
+                <a:latin typeface="Arial"/>
+              </a:rPr>
+              <a:t>Third Outline Level</a:t>
+            </a:r>
+            <a:endParaRPr/>
+          </a:p>
+          <a:p>
+            <a:pPr lvl="3">
+              <a:buSzPct val="75000"/>
+              <a:buFont typeface="StarSymbol"/>
+              <a:buChar char=""/>
+            </a:pPr>
+            <a:r>
+              <a:rPr lang="en-US" sz="2000">
+                <a:latin typeface="Arial"/>
+              </a:rPr>
+              <a:t>Fourth Outline Level</a:t>
+            </a:r>
+            <a:endParaRPr/>
+          </a:p>
+          <a:p>
+            <a:pPr lvl="4">
+              <a:buSzPct val="45000"/>
+              <a:buFont typeface="StarSymbol"/>
+              <a:buChar char=""/>
+            </a:pPr>
+            <a:r>
+              <a:rPr lang="en-US" sz="2000">
+                <a:latin typeface="Arial"/>
+              </a:rPr>
+              <a:t>Fifth Outline Level</a:t>
+            </a:r>
+            <a:endParaRPr/>
+          </a:p>
+          <a:p>
+            <a:pPr lvl="5">
+              <a:buSzPct val="45000"/>
+              <a:buFont typeface="StarSymbol"/>
+              <a:buChar char=""/>
+            </a:pPr>
+            <a:r>
+              <a:rPr lang="en-US" sz="2000">
+                <a:latin typeface="Arial"/>
+              </a:rPr>
+              <a:t>Sixth Outline Level</a:t>
+            </a:r>
+            <a:endParaRPr/>
+          </a:p>
+          <a:p>
+            <a:pPr lvl="6">
+              <a:buSzPct val="45000"/>
+              <a:buFont typeface="StarSymbol"/>
+              <a:buChar char=""/>
+            </a:pPr>
+            <a:r>
+              <a:rPr lang="en-US" sz="2000">
+                <a:latin typeface="Arial"/>
+              </a:rPr>
+              <a:t>Seventh Outline Level</a:t>
+            </a:r>
+            <a:endParaRPr/>
+          </a:p>
+        </p:txBody>
+      </p:sp>
+    </p:spTree>
+  </p:cSld>
+  <p:clrMap bg1="lt1" bg2="lt2" tx1="dk1" tx2="dk2" accent1="accent1" accent2="accent2" accent3="accent3" accent4="accent4" accent5="accent5" accent6="accent6" hlink="hlink" folHlink="folHlink"/>
+  <p:sldLayoutIdLst>
+    <p:sldLayoutId id="2147483662" r:id="rId2"/>
+    <p:sldLayoutId id="2147483663" r:id="rId3"/>
+    <p:sldLayoutId id="2147483664" r:id="rId4"/>
+    <p:sldLayoutId id="2147483665" r:id="rId5"/>
+    <p:sldLayoutId id="2147483666" r:id="rId6"/>
+    <p:sldLayoutId id="2147483667" r:id="rId7"/>
+    <p:sldLayoutId id="2147483668" r:id="rId8"/>
+    <p:sldLayoutId id="2147483669" r:id="rId9"/>
+    <p:sldLayoutId id="2147483670" r:id="rId10"/>
+    <p:sldLayoutId id="2147483671" r:id="rId11"/>
+    <p:sldLayoutId id="2147483672" r:id="rId12"/>
+    <p:sldLayoutId id="2147483673" r:id="rId13"/>
+  </p:sldLayoutIdLst>
+</p:sldMaster>
+</file>
+
+<file path=ppt/slideMasters/slideMaster3.xml><?xml version="1.0" encoding="utf-8"?>
+<p:sldMaster xmlns:a="http://schemas.openxmlformats.org/drawingml/2006/main" xmlns:p="http://schemas.openxmlformats.org/presentationml/2006/main" xmlns:r="http://schemas.openxmlformats.org/officeDocument/2006/relationships">
+  <p:cSld>
+    <p:spTree>
+      <p:nvGrpSpPr>
+        <p:cNvPr id="1" name=""/>
+        <p:cNvGrpSpPr/>
+        <p:nvPr/>
+      </p:nvGrpSpPr>
+      <p:grpSpPr>
+        <a:xfrm>
+          <a:off x="0" y="0"/>
+          <a:ext cx="0" cy="0"/>
+          <a:chOff x="0" y="0"/>
+          <a:chExt cx="0" cy="0"/>
+        </a:xfrm>
+      </p:grpSpPr>
+      <p:sp>
+        <p:nvSpPr>
+          <p:cNvPr id="72" name="PlaceHolder 1"/>
+          <p:cNvSpPr>
+            <a:spLocks noGrp="1"/>
+          </p:cNvSpPr>
+          <p:nvPr>
+            <p:ph type="title"/>
+          </p:nvPr>
+        </p:nvSpPr>
+        <p:spPr>
+          <a:xfrm>
+            <a:off x="504000" y="301320"/>
+            <a:ext cx="9071640" cy="1261800"/>
+          </a:xfrm>
+          <a:prstGeom prst="rect">
+            <a:avLst/>
+          </a:prstGeom>
+        </p:spPr>
+        <p:txBody>
+          <a:bodyPr lIns="0" rIns="0" tIns="0" bIns="0" anchor="ctr"/>
+          <a:p>
+            <a:r>
+              <a:rPr lang="en-US">
+                <a:latin typeface="Arial"/>
+              </a:rPr>
+              <a:t>Click to edit the title text format</a:t>
+            </a:r>
+            <a:endParaRPr/>
+          </a:p>
+        </p:txBody>
+      </p:sp>
+      <p:sp>
+        <p:nvSpPr>
+          <p:cNvPr id="73" name="PlaceHolder 2"/>
+          <p:cNvSpPr>
+            <a:spLocks noGrp="1"/>
+          </p:cNvSpPr>
+          <p:nvPr>
+            <p:ph type="body"/>
+          </p:nvPr>
+        </p:nvSpPr>
+        <p:spPr>
+          <a:xfrm>
+            <a:off x="504000" y="1768680"/>
+            <a:ext cx="9071640" cy="4383720"/>
+          </a:xfrm>
+          <a:prstGeom prst="rect">
+            <a:avLst/>
+          </a:prstGeom>
+        </p:spPr>
+        <p:txBody>
+          <a:bodyPr lIns="0" rIns="0" tIns="0" bIns="0"/>
+          <a:p>
+            <a:pPr>
+              <a:buSzPct val="45000"/>
+              <a:buFont typeface="StarSymbol"/>
+              <a:buChar char=""/>
+            </a:pPr>
+            <a:r>
+              <a:rPr lang="en-US">
+                <a:latin typeface="Arial"/>
+              </a:rPr>
+              <a:t>Click to edit the outline text format</a:t>
+            </a:r>
+            <a:endParaRPr/>
+          </a:p>
+          <a:p>
+            <a:pPr lvl="1">
+              <a:buSzPct val="75000"/>
+              <a:buFont typeface="StarSymbol"/>
+              <a:buChar char=""/>
+            </a:pPr>
+            <a:r>
+              <a:rPr lang="en-US">
+                <a:latin typeface="Arial"/>
+              </a:rPr>
+              <a:t>Second Outline Level</a:t>
+            </a:r>
+            <a:endParaRPr/>
+          </a:p>
+          <a:p>
+            <a:pPr lvl="2">
+              <a:buSzPct val="45000"/>
+              <a:buFont typeface="StarSymbol"/>
+              <a:buChar char=""/>
+            </a:pPr>
+            <a:r>
+              <a:rPr lang="en-US">
+                <a:latin typeface="Arial"/>
+              </a:rPr>
+              <a:t>Third Outline Level</a:t>
+            </a:r>
+            <a:endParaRPr/>
+          </a:p>
+          <a:p>
+            <a:pPr lvl="3">
+              <a:buSzPct val="75000"/>
+              <a:buFont typeface="StarSymbol"/>
+              <a:buChar char=""/>
+            </a:pPr>
+            <a:r>
+              <a:rPr lang="en-US">
+                <a:latin typeface="Arial"/>
+              </a:rPr>
+              <a:t>Fourth Outline Level</a:t>
+            </a:r>
+            <a:endParaRPr/>
+          </a:p>
+          <a:p>
+            <a:pPr lvl="4">
+              <a:buSzPct val="45000"/>
+              <a:buFont typeface="StarSymbol"/>
+              <a:buChar char=""/>
+            </a:pPr>
+            <a:r>
+              <a:rPr lang="en-US">
+                <a:latin typeface="Arial"/>
+              </a:rPr>
+              <a:t>Fifth Outline Level</a:t>
+            </a:r>
+            <a:endParaRPr/>
+          </a:p>
+          <a:p>
+            <a:pPr lvl="5">
+              <a:buSzPct val="45000"/>
+              <a:buFont typeface="StarSymbol"/>
+              <a:buChar char=""/>
+            </a:pPr>
+            <a:r>
+              <a:rPr lang="en-US">
+                <a:latin typeface="Arial"/>
+              </a:rPr>
+              <a:t>Sixth Outline Level</a:t>
+            </a:r>
+            <a:endParaRPr/>
+          </a:p>
+          <a:p>
+            <a:pPr lvl="6">
+              <a:buSzPct val="45000"/>
+              <a:buFont typeface="StarSymbol"/>
+              <a:buChar char=""/>
+            </a:pPr>
+            <a:r>
+              <a:rPr lang="en-US">
+                <a:latin typeface="Arial"/>
+              </a:rPr>
+              <a:t>Seventh Outline Level</a:t>
+            </a:r>
+            <a:endParaRPr/>
+          </a:p>
+        </p:txBody>
+      </p:sp>
+    </p:spTree>
+  </p:cSld>
+  <p:clrMap bg1="lt1" bg2="lt2" tx1="dk1" tx2="dk2" accent1="accent1" accent2="accent2" accent3="accent3" accent4="accent4" accent5="accent5" accent6="accent6" hlink="hlink" folHlink="folHlink"/>
+  <p:sldLayoutIdLst>
+    <p:sldLayoutId id="2147483675" r:id="rId2"/>
+    <p:sldLayoutId id="2147483676" r:id="rId3"/>
+    <p:sldLayoutId id="2147483677" r:id="rId4"/>
+    <p:sldLayoutId id="2147483678" r:id="rId5"/>
+    <p:sldLayoutId id="2147483679" r:id="rId6"/>
+    <p:sldLayoutId id="2147483680" r:id="rId7"/>
+    <p:sldLayoutId id="2147483681" r:id="rId8"/>
+    <p:sldLayoutId id="2147483682" r:id="rId9"/>
+    <p:sldLayoutId id="2147483683" r:id="rId10"/>
+    <p:sldLayoutId id="2147483684" r:id="rId11"/>
+    <p:sldLayoutId id="2147483685" r:id="rId12"/>
+    <p:sldLayoutId id="2147483686" r:id="rId13"/>
+  </p:sldLayoutIdLst>
+</p:sldMaster>
+</file>
+
+<file path=ppt/slideMasters/slideMaster4.xml><?xml version="1.0" encoding="utf-8"?>
+<p:sldMaster xmlns:a="http://schemas.openxmlformats.org/drawingml/2006/main" xmlns:p="http://schemas.openxmlformats.org/presentationml/2006/main" xmlns:r="http://schemas.openxmlformats.org/officeDocument/2006/relationships">
+  <p:cSld>
+    <p:spTree>
+      <p:nvGrpSpPr>
+        <p:cNvPr id="1" name=""/>
+        <p:cNvGrpSpPr/>
+        <p:nvPr/>
+      </p:nvGrpSpPr>
+      <p:grpSpPr>
+        <a:xfrm>
+          <a:off x="0" y="0"/>
+          <a:ext cx="0" cy="0"/>
+          <a:chOff x="0" y="0"/>
+          <a:chExt cx="0" cy="0"/>
+        </a:xfrm>
+      </p:grpSpPr>
+      <p:sp>
+        <p:nvSpPr>
+          <p:cNvPr id="108" name="PlaceHolder 1"/>
+          <p:cNvSpPr>
+            <a:spLocks noGrp="1"/>
+          </p:cNvSpPr>
+          <p:nvPr>
+            <p:ph type="title"/>
+          </p:nvPr>
+        </p:nvSpPr>
+        <p:spPr>
+          <a:xfrm>
+            <a:off x="504000" y="301320"/>
+            <a:ext cx="9071640" cy="1261800"/>
+          </a:xfrm>
+          <a:prstGeom prst="rect">
+            <a:avLst/>
+          </a:prstGeom>
+        </p:spPr>
+        <p:txBody>
+          <a:bodyPr lIns="0" rIns="0" tIns="0" bIns="0" anchor="ctr"/>
+          <a:p>
+            <a:r>
+              <a:rPr lang="en-US">
+                <a:latin typeface="Arial"/>
+              </a:rPr>
+              <a:t>Click to edit the title text format</a:t>
+            </a:r>
+            <a:endParaRPr/>
+          </a:p>
+        </p:txBody>
+      </p:sp>
+      <p:sp>
+        <p:nvSpPr>
+          <p:cNvPr id="109" name="PlaceHolder 2"/>
+          <p:cNvSpPr>
+            <a:spLocks noGrp="1"/>
+          </p:cNvSpPr>
+          <p:nvPr>
+            <p:ph type="body"/>
+          </p:nvPr>
+        </p:nvSpPr>
+        <p:spPr>
+          <a:xfrm>
+            <a:off x="504000" y="1768680"/>
+            <a:ext cx="9071640" cy="4383720"/>
+          </a:xfrm>
+          <a:prstGeom prst="rect">
+            <a:avLst/>
+          </a:prstGeom>
+        </p:spPr>
+        <p:txBody>
+          <a:bodyPr lIns="0" rIns="0" tIns="0" bIns="0"/>
+          <a:p>
+            <a:pPr>
+              <a:buSzPct val="45000"/>
+              <a:buFont typeface="StarSymbol"/>
+              <a:buChar char=""/>
+            </a:pPr>
+            <a:r>
+              <a:rPr lang="en-US">
+                <a:latin typeface="Arial"/>
+              </a:rPr>
+              <a:t>Click to edit the outline text format</a:t>
+            </a:r>
+            <a:endParaRPr/>
+          </a:p>
+          <a:p>
+            <a:pPr lvl="1">
+              <a:buSzPct val="75000"/>
+              <a:buFont typeface="StarSymbol"/>
+              <a:buChar char=""/>
+            </a:pPr>
+            <a:r>
+              <a:rPr lang="en-US">
+                <a:latin typeface="Arial"/>
+              </a:rPr>
+              <a:t>Second Outline Level</a:t>
+            </a:r>
+            <a:endParaRPr/>
+          </a:p>
+          <a:p>
+            <a:pPr lvl="2">
+              <a:buSzPct val="45000"/>
+              <a:buFont typeface="StarSymbol"/>
+              <a:buChar char=""/>
+            </a:pPr>
+            <a:r>
+              <a:rPr lang="en-US">
+                <a:latin typeface="Arial"/>
+              </a:rPr>
+              <a:t>Third Outline Level</a:t>
+            </a:r>
+            <a:endParaRPr/>
+          </a:p>
+          <a:p>
+            <a:pPr lvl="3">
+              <a:buSzPct val="75000"/>
+              <a:buFont typeface="StarSymbol"/>
+              <a:buChar char=""/>
+            </a:pPr>
+            <a:r>
+              <a:rPr lang="en-US">
+                <a:latin typeface="Arial"/>
+              </a:rPr>
+              <a:t>Fourth Outline Level</a:t>
+            </a:r>
+            <a:endParaRPr/>
+          </a:p>
+          <a:p>
+            <a:pPr lvl="4">
+              <a:buSzPct val="45000"/>
+              <a:buFont typeface="StarSymbol"/>
+              <a:buChar char=""/>
+            </a:pPr>
+            <a:r>
+              <a:rPr lang="en-US">
+                <a:latin typeface="Arial"/>
+              </a:rPr>
+              <a:t>Fifth Outline Level</a:t>
+            </a:r>
+            <a:endParaRPr/>
+          </a:p>
+          <a:p>
+            <a:pPr lvl="5">
+              <a:buSzPct val="45000"/>
+              <a:buFont typeface="StarSymbol"/>
+              <a:buChar char=""/>
+            </a:pPr>
+            <a:r>
+              <a:rPr lang="en-US">
+                <a:latin typeface="Arial"/>
+              </a:rPr>
+              <a:t>Sixth Outline Level</a:t>
+            </a:r>
+            <a:endParaRPr/>
+          </a:p>
+          <a:p>
+            <a:pPr lvl="6">
+              <a:buSzPct val="45000"/>
+              <a:buFont typeface="StarSymbol"/>
+              <a:buChar char=""/>
+            </a:pPr>
+            <a:r>
+              <a:rPr lang="en-US">
+                <a:latin typeface="Arial"/>
+              </a:rPr>
+              <a:t>Seventh Outline Level</a:t>
+            </a:r>
+            <a:endParaRPr/>
+          </a:p>
+        </p:txBody>
+      </p:sp>
+      <p:sp>
+        <p:nvSpPr>
+          <p:cNvPr id="110" name="PlaceHolder 3"/>
+          <p:cNvSpPr>
+            <a:spLocks noGrp="1"/>
+          </p:cNvSpPr>
+          <p:nvPr>
+            <p:ph type="body"/>
+          </p:nvPr>
+        </p:nvSpPr>
+        <p:spPr>
+          <a:xfrm>
+            <a:off x="504000" y="1768680"/>
+            <a:ext cx="9071640" cy="4383720"/>
+          </a:xfrm>
+          <a:prstGeom prst="rect">
+            <a:avLst/>
+          </a:prstGeom>
+        </p:spPr>
+        <p:txBody>
+          <a:bodyPr lIns="0" rIns="0" tIns="0" bIns="0"/>
+          <a:p>
+            <a:pPr>
+              <a:buSzPct val="45000"/>
+              <a:buFont typeface="StarSymbol"/>
+              <a:buChar char=""/>
+            </a:pPr>
+            <a:r>
+              <a:rPr lang="en-US">
+                <a:latin typeface="Arial"/>
+              </a:rPr>
+              <a:t>Click to edit the outline text format</a:t>
+            </a:r>
+            <a:endParaRPr/>
+          </a:p>
+          <a:p>
+            <a:pPr lvl="1">
+              <a:buSzPct val="75000"/>
+              <a:buFont typeface="StarSymbol"/>
+              <a:buChar char=""/>
+            </a:pPr>
+            <a:r>
+              <a:rPr lang="en-US">
+                <a:latin typeface="Arial"/>
+              </a:rPr>
+              <a:t>Second Outline Level</a:t>
+            </a:r>
+            <a:endParaRPr/>
+          </a:p>
+          <a:p>
+            <a:pPr lvl="2">
+              <a:buSzPct val="45000"/>
+              <a:buFont typeface="StarSymbol"/>
+              <a:buChar char=""/>
+            </a:pPr>
+            <a:r>
+              <a:rPr lang="en-US">
+                <a:latin typeface="Arial"/>
+              </a:rPr>
+              <a:t>Third Outline Level</a:t>
+            </a:r>
+            <a:endParaRPr/>
+          </a:p>
+          <a:p>
+            <a:pPr lvl="3">
+              <a:buSzPct val="75000"/>
+              <a:buFont typeface="StarSymbol"/>
+              <a:buChar char=""/>
+            </a:pPr>
+            <a:r>
+              <a:rPr lang="en-US">
+                <a:latin typeface="Arial"/>
+              </a:rPr>
+              <a:t>Fourth Outline Level</a:t>
+            </a:r>
+            <a:endParaRPr/>
+          </a:p>
+          <a:p>
+            <a:pPr lvl="4">
+              <a:buSzPct val="45000"/>
+              <a:buFont typeface="StarSymbol"/>
+              <a:buChar char=""/>
+            </a:pPr>
+            <a:r>
+              <a:rPr lang="en-US">
+                <a:latin typeface="Arial"/>
+              </a:rPr>
+              <a:t>Fifth Outline Level</a:t>
+            </a:r>
+            <a:endParaRPr/>
+          </a:p>
+          <a:p>
+            <a:pPr lvl="5">
+              <a:buSzPct val="45000"/>
+              <a:buFont typeface="StarSymbol"/>
+              <a:buChar char=""/>
+            </a:pPr>
+            <a:r>
+              <a:rPr lang="en-US">
+                <a:latin typeface="Arial"/>
+              </a:rPr>
+              <a:t>Sixth Outline Level</a:t>
+            </a:r>
+            <a:endParaRPr/>
+          </a:p>
+          <a:p>
+            <a:pPr lvl="6">
+              <a:buSzPct val="45000"/>
+              <a:buFont typeface="StarSymbol"/>
+              <a:buChar char=""/>
+            </a:pPr>
+            <a:r>
+              <a:rPr lang="en-US">
+                <a:latin typeface="Arial"/>
+              </a:rPr>
+              <a:t>Seventh Outline Level</a:t>
+            </a:r>
+            <a:endParaRPr/>
+          </a:p>
+        </p:txBody>
+      </p:sp>
+      <p:pic>
+        <p:nvPicPr>
+          <p:cNvPr id="111" name="" descr=""/>
+          <p:cNvPicPr/>
+          <p:nvPr/>
+        </p:nvPicPr>
+        <p:blipFill>
+          <a:blip r:embed="rId2"/>
+          <a:stretch>
+            <a:fillRect/>
+          </a:stretch>
+        </p:blipFill>
+        <p:spPr>
+          <a:xfrm>
+            <a:off x="2292480" y="1768680"/>
+            <a:ext cx="5494320" cy="4383720"/>
+          </a:xfrm>
+          <a:prstGeom prst="rect">
+            <a:avLst/>
+          </a:prstGeom>
+          <a:ln>
+            <a:noFill/>
+          </a:ln>
+        </p:spPr>
+      </p:pic>
+      <p:pic>
+        <p:nvPicPr>
+          <p:cNvPr id="112" name="" descr=""/>
+          <p:cNvPicPr/>
+          <p:nvPr/>
+        </p:nvPicPr>
+        <p:blipFill>
+          <a:blip r:embed="rId3"/>
+          <a:stretch>
+            <a:fillRect/>
+          </a:stretch>
+        </p:blipFill>
+        <p:spPr>
+          <a:xfrm>
+            <a:off x="2292480" y="1768680"/>
+            <a:ext cx="5494320" cy="4383720"/>
+          </a:xfrm>
+          <a:prstGeom prst="rect">
+            <a:avLst/>
+          </a:prstGeom>
+          <a:ln>
+            <a:noFill/>
+          </a:ln>
+        </p:spPr>
+      </p:pic>
+    </p:spTree>
+  </p:cSld>
+  <p:clrMap bg1="lt1" bg2="lt2" tx1="dk1" tx2="dk2" accent1="accent1" accent2="accent2" accent3="accent3" accent4="accent4" accent5="accent5" accent6="accent6" hlink="hlink" folHlink="folHlink"/>
+  <p:sldLayoutIdLst>
+    <p:sldLayoutId id="2147483688" r:id="rId4"/>
+    <p:sldLayoutId id="2147483689" r:id="rId5"/>
+    <p:sldLayoutId id="2147483690" r:id="rId6"/>
+    <p:sldLayoutId id="2147483691" r:id="rId7"/>
+    <p:sldLayoutId id="2147483692" r:id="rId8"/>
+    <p:sldLayoutId id="2147483693" r:id="rId9"/>
+    <p:sldLayoutId id="2147483694" r:id="rId10"/>
+    <p:sldLayoutId id="2147483695" r:id="rId11"/>
+    <p:sldLayoutId id="2147483696" r:id="rId12"/>
+    <p:sldLayoutId id="2147483697" r:id="rId13"/>
+    <p:sldLayoutId id="2147483698" r:id="rId14"/>
+    <p:sldLayoutId id="2147483699" r:id="rId15"/>
   </p:sldLayoutIdLst>
 </p:sldMaster>
 </file>
@@ -1482,23 +5606,31 @@
       </p:grpSpPr>
       <p:sp>
         <p:nvSpPr>
-          <p:cNvPr id="39" name="TextShape 1"/>
-          <p:cNvSpPr txBox="1"/>
+          <p:cNvPr id="147" name="CustomShape 1"/>
+          <p:cNvSpPr/>
           <p:nvPr/>
         </p:nvSpPr>
         <p:spPr>
           <a:xfrm>
             <a:off x="504000" y="301320"/>
-            <a:ext cx="9071640" cy="1262160"/>
-          </a:xfrm>
-          <a:prstGeom prst="rect">
-            <a:avLst/>
-          </a:prstGeom>
+            <a:ext cx="9070200" cy="1260720"/>
+          </a:xfrm>
+          <a:prstGeom prst="rect">
+            <a:avLst/>
+          </a:prstGeom>
+          <a:noFill/>
+          <a:ln>
+            <a:noFill/>
+          </a:ln>
         </p:spPr>
         <p:txBody>
           <a:bodyPr lIns="0" rIns="0" tIns="0" bIns="0" anchor="ctr"/>
           <a:p>
-            <a:pPr algn="ctr"/>
+            <a:pPr algn="ctr">
+              <a:lnSpc>
+                <a:spcPct val="100000"/>
+              </a:lnSpc>
+            </a:pPr>
             <a:r>
               <a:rPr lang="en-US" sz="4400">
                 <a:latin typeface="Arial"/>
@@ -1511,23 +5643,31 @@
       </p:sp>
       <p:sp>
         <p:nvSpPr>
-          <p:cNvPr id="40" name="TextShape 2"/>
-          <p:cNvSpPr txBox="1"/>
+          <p:cNvPr id="148" name="CustomShape 2"/>
+          <p:cNvSpPr/>
           <p:nvPr/>
         </p:nvSpPr>
         <p:spPr>
           <a:xfrm>
             <a:off x="504000" y="1769040"/>
-            <a:ext cx="9071640" cy="4384440"/>
-          </a:xfrm>
-          <a:prstGeom prst="rect">
-            <a:avLst/>
-          </a:prstGeom>
+            <a:ext cx="9070200" cy="4383000"/>
+          </a:xfrm>
+          <a:prstGeom prst="rect">
+            <a:avLst/>
+          </a:prstGeom>
+          <a:noFill/>
+          <a:ln>
+            <a:noFill/>
+          </a:ln>
         </p:spPr>
         <p:txBody>
           <a:bodyPr lIns="0" rIns="0" tIns="0" bIns="0" anchor="ctr"/>
           <a:p>
-            <a:pPr algn="ctr"/>
+            <a:pPr algn="ctr">
+              <a:lnSpc>
+                <a:spcPct val="100000"/>
+              </a:lnSpc>
+            </a:pPr>
             <a:r>
               <a:rPr lang="en-US" sz="3200">
                 <a:latin typeface="Arial"/>
@@ -1537,7 +5677,11 @@
             <a:endParaRPr/>
           </a:p>
           <a:p>
-            <a:pPr algn="ctr"/>
+            <a:pPr algn="ctr">
+              <a:lnSpc>
+                <a:spcPct val="100000"/>
+              </a:lnSpc>
+            </a:pPr>
             <a:r>
               <a:rPr lang="en-US" sz="3200">
                 <a:latin typeface="Arial"/>
@@ -1547,7 +5691,11 @@
             <a:endParaRPr/>
           </a:p>
           <a:p>
-            <a:pPr algn="ctr"/>
+            <a:pPr algn="ctr">
+              <a:lnSpc>
+                <a:spcPct val="100000"/>
+              </a:lnSpc>
+            </a:pPr>
             <a:r>
               <a:rPr lang="en-US" sz="3200">
                 <a:latin typeface="Arial"/>
@@ -1557,7 +5705,11 @@
             <a:endParaRPr/>
           </a:p>
           <a:p>
-            <a:pPr algn="ctr"/>
+            <a:pPr algn="ctr">
+              <a:lnSpc>
+                <a:spcPct val="100000"/>
+              </a:lnSpc>
+            </a:pPr>
             <a:r>
               <a:rPr lang="en-US" sz="3200">
                 <a:latin typeface="Arial"/>
@@ -1567,7 +5719,11 @@
             <a:endParaRPr/>
           </a:p>
           <a:p>
-            <a:pPr algn="ctr"/>
+            <a:pPr algn="ctr">
+              <a:lnSpc>
+                <a:spcPct val="100000"/>
+              </a:lnSpc>
+            </a:pPr>
             <a:r>
               <a:rPr lang="en-US" sz="3200">
                 <a:latin typeface="Arial"/>
@@ -1589,11 +5745,19 @@
             <a:endParaRPr/>
           </a:p>
           <a:p>
-            <a:pPr algn="ctr"/>
-            <a:endParaRPr/>
-          </a:p>
-          <a:p>
-            <a:pPr algn="ctr"/>
+            <a:pPr algn="ctr">
+              <a:lnSpc>
+                <a:spcPct val="100000"/>
+              </a:lnSpc>
+            </a:pPr>
+            <a:endParaRPr/>
+          </a:p>
+          <a:p>
+            <a:pPr algn="ctr">
+              <a:lnSpc>
+                <a:spcPct val="100000"/>
+              </a:lnSpc>
+            </a:pPr>
             <a:endParaRPr/>
           </a:p>
         </p:txBody>
@@ -1649,23 +5813,31 @@
       </p:grpSpPr>
       <p:sp>
         <p:nvSpPr>
-          <p:cNvPr id="41" name="TextShape 1"/>
-          <p:cNvSpPr txBox="1"/>
+          <p:cNvPr id="149" name="CustomShape 1"/>
+          <p:cNvSpPr/>
           <p:nvPr/>
         </p:nvSpPr>
         <p:spPr>
           <a:xfrm>
             <a:off x="504000" y="301320"/>
-            <a:ext cx="9071640" cy="1262160"/>
-          </a:xfrm>
-          <a:prstGeom prst="rect">
-            <a:avLst/>
-          </a:prstGeom>
+            <a:ext cx="9070200" cy="1260720"/>
+          </a:xfrm>
+          <a:prstGeom prst="rect">
+            <a:avLst/>
+          </a:prstGeom>
+          <a:noFill/>
+          <a:ln>
+            <a:noFill/>
+          </a:ln>
         </p:spPr>
         <p:txBody>
           <a:bodyPr lIns="0" rIns="0" tIns="0" bIns="0" anchor="ctr"/>
           <a:p>
-            <a:pPr algn="ctr"/>
+            <a:pPr algn="ctr">
+              <a:lnSpc>
+                <a:spcPct val="100000"/>
+              </a:lnSpc>
+            </a:pPr>
             <a:r>
               <a:rPr lang="en-US" sz="4400">
                 <a:latin typeface="Arial"/>
@@ -1678,23 +5850,30 @@
       </p:sp>
       <p:sp>
         <p:nvSpPr>
-          <p:cNvPr id="42" name="TextShape 2"/>
-          <p:cNvSpPr txBox="1"/>
+          <p:cNvPr id="150" name="CustomShape 2"/>
+          <p:cNvSpPr/>
           <p:nvPr/>
         </p:nvSpPr>
         <p:spPr>
           <a:xfrm>
             <a:off x="504000" y="1769040"/>
-            <a:ext cx="9071640" cy="4384440"/>
-          </a:xfrm>
-          <a:prstGeom prst="rect">
-            <a:avLst/>
-          </a:prstGeom>
+            <a:ext cx="9070200" cy="4383000"/>
+          </a:xfrm>
+          <a:prstGeom prst="rect">
+            <a:avLst/>
+          </a:prstGeom>
+          <a:noFill/>
+          <a:ln>
+            <a:noFill/>
+          </a:ln>
         </p:spPr>
         <p:txBody>
           <a:bodyPr lIns="0" rIns="0" tIns="0" bIns="0"/>
           <a:p>
             <a:pPr>
+              <a:lnSpc>
+                <a:spcPct val="100000"/>
+              </a:lnSpc>
               <a:buSzPct val="45000"/>
               <a:buFont typeface="StarSymbol"/>
               <a:buChar char=""/>
@@ -1709,6 +5888,9 @@
           </a:p>
           <a:p>
             <a:pPr>
+              <a:lnSpc>
+                <a:spcPct val="100000"/>
+              </a:lnSpc>
               <a:buSzPct val="45000"/>
               <a:buFont typeface="StarSymbol"/>
               <a:buChar char=""/>
@@ -1723,6 +5905,9 @@
           </a:p>
           <a:p>
             <a:pPr>
+              <a:lnSpc>
+                <a:spcPct val="100000"/>
+              </a:lnSpc>
               <a:buSzPct val="45000"/>
               <a:buFont typeface="StarSymbol"/>
               <a:buChar char=""/>
@@ -1737,6 +5922,9 @@
           </a:p>
           <a:p>
             <a:pPr>
+              <a:lnSpc>
+                <a:spcPct val="100000"/>
+              </a:lnSpc>
               <a:buSzPct val="45000"/>
               <a:buFont typeface="StarSymbol"/>
               <a:buChar char=""/>
@@ -1751,6 +5939,9 @@
           </a:p>
           <a:p>
             <a:pPr>
+              <a:lnSpc>
+                <a:spcPct val="100000"/>
+              </a:lnSpc>
               <a:buSzPct val="45000"/>
               <a:buFont typeface="StarSymbol"/>
               <a:buChar char=""/>
@@ -1765,6 +5956,9 @@
           </a:p>
           <a:p>
             <a:pPr>
+              <a:lnSpc>
+                <a:spcPct val="100000"/>
+              </a:lnSpc>
               <a:buSzPct val="45000"/>
               <a:buFont typeface="StarSymbol"/>
               <a:buChar char=""/>
@@ -1842,55 +6036,70 @@
       </p:grpSpPr>
       <p:sp>
         <p:nvSpPr>
-          <p:cNvPr id="43" name="TextShape 1"/>
-          <p:cNvSpPr txBox="1"/>
+          <p:cNvPr id="151" name="CustomShape 1"/>
+          <p:cNvSpPr/>
           <p:nvPr/>
         </p:nvSpPr>
         <p:spPr>
           <a:xfrm>
             <a:off x="504000" y="301320"/>
-            <a:ext cx="9071640" cy="1262160"/>
-          </a:xfrm>
-          <a:prstGeom prst="rect">
-            <a:avLst/>
-          </a:prstGeom>
+            <a:ext cx="9070200" cy="1260720"/>
+          </a:xfrm>
+          <a:prstGeom prst="rect">
+            <a:avLst/>
+          </a:prstGeom>
+          <a:noFill/>
+          <a:ln>
+            <a:noFill/>
+          </a:ln>
         </p:spPr>
         <p:txBody>
           <a:bodyPr lIns="0" rIns="0" tIns="0" bIns="0" anchor="ctr"/>
           <a:p>
-            <a:pPr algn="ctr"/>
+            <a:pPr algn="ctr">
+              <a:lnSpc>
+                <a:spcPct val="100000"/>
+              </a:lnSpc>
+            </a:pPr>
             <a:r>
               <a:rPr lang="en-US" sz="4400">
                 <a:latin typeface="Arial"/>
               </a:rPr>
-              <a:t>基礎知識</a:t>
-            </a:r>
-            <a:endParaRPr/>
-          </a:p>
-        </p:txBody>
-      </p:sp>
-      <p:sp>
-        <p:nvSpPr>
-          <p:cNvPr id="44" name="TextShape 2"/>
-          <p:cNvSpPr txBox="1"/>
+              <a:t>基礎知識點</a:t>
+            </a:r>
+            <a:endParaRPr/>
+          </a:p>
+        </p:txBody>
+      </p:sp>
+      <p:sp>
+        <p:nvSpPr>
+          <p:cNvPr id="152" name="CustomShape 2"/>
+          <p:cNvSpPr/>
           <p:nvPr/>
         </p:nvSpPr>
         <p:spPr>
           <a:xfrm>
             <a:off x="504000" y="1769040"/>
-            <a:ext cx="9071640" cy="4384440"/>
-          </a:xfrm>
-          <a:prstGeom prst="rect">
-            <a:avLst/>
-          </a:prstGeom>
+            <a:ext cx="9070200" cy="4383000"/>
+          </a:xfrm>
+          <a:prstGeom prst="rect">
+            <a:avLst/>
+          </a:prstGeom>
+          <a:noFill/>
+          <a:ln>
+            <a:noFill/>
+          </a:ln>
         </p:spPr>
         <p:txBody>
           <a:bodyPr lIns="0" rIns="0" tIns="0" bIns="0"/>
           <a:p>
             <a:pPr>
+              <a:lnSpc>
+                <a:spcPct val="100000"/>
+              </a:lnSpc>
               <a:buSzPct val="45000"/>
               <a:buFont typeface="StarSymbol"/>
-              <a:buChar char=""/>
+              <a:buChar char="l"/>
             </a:pPr>
             <a:r>
               <a:rPr lang="en-US" sz="3200">
@@ -1902,95 +6111,207 @@
           </a:p>
           <a:p>
             <a:pPr lvl="1">
-              <a:buSzPct val="75000"/>
-              <a:buFont typeface="StarSymbol"/>
-              <a:buChar char=""/>
-            </a:pPr>
-            <a:r>
-              <a:rPr lang="en-US" sz="2800">
-                <a:latin typeface="Arial"/>
-              </a:rPr>
-              <a:t>Linux </a:t>
-            </a:r>
-            <a:r>
-              <a:rPr lang="en-US" sz="2800">
-                <a:latin typeface="Arial"/>
-              </a:rPr>
-              <a:t>內核</a:t>
-            </a:r>
-            <a:endParaRPr/>
-          </a:p>
-          <a:p>
-            <a:pPr lvl="1">
-              <a:buSzPct val="75000"/>
-              <a:buFont typeface="StarSymbol"/>
-              <a:buChar char=""/>
-            </a:pPr>
-            <a:r>
-              <a:rPr lang="en-US" sz="2800">
-                <a:latin typeface="Arial"/>
-              </a:rPr>
-              <a:t>GUN </a:t>
-            </a:r>
-            <a:r>
-              <a:rPr lang="en-US" sz="2800">
-                <a:latin typeface="Arial"/>
-              </a:rPr>
-              <a:t>工具和命令</a:t>
-            </a:r>
-            <a:endParaRPr/>
-          </a:p>
-          <a:p>
-            <a:pPr lvl="1">
-              <a:buSzPct val="75000"/>
-              <a:buFont typeface="StarSymbol"/>
-              <a:buChar char=""/>
-            </a:pPr>
-            <a:r>
-              <a:rPr lang="en-US" sz="2800">
-                <a:latin typeface="Arial"/>
-              </a:rPr>
-              <a:t>圖形化桌面環境</a:t>
-            </a:r>
-            <a:endParaRPr/>
-          </a:p>
-          <a:p>
-            <a:pPr lvl="1">
-              <a:buSzPct val="75000"/>
-              <a:buFont typeface="StarSymbol"/>
-              <a:buChar char=""/>
-            </a:pPr>
-            <a:r>
-              <a:rPr lang="en-US" sz="2800">
-                <a:latin typeface="Arial"/>
-              </a:rPr>
-              <a:t>應用軟件</a:t>
-            </a:r>
-            <a:endParaRPr/>
-          </a:p>
-          <a:p>
-            <a:pPr>
+              <a:lnSpc>
+                <a:spcPct val="100000"/>
+              </a:lnSpc>
               <a:buSzPct val="45000"/>
               <a:buFont typeface="StarSymbol"/>
-              <a:buChar char=""/>
+              <a:buChar char="l"/>
+            </a:pPr>
+            <a:r>
+              <a:rPr lang="en-US" sz="2800">
+                <a:latin typeface="Arial"/>
+              </a:rPr>
+              <a:t>Linux </a:t>
+            </a:r>
+            <a:r>
+              <a:rPr lang="en-US" sz="2800">
+                <a:latin typeface="Arial"/>
+              </a:rPr>
+              <a:t>內核</a:t>
+            </a:r>
+            <a:endParaRPr/>
+          </a:p>
+          <a:p>
+            <a:pPr lvl="1">
+              <a:lnSpc>
+                <a:spcPct val="100000"/>
+              </a:lnSpc>
+              <a:buSzPct val="45000"/>
+              <a:buFont typeface="StarSymbol"/>
+              <a:buChar char="l"/>
+            </a:pPr>
+            <a:r>
+              <a:rPr lang="en-US" sz="2800">
+                <a:latin typeface="Arial"/>
+              </a:rPr>
+              <a:t>GUN </a:t>
+            </a:r>
+            <a:r>
+              <a:rPr lang="en-US" sz="2800">
+                <a:latin typeface="Arial"/>
+              </a:rPr>
+              <a:t>工具和命令</a:t>
+            </a:r>
+            <a:endParaRPr/>
+          </a:p>
+          <a:p>
+            <a:pPr lvl="1">
+              <a:lnSpc>
+                <a:spcPct val="100000"/>
+              </a:lnSpc>
+              <a:buSzPct val="45000"/>
+              <a:buFont typeface="StarSymbol"/>
+              <a:buChar char="l"/>
+            </a:pPr>
+            <a:r>
+              <a:rPr lang="en-US" sz="2800">
+                <a:latin typeface="Arial"/>
+              </a:rPr>
+              <a:t>圖形化桌面環境</a:t>
+            </a:r>
+            <a:endParaRPr/>
+          </a:p>
+          <a:p>
+            <a:pPr lvl="1">
+              <a:lnSpc>
+                <a:spcPct val="100000"/>
+              </a:lnSpc>
+              <a:buSzPct val="45000"/>
+              <a:buFont typeface="StarSymbol"/>
+              <a:buChar char="l"/>
+            </a:pPr>
+            <a:r>
+              <a:rPr lang="en-US" sz="2800">
+                <a:latin typeface="Arial"/>
+              </a:rPr>
+              <a:t>應用軟件</a:t>
+            </a:r>
+            <a:endParaRPr/>
+          </a:p>
+          <a:p>
+            <a:pPr>
+              <a:lnSpc>
+                <a:spcPct val="100000"/>
+              </a:lnSpc>
+              <a:buSzPct val="45000"/>
+              <a:buFont typeface="StarSymbol"/>
+              <a:buChar char="l"/>
             </a:pPr>
             <a:r>
               <a:rPr lang="en-US" sz="3200">
                 <a:latin typeface="Arial"/>
               </a:rPr>
-              <a:t>設備、</a:t>
-            </a:r>
+              <a:t>查看硬件信息及基本配置</a:t>
+            </a:r>
+            <a:endParaRPr/>
+          </a:p>
+          <a:p>
+            <a:pPr lvl="1">
+              <a:lnSpc>
+                <a:spcPct val="100000"/>
+              </a:lnSpc>
+              <a:buSzPct val="45000"/>
+              <a:buFont typeface="StarSymbol"/>
+              <a:buChar char="l"/>
+            </a:pPr>
+            <a:r>
+              <a:rPr lang="en-US" sz="2800">
+                <a:latin typeface="Arial"/>
+              </a:rPr>
+              <a:t>理解</a:t>
+            </a:r>
+            <a:r>
+              <a:rPr lang="en-US" sz="2800">
+                <a:latin typeface="Arial"/>
+              </a:rPr>
+              <a:t>sysfs,udev,dbus</a:t>
+            </a:r>
+            <a:endParaRPr/>
+          </a:p>
+          <a:p>
+            <a:pPr>
+              <a:lnSpc>
+                <a:spcPct val="100000"/>
+              </a:lnSpc>
+              <a:buSzPct val="45000"/>
+              <a:buFont typeface="StarSymbol"/>
+              <a:buChar char="l"/>
+            </a:pPr>
             <a:r>
               <a:rPr lang="en-US" sz="3200">
                 <a:latin typeface="Arial"/>
               </a:rPr>
-              <a:t>Linux </a:t>
-            </a:r>
-            <a:r>
-              <a:rPr lang="en-US" sz="3200">
-                <a:latin typeface="Arial"/>
-              </a:rPr>
-              <a:t>文件系統</a:t>
+              <a:t>理解系統啓動過程</a:t>
+            </a:r>
+            <a:endParaRPr/>
+          </a:p>
+          <a:p>
+            <a:pPr lvl="1">
+              <a:lnSpc>
+                <a:spcPct val="100000"/>
+              </a:lnSpc>
+              <a:buSzPct val="45000"/>
+              <a:buFont typeface="StarSymbol"/>
+              <a:buChar char="l"/>
+            </a:pPr>
+            <a:r>
+              <a:rPr lang="en-US" sz="2800">
+                <a:latin typeface="Arial"/>
+              </a:rPr>
+              <a:t>BIOS/UEFI</a:t>
+            </a:r>
+            <a:r>
+              <a:rPr lang="en-US" sz="2800">
+                <a:latin typeface="Arial"/>
+              </a:rPr>
+              <a:t>到啓動完成的順序</a:t>
+            </a:r>
+            <a:endParaRPr/>
+          </a:p>
+          <a:p>
+            <a:pPr lvl="1">
+              <a:lnSpc>
+                <a:spcPct val="100000"/>
+              </a:lnSpc>
+              <a:buSzPct val="45000"/>
+              <a:buFont typeface="StarSymbol"/>
+              <a:buChar char="l"/>
+            </a:pPr>
+            <a:r>
+              <a:rPr lang="en-US" sz="2800">
+                <a:latin typeface="Arial"/>
+              </a:rPr>
+              <a:t>sysvinit</a:t>
+            </a:r>
+            <a:r>
+              <a:rPr lang="en-US" sz="2800">
+                <a:latin typeface="Arial"/>
+              </a:rPr>
+              <a:t>和</a:t>
+            </a:r>
+            <a:r>
+              <a:rPr lang="en-US" sz="2800">
+                <a:latin typeface="Arial"/>
+              </a:rPr>
+              <a:t>systemd</a:t>
+            </a:r>
+            <a:endParaRPr/>
+          </a:p>
+          <a:p>
+            <a:pPr lvl="1">
+              <a:lnSpc>
+                <a:spcPct val="100000"/>
+              </a:lnSpc>
+              <a:buSzPct val="45000"/>
+              <a:buFont typeface="StarSymbol"/>
+              <a:buChar char="l"/>
+            </a:pPr>
+            <a:r>
+              <a:rPr lang="en-US" sz="2800">
+                <a:latin typeface="Arial"/>
+              </a:rPr>
+              <a:t>查看日志文件中的引導事件</a:t>
             </a:r>
             <a:endParaRPr/>
           </a:p>
@@ -2045,31 +6366,283 @@
           <a:chExt cx="0" cy="0"/>
         </a:xfrm>
       </p:grpSpPr>
-      <p:pic>
-        <p:nvPicPr>
-          <p:cNvPr id="45" name="" descr=""/>
-          <p:cNvPicPr/>
+      <p:sp>
+        <p:nvSpPr>
+          <p:cNvPr id="153" name="CustomShape 1"/>
+          <p:cNvSpPr/>
           <p:nvPr/>
-        </p:nvPicPr>
-        <p:blipFill>
-          <a:blip r:embed="rId1"/>
-          <a:stretch>
-            <a:fillRect/>
-          </a:stretch>
-        </p:blipFill>
-        <p:spPr>
-          <a:xfrm>
-            <a:off x="640080" y="457200"/>
-            <a:ext cx="8869680" cy="6373800"/>
-          </a:xfrm>
-          <a:prstGeom prst="rect">
-            <a:avLst/>
-          </a:prstGeom>
+        </p:nvSpPr>
+        <p:spPr>
+          <a:xfrm>
+            <a:off x="457200" y="109800"/>
+            <a:ext cx="9071640" cy="1078560"/>
+          </a:xfrm>
+          <a:prstGeom prst="rect">
+            <a:avLst/>
+          </a:prstGeom>
+          <a:noFill/>
           <a:ln>
             <a:noFill/>
           </a:ln>
         </p:spPr>
-      </p:pic>
+        <p:txBody>
+          <a:bodyPr lIns="0" rIns="0" tIns="0" bIns="0" anchor="ctr"/>
+          <a:p>
+            <a:pPr algn="ctr">
+              <a:lnSpc>
+                <a:spcPct val="100000"/>
+              </a:lnSpc>
+            </a:pPr>
+            <a:r>
+              <a:rPr lang="en-US" sz="4400">
+                <a:latin typeface="Arial"/>
+              </a:rPr>
+              <a:t>基礎知識點</a:t>
+            </a:r>
+            <a:endParaRPr/>
+          </a:p>
+        </p:txBody>
+      </p:sp>
+      <p:sp>
+        <p:nvSpPr>
+          <p:cNvPr id="154" name="CustomShape 2"/>
+          <p:cNvSpPr/>
+          <p:nvPr/>
+        </p:nvSpPr>
+        <p:spPr>
+          <a:xfrm>
+            <a:off x="504000" y="1737360"/>
+            <a:ext cx="9188280" cy="5212080"/>
+          </a:xfrm>
+          <a:prstGeom prst="rect">
+            <a:avLst/>
+          </a:prstGeom>
+          <a:noFill/>
+          <a:ln>
+            <a:noFill/>
+          </a:ln>
+        </p:spPr>
+        <p:txBody>
+          <a:bodyPr lIns="0" rIns="0" tIns="0" bIns="0"/>
+          <a:p>
+            <a:pPr>
+              <a:lnSpc>
+                <a:spcPct val="100000"/>
+              </a:lnSpc>
+              <a:buSzPct val="45000"/>
+              <a:buFont typeface="StarSymbol"/>
+              <a:buChar char=""/>
+            </a:pPr>
+            <a:r>
+              <a:rPr lang="en-US" sz="3200">
+                <a:latin typeface="Arial"/>
+              </a:rPr>
+              <a:t>更改運行級別</a:t>
+            </a:r>
+            <a:endParaRPr/>
+          </a:p>
+          <a:p>
+            <a:pPr lvl="1">
+              <a:lnSpc>
+                <a:spcPct val="100000"/>
+              </a:lnSpc>
+              <a:buSzPct val="45000"/>
+              <a:buFont typeface="StarSymbol"/>
+              <a:buChar char=""/>
+            </a:pPr>
+            <a:r>
+              <a:rPr lang="en-US" sz="2800">
+                <a:latin typeface="Arial"/>
+              </a:rPr>
+              <a:t>設置默認運行級別或引導目標</a:t>
+            </a:r>
+            <a:endParaRPr/>
+          </a:p>
+          <a:p>
+            <a:pPr lvl="1">
+              <a:lnSpc>
+                <a:spcPct val="100000"/>
+              </a:lnSpc>
+              <a:buSzPct val="45000"/>
+              <a:buFont typeface="StarSymbol"/>
+              <a:buChar char=""/>
+            </a:pPr>
+            <a:r>
+              <a:rPr lang="en-US" sz="2800">
+                <a:latin typeface="Arial"/>
+              </a:rPr>
+              <a:t>在運行級別</a:t>
+            </a:r>
+            <a:r>
+              <a:rPr lang="en-US" sz="2800">
+                <a:latin typeface="Arial"/>
+              </a:rPr>
+              <a:t>/</a:t>
+            </a:r>
+            <a:r>
+              <a:rPr lang="en-US" sz="2800">
+                <a:latin typeface="Arial"/>
+              </a:rPr>
+              <a:t>引導目標之間進行更改，包括單用戶模式</a:t>
+            </a:r>
+            <a:endParaRPr/>
+          </a:p>
+          <a:p>
+            <a:pPr lvl="1">
+              <a:lnSpc>
+                <a:spcPct val="100000"/>
+              </a:lnSpc>
+              <a:buSzPct val="45000"/>
+              <a:buFont typeface="StarSymbol"/>
+              <a:buChar char=""/>
+            </a:pPr>
+            <a:r>
+              <a:rPr lang="en-US" sz="2800">
+                <a:latin typeface="Arial"/>
+              </a:rPr>
+              <a:t>正確終止進程</a:t>
+            </a:r>
+            <a:endParaRPr/>
+          </a:p>
+          <a:p>
+            <a:pPr lvl="1">
+              <a:lnSpc>
+                <a:spcPct val="100000"/>
+              </a:lnSpc>
+              <a:buSzPct val="45000"/>
+              <a:buFont typeface="StarSymbol"/>
+              <a:buChar char=""/>
+            </a:pPr>
+            <a:r>
+              <a:rPr lang="en-US" sz="2800">
+                <a:latin typeface="Arial"/>
+              </a:rPr>
+              <a:t>Acpid</a:t>
+            </a:r>
+            <a:endParaRPr/>
+          </a:p>
+          <a:p>
+            <a:pPr>
+              <a:lnSpc>
+                <a:spcPct val="100000"/>
+              </a:lnSpc>
+              <a:buSzPct val="45000"/>
+              <a:buFont typeface="StarSymbol"/>
+              <a:buChar char=""/>
+            </a:pPr>
+            <a:r>
+              <a:rPr lang="en-US" sz="3200">
+                <a:latin typeface="Arial"/>
+              </a:rPr>
+              <a:t>設置磁盤分區方案</a:t>
+            </a:r>
+            <a:endParaRPr/>
+          </a:p>
+          <a:p>
+            <a:pPr lvl="1">
+              <a:lnSpc>
+                <a:spcPct val="100000"/>
+              </a:lnSpc>
+              <a:buSzPct val="45000"/>
+              <a:buFont typeface="StarSymbol"/>
+              <a:buChar char=""/>
+            </a:pPr>
+            <a:r>
+              <a:rPr lang="en-US" sz="2800">
+                <a:latin typeface="Arial"/>
+              </a:rPr>
+              <a:t>文件系統和交換空間分配給單獨分區或磁盤</a:t>
+            </a:r>
+            <a:endParaRPr/>
+          </a:p>
+          <a:p>
+            <a:pPr lvl="1">
+              <a:lnSpc>
+                <a:spcPct val="100000"/>
+              </a:lnSpc>
+              <a:buSzPct val="45000"/>
+              <a:buFont typeface="StarSymbol"/>
+              <a:buChar char=""/>
+            </a:pPr>
+            <a:r>
+              <a:rPr lang="en-US" sz="2800">
+                <a:latin typeface="Arial"/>
+              </a:rPr>
+              <a:t>根據系統預期用途設計</a:t>
+            </a:r>
+            <a:endParaRPr/>
+          </a:p>
+          <a:p>
+            <a:pPr lvl="1">
+              <a:lnSpc>
+                <a:spcPct val="100000"/>
+              </a:lnSpc>
+              <a:buSzPct val="45000"/>
+              <a:buFont typeface="StarSymbol"/>
+              <a:buChar char=""/>
+            </a:pPr>
+            <a:r>
+              <a:rPr lang="en-US" sz="2800">
+                <a:latin typeface="Arial"/>
+              </a:rPr>
+              <a:t>確保</a:t>
+            </a:r>
+            <a:r>
+              <a:rPr lang="en-US" sz="2800">
+                <a:latin typeface="Arial"/>
+              </a:rPr>
+              <a:t>/boot </a:t>
+            </a:r>
+            <a:r>
+              <a:rPr lang="en-US" sz="2800">
+                <a:latin typeface="Arial"/>
+              </a:rPr>
+              <a:t>分區符合硬件體系結構引導要求</a:t>
+            </a:r>
+            <a:endParaRPr/>
+          </a:p>
+          <a:p>
+            <a:pPr lvl="1">
+              <a:lnSpc>
+                <a:spcPct val="100000"/>
+              </a:lnSpc>
+              <a:buSzPct val="45000"/>
+              <a:buFont typeface="StarSymbol"/>
+              <a:buChar char=""/>
+            </a:pPr>
+            <a:r>
+              <a:rPr lang="en-US" sz="2800">
+                <a:latin typeface="Arial"/>
+              </a:rPr>
+              <a:t>了解</a:t>
+            </a:r>
+            <a:r>
+              <a:rPr lang="en-US" sz="2800">
+                <a:latin typeface="Arial"/>
+              </a:rPr>
+              <a:t>LVM </a:t>
+            </a:r>
+            <a:r>
+              <a:rPr lang="en-US" sz="2800">
+                <a:latin typeface="Arial"/>
+              </a:rPr>
+              <a:t>基本功能</a:t>
+            </a:r>
+            <a:endParaRPr/>
+          </a:p>
+          <a:p>
+            <a:pPr>
+              <a:lnSpc>
+                <a:spcPct val="100000"/>
+              </a:lnSpc>
+              <a:buSzPct val="45000"/>
+              <a:buFont typeface="StarSymbol"/>
+              <a:buChar char="l"/>
+            </a:pPr>
+            <a:endParaRPr/>
+          </a:p>
+        </p:txBody>
+      </p:sp>
     </p:spTree>
   </p:cSld>
   <p:timing>
@@ -2121,14 +6694,14 @@
       </p:grpSpPr>
       <p:sp>
         <p:nvSpPr>
-          <p:cNvPr id="46" name="TextShape 1"/>
+          <p:cNvPr id="155" name="TextShape 1"/>
           <p:cNvSpPr txBox="1"/>
           <p:nvPr/>
         </p:nvSpPr>
         <p:spPr>
           <a:xfrm>
             <a:off x="504000" y="301320"/>
-            <a:ext cx="9071640" cy="1262160"/>
+            <a:ext cx="9071640" cy="1261800"/>
           </a:xfrm>
           <a:prstGeom prst="rect">
             <a:avLst/>
@@ -2138,38 +6711,20 @@
           <a:bodyPr lIns="0" rIns="0" tIns="0" bIns="0" anchor="ctr"/>
           <a:p>
             <a:pPr algn="ctr"/>
-            <a:r>
-              <a:rPr lang="en-US" sz="4400">
-                <a:latin typeface="Arial"/>
-              </a:rPr>
-              <a:t>內核主要負責</a:t>
-            </a:r>
-            <a:r>
-              <a:rPr lang="en-US" sz="4400">
-                <a:latin typeface="Arial"/>
-              </a:rPr>
-              <a:t>4</a:t>
-            </a:r>
-            <a:r>
-              <a:rPr lang="en-US" sz="4400">
-                <a:latin typeface="Arial"/>
-              </a:rPr>
-              <a:t>種功能</a:t>
-            </a:r>
-            <a:endParaRPr/>
-          </a:p>
-        </p:txBody>
-      </p:sp>
-      <p:sp>
-        <p:nvSpPr>
-          <p:cNvPr id="47" name="TextShape 2"/>
+            <a:endParaRPr/>
+          </a:p>
+        </p:txBody>
+      </p:sp>
+      <p:sp>
+        <p:nvSpPr>
+          <p:cNvPr id="156" name="TextShape 2"/>
           <p:cNvSpPr txBox="1"/>
           <p:nvPr/>
         </p:nvSpPr>
         <p:spPr>
           <a:xfrm>
-            <a:off x="504000" y="1769040"/>
-            <a:ext cx="9071640" cy="4384440"/>
+            <a:off x="504000" y="1768680"/>
+            <a:ext cx="9071640" cy="4383720"/>
           </a:xfrm>
           <a:prstGeom prst="rect">
             <a:avLst/>
@@ -2179,6 +6734,9 @@
           <a:bodyPr lIns="0" rIns="0" tIns="0" bIns="0"/>
           <a:p>
             <a:pPr>
+              <a:lnSpc>
+                <a:spcPct val="100000"/>
+              </a:lnSpc>
               <a:buSzPct val="45000"/>
               <a:buFont typeface="StarSymbol"/>
               <a:buChar char=""/>
@@ -2187,12 +6745,78 @@
               <a:rPr lang="en-US" sz="3200">
                 <a:latin typeface="Arial"/>
               </a:rPr>
-              <a:t>系統內存管理</a:t>
+              <a:t>配置啓動管理器</a:t>
+            </a:r>
+            <a:endParaRPr/>
+          </a:p>
+          <a:p>
+            <a:pPr lvl="1">
+              <a:lnSpc>
+                <a:spcPct val="100000"/>
+              </a:lnSpc>
+              <a:buSzPct val="75000"/>
+              <a:buFont typeface="StarSymbol"/>
+              <a:buChar char=""/>
+            </a:pPr>
+            <a:r>
+              <a:rPr lang="en-US" sz="2800">
+                <a:latin typeface="Arial"/>
+              </a:rPr>
+              <a:t>配置引導加載程序，如</a:t>
+            </a:r>
+            <a:r>
+              <a:rPr lang="en-US" sz="2800">
+                <a:latin typeface="Arial"/>
+              </a:rPr>
+              <a:t>grub</a:t>
+            </a:r>
+            <a:endParaRPr/>
+          </a:p>
+          <a:p>
+            <a:pPr lvl="1">
+              <a:lnSpc>
+                <a:spcPct val="100000"/>
+              </a:lnSpc>
+              <a:buSzPct val="75000"/>
+              <a:buFont typeface="StarSymbol"/>
+              <a:buChar char=""/>
+            </a:pPr>
+            <a:r>
+              <a:rPr lang="en-US" sz="2800">
+                <a:latin typeface="Arial"/>
+              </a:rPr>
+              <a:t>Grub2 </a:t>
+            </a:r>
+            <a:r>
+              <a:rPr lang="en-US" sz="2800">
+                <a:latin typeface="Arial"/>
+              </a:rPr>
+              <a:t>的基本配置更改</a:t>
+            </a:r>
+            <a:endParaRPr/>
+          </a:p>
+          <a:p>
+            <a:pPr lvl="1">
+              <a:lnSpc>
+                <a:spcPct val="100000"/>
+              </a:lnSpc>
+              <a:buSzPct val="75000"/>
+              <a:buFont typeface="StarSymbol"/>
+              <a:buChar char=""/>
+            </a:pPr>
+            <a:r>
+              <a:rPr lang="en-US" sz="2800">
+                <a:latin typeface="Arial"/>
+              </a:rPr>
+              <a:t>與引導加載程序交互</a:t>
             </a:r>
             <a:endParaRPr/>
           </a:p>
           <a:p>
             <a:pPr>
+              <a:lnSpc>
+                <a:spcPct val="100000"/>
+              </a:lnSpc>
               <a:buSzPct val="45000"/>
               <a:buFont typeface="StarSymbol"/>
               <a:buChar char=""/>
@@ -2201,35 +6825,58 @@
               <a:rPr lang="en-US" sz="3200">
                 <a:latin typeface="Arial"/>
               </a:rPr>
-              <a:t>軟件程序管理</a:t>
-            </a:r>
-            <a:endParaRPr/>
-          </a:p>
-          <a:p>
-            <a:pPr>
-              <a:buSzPct val="45000"/>
+              <a:t>共享庫</a:t>
+            </a:r>
+            <a:endParaRPr/>
+          </a:p>
+          <a:p>
+            <a:pPr lvl="1">
+              <a:lnSpc>
+                <a:spcPct val="100000"/>
+              </a:lnSpc>
+              <a:buSzPct val="75000"/>
               <a:buFont typeface="StarSymbol"/>
-              <a:buChar char=""/>
-            </a:pPr>
-            <a:r>
-              <a:rPr lang="en-US" sz="3200">
-                <a:latin typeface="Arial"/>
-              </a:rPr>
-              <a:t>硬件設備管理</a:t>
-            </a:r>
-            <a:endParaRPr/>
-          </a:p>
-          <a:p>
-            <a:pPr>
-              <a:buSzPct val="45000"/>
+              <a:buChar char=""/>
+            </a:pPr>
+            <a:r>
+              <a:rPr lang="en-US" sz="2800">
+                <a:latin typeface="Arial"/>
+              </a:rPr>
+              <a:t>識別共享庫</a:t>
+            </a:r>
+            <a:endParaRPr/>
+          </a:p>
+          <a:p>
+            <a:pPr lvl="1">
+              <a:lnSpc>
+                <a:spcPct val="100000"/>
+              </a:lnSpc>
+              <a:buSzPct val="75000"/>
               <a:buFont typeface="StarSymbol"/>
-              <a:buChar char=""/>
-            </a:pPr>
-            <a:r>
-              <a:rPr lang="en-US" sz="3200">
-                <a:latin typeface="Arial"/>
-              </a:rPr>
-              <a:t>文件系統管理</a:t>
+              <a:buChar char=""/>
+            </a:pPr>
+            <a:r>
+              <a:rPr lang="en-US" sz="2800">
+                <a:latin typeface="Arial"/>
+              </a:rPr>
+              <a:t>確定系統庫的位置</a:t>
+            </a:r>
+            <a:endParaRPr/>
+          </a:p>
+          <a:p>
+            <a:pPr lvl="1">
+              <a:lnSpc>
+                <a:spcPct val="100000"/>
+              </a:lnSpc>
+              <a:buSzPct val="75000"/>
+              <a:buFont typeface="StarSymbol"/>
+              <a:buChar char=""/>
+            </a:pPr>
+            <a:r>
+              <a:rPr lang="en-US" sz="2800">
+                <a:latin typeface="Arial"/>
+              </a:rPr>
+              <a:t>加載共享庫</a:t>
             </a:r>
             <a:endParaRPr/>
           </a:p>
@@ -2264,6 +6911,401 @@
       </p:par>
     </p:tnLst>
   </p:timing>
+</p:sld>
+</file>
+
+<file path=ppt/slides/slide6.xml><?xml version="1.0" encoding="utf-8"?>
+<p:sld xmlns:a="http://schemas.openxmlformats.org/drawingml/2006/main" xmlns:p="http://schemas.openxmlformats.org/presentationml/2006/main" xmlns:r="http://schemas.openxmlformats.org/officeDocument/2006/relationships">
+  <p:cSld>
+    <p:spTree>
+      <p:nvGrpSpPr>
+        <p:cNvPr id="1" name=""/>
+        <p:cNvGrpSpPr/>
+        <p:nvPr/>
+      </p:nvGrpSpPr>
+      <p:grpSpPr>
+        <a:xfrm>
+          <a:off x="0" y="0"/>
+          <a:ext cx="0" cy="0"/>
+          <a:chOff x="0" y="0"/>
+          <a:chExt cx="0" cy="0"/>
+        </a:xfrm>
+      </p:grpSpPr>
+      <p:pic>
+        <p:nvPicPr>
+          <p:cNvPr id="157" name="" descr=""/>
+          <p:cNvPicPr/>
+          <p:nvPr/>
+        </p:nvPicPr>
+        <p:blipFill>
+          <a:blip r:embed="rId1"/>
+          <a:stretch>
+            <a:fillRect/>
+          </a:stretch>
+        </p:blipFill>
+        <p:spPr>
+          <a:xfrm>
+            <a:off x="640080" y="457200"/>
+            <a:ext cx="8868240" cy="6372360"/>
+          </a:xfrm>
+          <a:prstGeom prst="rect">
+            <a:avLst/>
+          </a:prstGeom>
+          <a:ln>
+            <a:noFill/>
+          </a:ln>
+        </p:spPr>
+      </p:pic>
+    </p:spTree>
+  </p:cSld>
+  <p:timing>
+    <p:tnLst>
+      <p:par>
+        <p:cTn id="11" dur="indefinite" restart="never" nodeType="tmRoot">
+          <p:childTnLst>
+            <p:seq>
+              <p:cTn id="12" nodeType="mainSeq"/>
+              <p:prevCondLst>
+                <p:cond delay="0" evt="onPrev">
+                  <p:tgtEl>
+                    <p:sldTgt/>
+                  </p:tgtEl>
+                </p:cond>
+              </p:prevCondLst>
+              <p:nextCondLst>
+                <p:cond delay="0" evt="onNext">
+                  <p:tgtEl>
+                    <p:sldTgt/>
+                  </p:tgtEl>
+                </p:cond>
+              </p:nextCondLst>
+            </p:seq>
+          </p:childTnLst>
+        </p:cTn>
+      </p:par>
+    </p:tnLst>
+  </p:timing>
+</p:sld>
+</file>
+
+<file path=ppt/slides/slide7.xml><?xml version="1.0" encoding="utf-8"?>
+<p:sld xmlns:a="http://schemas.openxmlformats.org/drawingml/2006/main" xmlns:p="http://schemas.openxmlformats.org/presentationml/2006/main" xmlns:r="http://schemas.openxmlformats.org/officeDocument/2006/relationships">
+  <p:cSld>
+    <p:spTree>
+      <p:nvGrpSpPr>
+        <p:cNvPr id="1" name=""/>
+        <p:cNvGrpSpPr/>
+        <p:nvPr/>
+      </p:nvGrpSpPr>
+      <p:grpSpPr>
+        <a:xfrm>
+          <a:off x="0" y="0"/>
+          <a:ext cx="0" cy="0"/>
+          <a:chOff x="0" y="0"/>
+          <a:chExt cx="0" cy="0"/>
+        </a:xfrm>
+      </p:grpSpPr>
+      <p:sp>
+        <p:nvSpPr>
+          <p:cNvPr id="158" name="CustomShape 1"/>
+          <p:cNvSpPr/>
+          <p:nvPr/>
+        </p:nvSpPr>
+        <p:spPr>
+          <a:xfrm>
+            <a:off x="504000" y="301320"/>
+            <a:ext cx="9070200" cy="1260720"/>
+          </a:xfrm>
+          <a:prstGeom prst="rect">
+            <a:avLst/>
+          </a:prstGeom>
+          <a:noFill/>
+          <a:ln>
+            <a:noFill/>
+          </a:ln>
+        </p:spPr>
+        <p:txBody>
+          <a:bodyPr lIns="0" rIns="0" tIns="0" bIns="0" anchor="ctr"/>
+          <a:p>
+            <a:pPr algn="ctr">
+              <a:lnSpc>
+                <a:spcPct val="100000"/>
+              </a:lnSpc>
+            </a:pPr>
+            <a:r>
+              <a:rPr lang="en-US" sz="4400">
+                <a:latin typeface="Arial"/>
+              </a:rPr>
+              <a:t>內核主要負責</a:t>
+            </a:r>
+            <a:r>
+              <a:rPr lang="en-US" sz="4400">
+                <a:latin typeface="Arial"/>
+              </a:rPr>
+              <a:t>4</a:t>
+            </a:r>
+            <a:r>
+              <a:rPr lang="en-US" sz="4400">
+                <a:latin typeface="Arial"/>
+              </a:rPr>
+              <a:t>種功能</a:t>
+            </a:r>
+            <a:endParaRPr/>
+          </a:p>
+        </p:txBody>
+      </p:sp>
+      <p:sp>
+        <p:nvSpPr>
+          <p:cNvPr id="159" name="CustomShape 2"/>
+          <p:cNvSpPr/>
+          <p:nvPr/>
+        </p:nvSpPr>
+        <p:spPr>
+          <a:xfrm>
+            <a:off x="504000" y="1769040"/>
+            <a:ext cx="9070200" cy="4383000"/>
+          </a:xfrm>
+          <a:prstGeom prst="rect">
+            <a:avLst/>
+          </a:prstGeom>
+          <a:noFill/>
+          <a:ln>
+            <a:noFill/>
+          </a:ln>
+        </p:spPr>
+        <p:txBody>
+          <a:bodyPr lIns="0" rIns="0" tIns="0" bIns="0"/>
+          <a:p>
+            <a:pPr>
+              <a:lnSpc>
+                <a:spcPct val="100000"/>
+              </a:lnSpc>
+              <a:buSzPct val="45000"/>
+              <a:buFont typeface="StarSymbol"/>
+              <a:buChar char="l"/>
+            </a:pPr>
+            <a:r>
+              <a:rPr lang="en-US" sz="3200">
+                <a:latin typeface="Arial"/>
+              </a:rPr>
+              <a:t>系統內存管理</a:t>
+            </a:r>
+            <a:endParaRPr/>
+          </a:p>
+          <a:p>
+            <a:pPr>
+              <a:lnSpc>
+                <a:spcPct val="100000"/>
+              </a:lnSpc>
+              <a:buSzPct val="45000"/>
+              <a:buFont typeface="StarSymbol"/>
+              <a:buChar char="l"/>
+            </a:pPr>
+            <a:r>
+              <a:rPr lang="en-US" sz="3200">
+                <a:latin typeface="Arial"/>
+              </a:rPr>
+              <a:t>軟件程序管理</a:t>
+            </a:r>
+            <a:endParaRPr/>
+          </a:p>
+          <a:p>
+            <a:pPr>
+              <a:lnSpc>
+                <a:spcPct val="100000"/>
+              </a:lnSpc>
+              <a:buSzPct val="45000"/>
+              <a:buFont typeface="StarSymbol"/>
+              <a:buChar char="l"/>
+            </a:pPr>
+            <a:r>
+              <a:rPr lang="en-US" sz="3200">
+                <a:latin typeface="Arial"/>
+              </a:rPr>
+              <a:t>硬件設備管理</a:t>
+            </a:r>
+            <a:endParaRPr/>
+          </a:p>
+          <a:p>
+            <a:pPr>
+              <a:lnSpc>
+                <a:spcPct val="100000"/>
+              </a:lnSpc>
+              <a:buSzPct val="45000"/>
+              <a:buFont typeface="StarSymbol"/>
+              <a:buChar char="l"/>
+            </a:pPr>
+            <a:r>
+              <a:rPr lang="en-US" sz="3200">
+                <a:latin typeface="Arial"/>
+              </a:rPr>
+              <a:t>文件系統管理</a:t>
+            </a:r>
+            <a:endParaRPr/>
+          </a:p>
+        </p:txBody>
+      </p:sp>
+    </p:spTree>
+  </p:cSld>
+  <p:timing>
+    <p:tnLst>
+      <p:par>
+        <p:cTn id="13" dur="indefinite" restart="never" nodeType="tmRoot">
+          <p:childTnLst>
+            <p:seq>
+              <p:cTn id="14" nodeType="mainSeq"/>
+              <p:prevCondLst>
+                <p:cond delay="0" evt="onPrev">
+                  <p:tgtEl>
+                    <p:sldTgt/>
+                  </p:tgtEl>
+                </p:cond>
+              </p:prevCondLst>
+              <p:nextCondLst>
+                <p:cond delay="0" evt="onNext">
+                  <p:tgtEl>
+                    <p:sldTgt/>
+                  </p:tgtEl>
+                </p:cond>
+              </p:nextCondLst>
+            </p:seq>
+          </p:childTnLst>
+        </p:cTn>
+      </p:par>
+    </p:tnLst>
+  </p:timing>
+</p:sld>
+</file>
+
+<file path=ppt/slides/slide8.xml><?xml version="1.0" encoding="utf-8"?>
+<p:sld xmlns:a="http://schemas.openxmlformats.org/drawingml/2006/main" xmlns:p="http://schemas.openxmlformats.org/presentationml/2006/main" xmlns:r="http://schemas.openxmlformats.org/officeDocument/2006/relationships">
+  <p:cSld>
+    <p:spTree>
+      <p:nvGrpSpPr>
+        <p:cNvPr id="1" name=""/>
+        <p:cNvGrpSpPr/>
+        <p:nvPr/>
+      </p:nvGrpSpPr>
+      <p:grpSpPr>
+        <a:xfrm>
+          <a:off x="0" y="0"/>
+          <a:ext cx="0" cy="0"/>
+          <a:chOff x="0" y="0"/>
+          <a:chExt cx="0" cy="0"/>
+        </a:xfrm>
+      </p:grpSpPr>
+      <p:sp>
+        <p:nvSpPr>
+          <p:cNvPr id="160" name="CustomShape 1"/>
+          <p:cNvSpPr/>
+          <p:nvPr/>
+        </p:nvSpPr>
+        <p:spPr>
+          <a:xfrm>
+            <a:off x="504000" y="301320"/>
+            <a:ext cx="9071640" cy="1261800"/>
+          </a:xfrm>
+          <a:prstGeom prst="rect">
+            <a:avLst/>
+          </a:prstGeom>
+          <a:noFill/>
+          <a:ln>
+            <a:noFill/>
+          </a:ln>
+        </p:spPr>
+      </p:sp>
+      <p:sp>
+        <p:nvSpPr>
+          <p:cNvPr id="161" name="CustomShape 2"/>
+          <p:cNvSpPr/>
+          <p:nvPr/>
+        </p:nvSpPr>
+        <p:spPr>
+          <a:xfrm>
+            <a:off x="504000" y="1768680"/>
+            <a:ext cx="9071640" cy="4383720"/>
+          </a:xfrm>
+          <a:prstGeom prst="rect">
+            <a:avLst/>
+          </a:prstGeom>
+          <a:noFill/>
+          <a:ln>
+            <a:noFill/>
+          </a:ln>
+        </p:spPr>
+      </p:sp>
+      <p:sp>
+        <p:nvSpPr>
+          <p:cNvPr id="162" name="CustomShape 3"/>
+          <p:cNvSpPr/>
+          <p:nvPr/>
+        </p:nvSpPr>
+        <p:spPr>
+          <a:xfrm>
+            <a:off x="504000" y="1768680"/>
+            <a:ext cx="9071640" cy="4383720"/>
+          </a:xfrm>
+          <a:prstGeom prst="rect">
+            <a:avLst/>
+          </a:prstGeom>
+          <a:noFill/>
+          <a:ln>
+            <a:noFill/>
+          </a:ln>
+        </p:spPr>
+      </p:sp>
+      <p:pic>
+        <p:nvPicPr>
+          <p:cNvPr id="163" name="" descr=""/>
+          <p:cNvPicPr/>
+          <p:nvPr/>
+        </p:nvPicPr>
+        <p:blipFill>
+          <a:blip r:embed="rId1"/>
+          <a:stretch>
+            <a:fillRect/>
+          </a:stretch>
+        </p:blipFill>
+        <p:spPr>
+          <a:xfrm>
+            <a:off x="2292480" y="1768680"/>
+            <a:ext cx="5494320" cy="4383720"/>
+          </a:xfrm>
+          <a:prstGeom prst="rect">
+            <a:avLst/>
+          </a:prstGeom>
+          <a:ln>
+            <a:noFill/>
+          </a:ln>
+        </p:spPr>
+      </p:pic>
+      <p:pic>
+        <p:nvPicPr>
+          <p:cNvPr id="164" name="" descr=""/>
+          <p:cNvPicPr/>
+          <p:nvPr/>
+        </p:nvPicPr>
+        <p:blipFill>
+          <a:blip r:embed="rId2"/>
+          <a:stretch>
+            <a:fillRect/>
+          </a:stretch>
+        </p:blipFill>
+        <p:spPr>
+          <a:xfrm>
+            <a:off x="2292480" y="1768680"/>
+            <a:ext cx="5494320" cy="4383720"/>
+          </a:xfrm>
+          <a:prstGeom prst="rect">
+            <a:avLst/>
+          </a:prstGeom>
+          <a:ln>
+            <a:noFill/>
+          </a:ln>
+        </p:spPr>
+      </p:pic>
+    </p:spTree>
+  </p:cSld>
 </p:sld>
 </file>
 
@@ -2488,4 +7530,673 @@
     </a:fmtScheme>
   </a:themeElements>
 </a:theme>
+</file>
+
+<file path=ppt/theme/theme2.xml><?xml version="1.0" encoding="utf-8"?>
+<a:theme xmlns:a="http://schemas.openxmlformats.org/drawingml/2006/main" name="Office Theme">
+  <a:themeElements>
+    <a:clrScheme name="Office">
+      <a:dk1>
+        <a:sysClr val="windowText" lastClr="000000"/>
+      </a:dk1>
+      <a:lt1>
+        <a:sysClr val="window" lastClr="FFFFFF"/>
+      </a:lt1>
+      <a:dk2>
+        <a:srgbClr val="1F497D"/>
+      </a:dk2>
+      <a:lt2>
+        <a:srgbClr val="EEECE1"/>
+      </a:lt2>
+      <a:accent1>
+        <a:srgbClr val="4F81BD"/>
+      </a:accent1>
+      <a:accent2>
+        <a:srgbClr val="C0504D"/>
+      </a:accent2>
+      <a:accent3>
+        <a:srgbClr val="9BBB59"/>
+      </a:accent3>
+      <a:accent4>
+        <a:srgbClr val="8064A2"/>
+      </a:accent4>
+      <a:accent5>
+        <a:srgbClr val="4BACC6"/>
+      </a:accent5>
+      <a:accent6>
+        <a:srgbClr val="F79646"/>
+      </a:accent6>
+      <a:hlink>
+        <a:srgbClr val="0000FF"/>
+      </a:hlink>
+      <a:folHlink>
+        <a:srgbClr val="800080"/>
+      </a:folHlink>
+    </a:clrScheme>
+    <a:fontScheme name="Office">
+      <a:majorFont>
+        <a:latin typeface="Arial"/>
+        <a:ea typeface="DejaVu Sans"/>
+        <a:cs typeface="DejaVu Sans"/>
+      </a:majorFont>
+      <a:minorFont>
+        <a:latin typeface="Arial"/>
+        <a:ea typeface="DejaVu Sans"/>
+        <a:cs typeface="DejaVu Sans"/>
+      </a:minorFont>
+    </a:fontScheme>
+    <a:fmtScheme name="Office">
+      <a:fillStyleLst>
+        <a:solidFill>
+          <a:schemeClr val="phClr"/>
+        </a:solidFill>
+        <a:gradFill rotWithShape="1">
+          <a:gsLst>
+            <a:gs pos="0">
+              <a:schemeClr val="phClr">
+                <a:tint val="50000"/>
+                <a:satMod val="300000"/>
+              </a:schemeClr>
+            </a:gs>
+            <a:gs pos="35000">
+              <a:schemeClr val="phClr">
+                <a:tint val="37000"/>
+                <a:satMod val="300000"/>
+              </a:schemeClr>
+            </a:gs>
+            <a:gs pos="100000">
+              <a:schemeClr val="phClr">
+                <a:tint val="15000"/>
+                <a:satMod val="350000"/>
+              </a:schemeClr>
+            </a:gs>
+          </a:gsLst>
+          <a:lin ang="16200000" scaled="1"/>
+        </a:gradFill>
+        <a:gradFill rotWithShape="1">
+          <a:gsLst>
+            <a:gs pos="0">
+              <a:schemeClr val="phClr">
+                <a:shade val="51000"/>
+                <a:satMod val="130000"/>
+              </a:schemeClr>
+            </a:gs>
+            <a:gs pos="80000">
+              <a:schemeClr val="phClr">
+                <a:shade val="93000"/>
+                <a:satMod val="130000"/>
+              </a:schemeClr>
+            </a:gs>
+            <a:gs pos="100000">
+              <a:schemeClr val="phClr">
+                <a:shade val="94000"/>
+                <a:satMod val="135000"/>
+              </a:schemeClr>
+            </a:gs>
+          </a:gsLst>
+          <a:lin ang="16200000" scaled="0"/>
+        </a:gradFill>
+      </a:fillStyleLst>
+      <a:lnStyleLst>
+        <a:ln w="9525" cap="flat" cmpd="sng" algn="ctr">
+          <a:solidFill>
+            <a:schemeClr val="phClr">
+              <a:shade val="95000"/>
+              <a:satMod val="105000"/>
+            </a:schemeClr>
+          </a:solidFill>
+          <a:prstDash val="solid"/>
+        </a:ln>
+        <a:ln w="25400" cap="flat" cmpd="sng" algn="ctr">
+          <a:solidFill>
+            <a:schemeClr val="phClr"/>
+          </a:solidFill>
+          <a:prstDash val="solid"/>
+        </a:ln>
+        <a:ln w="38100" cap="flat" cmpd="sng" algn="ctr">
+          <a:solidFill>
+            <a:schemeClr val="phClr"/>
+          </a:solidFill>
+          <a:prstDash val="solid"/>
+        </a:ln>
+      </a:lnStyleLst>
+      <a:effectStyleLst>
+        <a:effectStyle>
+          <a:effectLst>
+            <a:outerShdw blurRad="40000" dist="20000" dir="5400000" rotWithShape="0">
+              <a:srgbClr val="000000">
+                <a:alpha val="38000"/>
+              </a:srgbClr>
+            </a:outerShdw>
+          </a:effectLst>
+        </a:effectStyle>
+        <a:effectStyle>
+          <a:effectLst>
+            <a:outerShdw blurRad="40000" dist="23000" dir="5400000" rotWithShape="0">
+              <a:srgbClr val="000000">
+                <a:alpha val="35000"/>
+              </a:srgbClr>
+            </a:outerShdw>
+          </a:effectLst>
+        </a:effectStyle>
+        <a:effectStyle>
+          <a:effectLst>
+            <a:outerShdw blurRad="40000" dist="23000" dir="5400000" rotWithShape="0">
+              <a:srgbClr val="000000">
+                <a:alpha val="35000"/>
+              </a:srgbClr>
+            </a:outerShdw>
+          </a:effectLst>
+          <a:scene3d>
+            <a:camera prst="orthographicFront">
+              <a:rot lat="0" lon="0" rev="0"/>
+            </a:camera>
+            <a:lightRig rig="threePt" dir="t">
+              <a:rot lat="0" lon="0" rev="1200000"/>
+            </a:lightRig>
+          </a:scene3d>
+          <a:sp3d>
+            <a:bevelT w="63500" h="25400"/>
+          </a:sp3d>
+        </a:effectStyle>
+      </a:effectStyleLst>
+      <a:bgFillStyleLst>
+        <a:solidFill>
+          <a:schemeClr val="phClr"/>
+        </a:solidFill>
+        <a:gradFill rotWithShape="1">
+          <a:gsLst>
+            <a:gs pos="0">
+              <a:schemeClr val="phClr">
+                <a:tint val="40000"/>
+                <a:satMod val="350000"/>
+              </a:schemeClr>
+            </a:gs>
+            <a:gs pos="40000">
+              <a:schemeClr val="phClr">
+                <a:tint val="45000"/>
+                <a:shade val="99000"/>
+                <a:satMod val="350000"/>
+              </a:schemeClr>
+            </a:gs>
+            <a:gs pos="100000">
+              <a:schemeClr val="phClr">
+                <a:shade val="20000"/>
+                <a:satMod val="255000"/>
+              </a:schemeClr>
+            </a:gs>
+          </a:gsLst>
+          <a:path path="circle">
+            <a:fillToRect l="50000" t="-80000" r="50000" b="180000"/>
+          </a:path>
+        </a:gradFill>
+        <a:gradFill rotWithShape="1">
+          <a:gsLst>
+            <a:gs pos="0">
+              <a:schemeClr val="phClr">
+                <a:tint val="80000"/>
+                <a:satMod val="300000"/>
+              </a:schemeClr>
+            </a:gs>
+            <a:gs pos="100000">
+              <a:schemeClr val="phClr">
+                <a:shade val="30000"/>
+                <a:satMod val="200000"/>
+              </a:schemeClr>
+            </a:gs>
+          </a:gsLst>
+          <a:path path="circle">
+            <a:fillToRect l="50000" t="50000" r="50000" b="50000"/>
+          </a:path>
+        </a:gradFill>
+      </a:bgFillStyleLst>
+    </a:fmtScheme>
+  </a:themeElements>
+</a:theme>
+</file>
+
+<file path=ppt/theme/theme3.xml><?xml version="1.0" encoding="utf-8"?>
+<a:theme xmlns:a="http://schemas.openxmlformats.org/drawingml/2006/main" name="Office Theme">
+  <a:themeElements>
+    <a:clrScheme name="Office">
+      <a:dk1>
+        <a:sysClr val="windowText" lastClr="000000"/>
+      </a:dk1>
+      <a:lt1>
+        <a:sysClr val="window" lastClr="FFFFFF"/>
+      </a:lt1>
+      <a:dk2>
+        <a:srgbClr val="1F497D"/>
+      </a:dk2>
+      <a:lt2>
+        <a:srgbClr val="EEECE1"/>
+      </a:lt2>
+      <a:accent1>
+        <a:srgbClr val="4F81BD"/>
+      </a:accent1>
+      <a:accent2>
+        <a:srgbClr val="C0504D"/>
+      </a:accent2>
+      <a:accent3>
+        <a:srgbClr val="9BBB59"/>
+      </a:accent3>
+      <a:accent4>
+        <a:srgbClr val="8064A2"/>
+      </a:accent4>
+      <a:accent5>
+        <a:srgbClr val="4BACC6"/>
+      </a:accent5>
+      <a:accent6>
+        <a:srgbClr val="F79646"/>
+      </a:accent6>
+      <a:hlink>
+        <a:srgbClr val="0000FF"/>
+      </a:hlink>
+      <a:folHlink>
+        <a:srgbClr val="800080"/>
+      </a:folHlink>
+    </a:clrScheme>
+    <a:fontScheme name="Office">
+      <a:majorFont>
+        <a:latin typeface="Arial"/>
+        <a:ea typeface="DejaVu Sans"/>
+        <a:cs typeface="DejaVu Sans"/>
+      </a:majorFont>
+      <a:minorFont>
+        <a:latin typeface="Arial"/>
+        <a:ea typeface="DejaVu Sans"/>
+        <a:cs typeface="DejaVu Sans"/>
+      </a:minorFont>
+    </a:fontScheme>
+    <a:fmtScheme name="Office">
+      <a:fillStyleLst>
+        <a:solidFill>
+          <a:schemeClr val="phClr"/>
+        </a:solidFill>
+        <a:gradFill rotWithShape="1">
+          <a:gsLst>
+            <a:gs pos="0">
+              <a:schemeClr val="phClr">
+                <a:tint val="50000"/>
+                <a:satMod val="300000"/>
+              </a:schemeClr>
+            </a:gs>
+            <a:gs pos="35000">
+              <a:schemeClr val="phClr">
+                <a:tint val="37000"/>
+                <a:satMod val="300000"/>
+              </a:schemeClr>
+            </a:gs>
+            <a:gs pos="100000">
+              <a:schemeClr val="phClr">
+                <a:tint val="15000"/>
+                <a:satMod val="350000"/>
+              </a:schemeClr>
+            </a:gs>
+          </a:gsLst>
+          <a:lin ang="16200000" scaled="1"/>
+        </a:gradFill>
+        <a:gradFill rotWithShape="1">
+          <a:gsLst>
+            <a:gs pos="0">
+              <a:schemeClr val="phClr">
+                <a:shade val="51000"/>
+                <a:satMod val="130000"/>
+              </a:schemeClr>
+            </a:gs>
+            <a:gs pos="80000">
+              <a:schemeClr val="phClr">
+                <a:shade val="93000"/>
+                <a:satMod val="130000"/>
+              </a:schemeClr>
+            </a:gs>
+            <a:gs pos="100000">
+              <a:schemeClr val="phClr">
+                <a:shade val="94000"/>
+                <a:satMod val="135000"/>
+              </a:schemeClr>
+            </a:gs>
+          </a:gsLst>
+          <a:lin ang="16200000" scaled="0"/>
+        </a:gradFill>
+      </a:fillStyleLst>
+      <a:lnStyleLst>
+        <a:ln w="9525" cap="flat" cmpd="sng" algn="ctr">
+          <a:solidFill>
+            <a:schemeClr val="phClr">
+              <a:shade val="95000"/>
+              <a:satMod val="105000"/>
+            </a:schemeClr>
+          </a:solidFill>
+          <a:prstDash val="solid"/>
+        </a:ln>
+        <a:ln w="25400" cap="flat" cmpd="sng" algn="ctr">
+          <a:solidFill>
+            <a:schemeClr val="phClr"/>
+          </a:solidFill>
+          <a:prstDash val="solid"/>
+        </a:ln>
+        <a:ln w="38100" cap="flat" cmpd="sng" algn="ctr">
+          <a:solidFill>
+            <a:schemeClr val="phClr"/>
+          </a:solidFill>
+          <a:prstDash val="solid"/>
+        </a:ln>
+      </a:lnStyleLst>
+      <a:effectStyleLst>
+        <a:effectStyle>
+          <a:effectLst>
+            <a:outerShdw blurRad="40000" dist="20000" dir="5400000" rotWithShape="0">
+              <a:srgbClr val="000000">
+                <a:alpha val="38000"/>
+              </a:srgbClr>
+            </a:outerShdw>
+          </a:effectLst>
+        </a:effectStyle>
+        <a:effectStyle>
+          <a:effectLst>
+            <a:outerShdw blurRad="40000" dist="23000" dir="5400000" rotWithShape="0">
+              <a:srgbClr val="000000">
+                <a:alpha val="35000"/>
+              </a:srgbClr>
+            </a:outerShdw>
+          </a:effectLst>
+        </a:effectStyle>
+        <a:effectStyle>
+          <a:effectLst>
+            <a:outerShdw blurRad="40000" dist="23000" dir="5400000" rotWithShape="0">
+              <a:srgbClr val="000000">
+                <a:alpha val="35000"/>
+              </a:srgbClr>
+            </a:outerShdw>
+          </a:effectLst>
+          <a:scene3d>
+            <a:camera prst="orthographicFront">
+              <a:rot lat="0" lon="0" rev="0"/>
+            </a:camera>
+            <a:lightRig rig="threePt" dir="t">
+              <a:rot lat="0" lon="0" rev="1200000"/>
+            </a:lightRig>
+          </a:scene3d>
+          <a:sp3d>
+            <a:bevelT w="63500" h="25400"/>
+          </a:sp3d>
+        </a:effectStyle>
+      </a:effectStyleLst>
+      <a:bgFillStyleLst>
+        <a:solidFill>
+          <a:schemeClr val="phClr"/>
+        </a:solidFill>
+        <a:gradFill rotWithShape="1">
+          <a:gsLst>
+            <a:gs pos="0">
+              <a:schemeClr val="phClr">
+                <a:tint val="40000"/>
+                <a:satMod val="350000"/>
+              </a:schemeClr>
+            </a:gs>
+            <a:gs pos="40000">
+              <a:schemeClr val="phClr">
+                <a:tint val="45000"/>
+                <a:shade val="99000"/>
+                <a:satMod val="350000"/>
+              </a:schemeClr>
+            </a:gs>
+            <a:gs pos="100000">
+              <a:schemeClr val="phClr">
+                <a:shade val="20000"/>
+                <a:satMod val="255000"/>
+              </a:schemeClr>
+            </a:gs>
+          </a:gsLst>
+          <a:path path="circle">
+            <a:fillToRect l="50000" t="-80000" r="50000" b="180000"/>
+          </a:path>
+        </a:gradFill>
+        <a:gradFill rotWithShape="1">
+          <a:gsLst>
+            <a:gs pos="0">
+              <a:schemeClr val="phClr">
+                <a:tint val="80000"/>
+                <a:satMod val="300000"/>
+              </a:schemeClr>
+            </a:gs>
+            <a:gs pos="100000">
+              <a:schemeClr val="phClr">
+                <a:shade val="30000"/>
+                <a:satMod val="200000"/>
+              </a:schemeClr>
+            </a:gs>
+          </a:gsLst>
+          <a:path path="circle">
+            <a:fillToRect l="50000" t="50000" r="50000" b="50000"/>
+          </a:path>
+        </a:gradFill>
+      </a:bgFillStyleLst>
+    </a:fmtScheme>
+  </a:themeElements>
+</a:theme>
+</file>
+
+<file path=ppt/theme/theme4.xml><?xml version="1.0" encoding="utf-8"?>
+<a:theme xmlns:a="http://schemas.openxmlformats.org/drawingml/2006/main" name="Office Theme">
+  <a:themeElements>
+    <a:clrScheme name="Office">
+      <a:dk1>
+        <a:sysClr val="windowText" lastClr="000000"/>
+      </a:dk1>
+      <a:lt1>
+        <a:sysClr val="window" lastClr="FFFFFF"/>
+      </a:lt1>
+      <a:dk2>
+        <a:srgbClr val="1F497D"/>
+      </a:dk2>
+      <a:lt2>
+        <a:srgbClr val="EEECE1"/>
+      </a:lt2>
+      <a:accent1>
+        <a:srgbClr val="4F81BD"/>
+      </a:accent1>
+      <a:accent2>
+        <a:srgbClr val="C0504D"/>
+      </a:accent2>
+      <a:accent3>
+        <a:srgbClr val="9BBB59"/>
+      </a:accent3>
+      <a:accent4>
+        <a:srgbClr val="8064A2"/>
+      </a:accent4>
+      <a:accent5>
+        <a:srgbClr val="4BACC6"/>
+      </a:accent5>
+      <a:accent6>
+        <a:srgbClr val="F79646"/>
+      </a:accent6>
+      <a:hlink>
+        <a:srgbClr val="0000FF"/>
+      </a:hlink>
+      <a:folHlink>
+        <a:srgbClr val="800080"/>
+      </a:folHlink>
+    </a:clrScheme>
+    <a:fontScheme name="Office">
+      <a:majorFont>
+        <a:latin typeface="Arial"/>
+        <a:ea typeface="DejaVu Sans"/>
+        <a:cs typeface="DejaVu Sans"/>
+      </a:majorFont>
+      <a:minorFont>
+        <a:latin typeface="Arial"/>
+        <a:ea typeface="DejaVu Sans"/>
+        <a:cs typeface="DejaVu Sans"/>
+      </a:minorFont>
+    </a:fontScheme>
+    <a:fmtScheme name="Office">
+      <a:fillStyleLst>
+        <a:solidFill>
+          <a:schemeClr val="phClr"/>
+        </a:solidFill>
+        <a:gradFill rotWithShape="1">
+          <a:gsLst>
+            <a:gs pos="0">
+              <a:schemeClr val="phClr">
+                <a:tint val="50000"/>
+                <a:satMod val="300000"/>
+              </a:schemeClr>
+            </a:gs>
+            <a:gs pos="35000">
+              <a:schemeClr val="phClr">
+                <a:tint val="37000"/>
+                <a:satMod val="300000"/>
+              </a:schemeClr>
+            </a:gs>
+            <a:gs pos="100000">
+              <a:schemeClr val="phClr">
+                <a:tint val="15000"/>
+                <a:satMod val="350000"/>
+              </a:schemeClr>
+            </a:gs>
+          </a:gsLst>
+          <a:lin ang="16200000" scaled="1"/>
+        </a:gradFill>
+        <a:gradFill rotWithShape="1">
+          <a:gsLst>
+            <a:gs pos="0">
+              <a:schemeClr val="phClr">
+                <a:shade val="51000"/>
+                <a:satMod val="130000"/>
+              </a:schemeClr>
+            </a:gs>
+            <a:gs pos="80000">
+              <a:schemeClr val="phClr">
+                <a:shade val="93000"/>
+                <a:satMod val="130000"/>
+              </a:schemeClr>
+            </a:gs>
+            <a:gs pos="100000">
+              <a:schemeClr val="phClr">
+                <a:shade val="94000"/>
+                <a:satMod val="135000"/>
+              </a:schemeClr>
+            </a:gs>
+          </a:gsLst>
+          <a:lin ang="16200000" scaled="0"/>
+        </a:gradFill>
+      </a:fillStyleLst>
+      <a:lnStyleLst>
+        <a:ln w="9525" cap="flat" cmpd="sng" algn="ctr">
+          <a:solidFill>
+            <a:schemeClr val="phClr">
+              <a:shade val="95000"/>
+              <a:satMod val="105000"/>
+            </a:schemeClr>
+          </a:solidFill>
+          <a:prstDash val="solid"/>
+        </a:ln>
+        <a:ln w="25400" cap="flat" cmpd="sng" algn="ctr">
+          <a:solidFill>
+            <a:schemeClr val="phClr"/>
+          </a:solidFill>
+          <a:prstDash val="solid"/>
+        </a:ln>
+        <a:ln w="38100" cap="flat" cmpd="sng" algn="ctr">
+          <a:solidFill>
+            <a:schemeClr val="phClr"/>
+          </a:solidFill>
+          <a:prstDash val="solid"/>
+        </a:ln>
+      </a:lnStyleLst>
+      <a:effectStyleLst>
+        <a:effectStyle>
+          <a:effectLst>
+            <a:outerShdw blurRad="40000" dist="20000" dir="5400000" rotWithShape="0">
+              <a:srgbClr val="000000">
+                <a:alpha val="38000"/>
+              </a:srgbClr>
+            </a:outerShdw>
+          </a:effectLst>
+        </a:effectStyle>
+        <a:effectStyle>
+          <a:effectLst>
+            <a:outerShdw blurRad="40000" dist="23000" dir="5400000" rotWithShape="0">
+              <a:srgbClr val="000000">
+                <a:alpha val="35000"/>
+              </a:srgbClr>
+            </a:outerShdw>
+          </a:effectLst>
+        </a:effectStyle>
+        <a:effectStyle>
+          <a:effectLst>
+            <a:outerShdw blurRad="40000" dist="23000" dir="5400000" rotWithShape="0">
+              <a:srgbClr val="000000">
+                <a:alpha val="35000"/>
+              </a:srgbClr>
+            </a:outerShdw>
+          </a:effectLst>
+          <a:scene3d>
+            <a:camera prst="orthographicFront">
+              <a:rot lat="0" lon="0" rev="0"/>
+            </a:camera>
+            <a:lightRig rig="threePt" dir="t">
+              <a:rot lat="0" lon="0" rev="1200000"/>
+            </a:lightRig>
+          </a:scene3d>
+          <a:sp3d>
+            <a:bevelT w="63500" h="25400"/>
+          </a:sp3d>
+        </a:effectStyle>
+      </a:effectStyleLst>
+      <a:bgFillStyleLst>
+        <a:solidFill>
+          <a:schemeClr val="phClr"/>
+        </a:solidFill>
+        <a:gradFill rotWithShape="1">
+          <a:gsLst>
+            <a:gs pos="0">
+              <a:schemeClr val="phClr">
+                <a:tint val="40000"/>
+                <a:satMod val="350000"/>
+              </a:schemeClr>
+            </a:gs>
+            <a:gs pos="40000">
+              <a:schemeClr val="phClr">
+                <a:tint val="45000"/>
+                <a:shade val="99000"/>
+                <a:satMod val="350000"/>
+              </a:schemeClr>
+            </a:gs>
+            <a:gs pos="100000">
+              <a:schemeClr val="phClr">
+                <a:shade val="20000"/>
+                <a:satMod val="255000"/>
+              </a:schemeClr>
+            </a:gs>
+          </a:gsLst>
+          <a:path path="circle">
+            <a:fillToRect l="50000" t="-80000" r="50000" b="180000"/>
+          </a:path>
+        </a:gradFill>
+        <a:gradFill rotWithShape="1">
+          <a:gsLst>
+            <a:gs pos="0">
+              <a:schemeClr val="phClr">
+                <a:tint val="80000"/>
+                <a:satMod val="300000"/>
+              </a:schemeClr>
+            </a:gs>
+            <a:gs pos="100000">
+              <a:schemeClr val="phClr">
+                <a:shade val="30000"/>
+                <a:satMod val="200000"/>
+              </a:schemeClr>
+            </a:gs>
+          </a:gsLst>
+          <a:path path="circle">
+            <a:fillToRect l="50000" t="50000" r="50000" b="50000"/>
+          </a:path>
+        </a:gradFill>
+      </a:bgFillStyleLst>
+    </a:fmtScheme>
+  </a:themeElements>
+</a:theme>
 </file>